--- a/Presentation/RoL_HeaterTrial2021.pptx
+++ b/Presentation/RoL_HeaterTrial2021.pptx
@@ -9,9 +9,9 @@
   </p:notesMasterIdLst>
   <p:sldIdLst>
     <p:sldId id="306" r:id="rId2"/>
-    <p:sldId id="414" r:id="rId3"/>
-    <p:sldId id="307" r:id="rId4"/>
-    <p:sldId id="413" r:id="rId5"/>
+    <p:sldId id="415" r:id="rId3"/>
+    <p:sldId id="414" r:id="rId4"/>
+    <p:sldId id="307" r:id="rId5"/>
     <p:sldId id="309" r:id="rId6"/>
     <p:sldId id="310" r:id="rId7"/>
     <p:sldId id="311" r:id="rId8"/>
@@ -147,20 +147,6 @@
 </p:cmLst>
 </file>
 
-<file path=ppt/comments/comment2.xml><?xml version="1.0" encoding="utf-8"?>
-<p:cmLst xmlns:a="http://schemas.openxmlformats.org/drawingml/2006/main" xmlns:r="http://schemas.openxmlformats.org/officeDocument/2006/relationships" xmlns:p="http://schemas.openxmlformats.org/presentationml/2006/main">
-  <p:cm authorId="1" dt="2022-02-14T10:32:51.195" idx="17">
-    <p:pos x="10" y="10"/>
-    <p:text>Mike</p:text>
-    <p:extLst>
-      <p:ext uri="{C676402C-5697-4E1C-873F-D02D1690AC5C}">
-        <p15:threadingInfo xmlns:p15="http://schemas.microsoft.com/office/powerpoint/2012/main" timeZoneBias="480"/>
-      </p:ext>
-    </p:extLst>
-  </p:cm>
-</p:cmLst>
-</file>
-
 <file path=ppt/notesMasters/notesMaster1.xml><?xml version="1.0" encoding="utf-8"?>
 <p:notesMaster xmlns:a="http://schemas.openxmlformats.org/drawingml/2006/main" xmlns:r="http://schemas.openxmlformats.org/officeDocument/2006/relationships" xmlns:p="http://schemas.openxmlformats.org/presentationml/2006/main">
   <p:cSld>
@@ -662,7 +648,7 @@
           <a:p>
             <a:fld id="{FC1567E7-98C2-344B-B05F-1D106CF2EAB3}" type="slidenum">
               <a:rPr lang="en-US" smtClean="0"/>
-              <a:t>2</a:t>
+              <a:t>3</a:t>
             </a:fld>
             <a:endParaRPr lang="en-US"/>
           </a:p>
@@ -746,7 +732,7 @@
           <a:p>
             <a:fld id="{FC1567E7-98C2-344B-B05F-1D106CF2EAB3}" type="slidenum">
               <a:rPr lang="en-US" smtClean="0"/>
-              <a:t>3</a:t>
+              <a:t>4</a:t>
             </a:fld>
             <a:endParaRPr lang="en-US"/>
           </a:p>
@@ -756,221 +742,6 @@
     <p:extLst>
       <p:ext uri="{BB962C8B-B14F-4D97-AF65-F5344CB8AC3E}">
         <p14:creationId xmlns:p14="http://schemas.microsoft.com/office/powerpoint/2010/main" val="1503679562"/>
-      </p:ext>
-    </p:extLst>
-  </p:cSld>
-  <p:clrMapOvr>
-    <a:masterClrMapping/>
-  </p:clrMapOvr>
-</p:notes>
-</file>
-
-<file path=ppt/notesSlides/notesSlide4.xml><?xml version="1.0" encoding="utf-8"?>
-<p:notes xmlns:a="http://schemas.openxmlformats.org/drawingml/2006/main" xmlns:r="http://schemas.openxmlformats.org/officeDocument/2006/relationships" xmlns:p="http://schemas.openxmlformats.org/presentationml/2006/main">
-  <p:cSld>
-    <p:spTree>
-      <p:nvGrpSpPr>
-        <p:cNvPr id="1" name=""/>
-        <p:cNvGrpSpPr/>
-        <p:nvPr/>
-      </p:nvGrpSpPr>
-      <p:grpSpPr>
-        <a:xfrm>
-          <a:off x="0" y="0"/>
-          <a:ext cx="0" cy="0"/>
-          <a:chOff x="0" y="0"/>
-          <a:chExt cx="0" cy="0"/>
-        </a:xfrm>
-      </p:grpSpPr>
-      <p:sp>
-        <p:nvSpPr>
-          <p:cNvPr id="2" name="Slide Image Placeholder 1"/>
-          <p:cNvSpPr>
-            <a:spLocks noGrp="1" noRot="1" noChangeAspect="1"/>
-          </p:cNvSpPr>
-          <p:nvPr>
-            <p:ph type="sldImg"/>
-          </p:nvPr>
-        </p:nvSpPr>
-        <p:spPr/>
-      </p:sp>
-      <p:sp>
-        <p:nvSpPr>
-          <p:cNvPr id="3" name="Notes Placeholder 2"/>
-          <p:cNvSpPr>
-            <a:spLocks noGrp="1"/>
-          </p:cNvSpPr>
-          <p:nvPr>
-            <p:ph type="body" idx="1"/>
-          </p:nvPr>
-        </p:nvSpPr>
-        <p:spPr/>
-        <p:txBody>
-          <a:bodyPr/>
-          <a:lstStyle/>
-          <a:p>
-            <a:pPr marL="171450" indent="-171450">
-              <a:buFont typeface="Arial" panose="020B0604020202020204" pitchFamily="34" charset="0"/>
-              <a:buChar char="•"/>
-            </a:pPr>
-            <a:r>
-              <a:rPr lang="en-US" dirty="0"/>
-              <a:t>Now, I’ll briefly walk you through the experiment and then discuss some key results</a:t>
-            </a:r>
-          </a:p>
-          <a:p>
-            <a:pPr marL="628650" lvl="1" indent="-171450">
-              <a:buFont typeface="Arial" panose="020B0604020202020204" pitchFamily="34" charset="0"/>
-              <a:buChar char="•"/>
-            </a:pPr>
-            <a:r>
-              <a:rPr lang="en-US" dirty="0"/>
-              <a:t>[1] For the first 30 days post fertilization (dpf), all fish were fed the same diet of paramecia</a:t>
-            </a:r>
-          </a:p>
-          <a:p>
-            <a:pPr marL="628650" lvl="1" indent="-171450">
-              <a:buFont typeface="Arial" panose="020B0604020202020204" pitchFamily="34" charset="0"/>
-              <a:buChar char="•"/>
-            </a:pPr>
-            <a:r>
-              <a:rPr lang="en-US" dirty="0"/>
-              <a:t>At 30 dpf, fish were assigned one of three diets.</a:t>
-            </a:r>
-          </a:p>
-          <a:p>
-            <a:pPr marL="1085850" marR="0" lvl="2" indent="-171450" algn="l" defTabSz="914400" rtl="0" eaLnBrk="1" fontAlgn="auto" latinLnBrk="0" hangingPunct="1">
-              <a:lnSpc>
-                <a:spcPct val="100000"/>
-              </a:lnSpc>
-              <a:spcBef>
-                <a:spcPts val="0"/>
-              </a:spcBef>
-              <a:spcAft>
-                <a:spcPts val="0"/>
-              </a:spcAft>
-              <a:buClrTx/>
-              <a:buSzTx/>
-              <a:buFont typeface="Arial" panose="020B0604020202020204" pitchFamily="34" charset="0"/>
-              <a:buChar char="•"/>
-              <a:tabLst/>
-              <a:defRPr/>
-            </a:pPr>
-            <a:r>
-              <a:rPr lang="en-US" dirty="0"/>
-              <a:t>[2] These diets included Gemma, Watts and ZIRC. </a:t>
-            </a:r>
-          </a:p>
-          <a:p>
-            <a:pPr marL="1085850" marR="0" lvl="2" indent="-171450" algn="l" defTabSz="914400" rtl="0" eaLnBrk="1" fontAlgn="auto" latinLnBrk="0" hangingPunct="1">
-              <a:lnSpc>
-                <a:spcPct val="100000"/>
-              </a:lnSpc>
-              <a:spcBef>
-                <a:spcPts val="0"/>
-              </a:spcBef>
-              <a:spcAft>
-                <a:spcPts val="0"/>
-              </a:spcAft>
-              <a:buClrTx/>
-              <a:buSzTx/>
-              <a:buFont typeface="Arial" panose="020B0604020202020204" pitchFamily="34" charset="0"/>
-              <a:buChar char="•"/>
-              <a:tabLst/>
-              <a:defRPr/>
-            </a:pPr>
-            <a:r>
-              <a:rPr lang="en-US" dirty="0"/>
-              <a:t>Each group of fish were fed these diets until the end of the experiment at 6 months of age</a:t>
-            </a:r>
-          </a:p>
-          <a:p>
-            <a:pPr marL="628650" lvl="1" indent="-171450">
-              <a:buFont typeface="Arial" panose="020B0604020202020204" pitchFamily="34" charset="0"/>
-              <a:buChar char="•"/>
-            </a:pPr>
-            <a:r>
-              <a:rPr lang="en-US" dirty="0"/>
-              <a:t>[3] At 3mpf, we collected our first round of fecal samples from fish and physiological measurements (such as weight, length and body condition score, BCS is considered an indicator of health in zebrafish)</a:t>
-            </a:r>
-          </a:p>
-          <a:p>
-            <a:pPr marL="628650" lvl="1" indent="-171450">
-              <a:buFont typeface="Arial" panose="020B0604020202020204" pitchFamily="34" charset="0"/>
-              <a:buChar char="•"/>
-            </a:pPr>
-            <a:r>
-              <a:rPr lang="en-US" dirty="0"/>
-              <a:t>[4] After taking fecal samples at 3mpf, half of the fish were exposed to the pathogen, Mycobacterium </a:t>
-            </a:r>
-            <a:r>
-              <a:rPr lang="en-US" dirty="0" err="1"/>
-              <a:t>cholonae</a:t>
-            </a:r>
-            <a:r>
-              <a:rPr lang="en-US" dirty="0"/>
-              <a:t>, while the other half acted as controls</a:t>
-            </a:r>
-          </a:p>
-          <a:p>
-            <a:pPr marL="171450" lvl="0" indent="-171450">
-              <a:buFont typeface="Arial" panose="020B0604020202020204" pitchFamily="34" charset="0"/>
-              <a:buChar char="•"/>
-            </a:pPr>
-            <a:r>
-              <a:rPr lang="en-US" dirty="0"/>
-              <a:t>[7] And then 6mpf we collected our final round of fecal samples and physiological data</a:t>
-            </a:r>
-          </a:p>
-          <a:p>
-            <a:pPr marL="171450" indent="-171450">
-              <a:buFont typeface="Arial" panose="020B0604020202020204" pitchFamily="34" charset="0"/>
-              <a:buChar char="•"/>
-            </a:pPr>
-            <a:r>
-              <a:rPr lang="en-US" dirty="0"/>
-              <a:t>[8] We then extracted the Microbial DNA and submitted them for sequencing</a:t>
-            </a:r>
-          </a:p>
-          <a:p>
-            <a:pPr marL="171450" indent="-171450">
-              <a:buFont typeface="Arial" panose="020B0604020202020204" pitchFamily="34" charset="0"/>
-              <a:buChar char="•"/>
-            </a:pPr>
-            <a:r>
-              <a:rPr lang="en-US" dirty="0"/>
-              <a:t>[9] From there, I ran the data through a series of pipelines to analyze the physiology and microbiomes of these fish.</a:t>
-            </a:r>
-          </a:p>
-        </p:txBody>
-      </p:sp>
-      <p:sp>
-        <p:nvSpPr>
-          <p:cNvPr id="4" name="Slide Number Placeholder 3"/>
-          <p:cNvSpPr>
-            <a:spLocks noGrp="1"/>
-          </p:cNvSpPr>
-          <p:nvPr>
-            <p:ph type="sldNum" sz="quarter" idx="5"/>
-          </p:nvPr>
-        </p:nvSpPr>
-        <p:spPr/>
-        <p:txBody>
-          <a:bodyPr/>
-          <a:lstStyle/>
-          <a:p>
-            <a:fld id="{2824E95A-90CE-1445-95B1-1C52E29313FB}" type="slidenum">
-              <a:rPr lang="en-US" smtClean="0"/>
-              <a:t>4</a:t>
-            </a:fld>
-            <a:endParaRPr lang="en-US"/>
-          </a:p>
-        </p:txBody>
-      </p:sp>
-    </p:spTree>
-    <p:extLst>
-      <p:ext uri="{BB962C8B-B14F-4D97-AF65-F5344CB8AC3E}">
-        <p14:creationId xmlns:p14="http://schemas.microsoft.com/office/powerpoint/2010/main" val="2088342319"/>
       </p:ext>
     </p:extLst>
   </p:cSld>
@@ -4564,6 +4335,126 @@
 </file>
 
 <file path=ppt/slides/slide2.xml><?xml version="1.0" encoding="utf-8"?>
+<p:sld xmlns:a="http://schemas.openxmlformats.org/drawingml/2006/main" xmlns:r="http://schemas.openxmlformats.org/officeDocument/2006/relationships" xmlns:p="http://schemas.openxmlformats.org/presentationml/2006/main" show="0">
+  <p:cSld>
+    <p:spTree>
+      <p:nvGrpSpPr>
+        <p:cNvPr id="1" name=""/>
+        <p:cNvGrpSpPr/>
+        <p:nvPr/>
+      </p:nvGrpSpPr>
+      <p:grpSpPr>
+        <a:xfrm>
+          <a:off x="0" y="0"/>
+          <a:ext cx="0" cy="0"/>
+          <a:chOff x="0" y="0"/>
+          <a:chExt cx="0" cy="0"/>
+        </a:xfrm>
+      </p:grpSpPr>
+      <p:pic>
+        <p:nvPicPr>
+          <p:cNvPr id="2" name="Picture 1">
+            <a:extLst>
+              <a:ext uri="{FF2B5EF4-FFF2-40B4-BE49-F238E27FC236}">
+                <a16:creationId xmlns:a16="http://schemas.microsoft.com/office/drawing/2014/main" id="{ECD7E4C0-DE2A-AEEA-802A-02EBFFDFA7A6}"/>
+              </a:ext>
+            </a:extLst>
+          </p:cNvPr>
+          <p:cNvPicPr>
+            <a:picLocks noChangeAspect="1"/>
+          </p:cNvPicPr>
+          <p:nvPr/>
+        </p:nvPicPr>
+        <p:blipFill>
+          <a:blip r:embed="rId2"/>
+          <a:stretch>
+            <a:fillRect/>
+          </a:stretch>
+        </p:blipFill>
+        <p:spPr>
+          <a:xfrm rot="18170662" flipH="1">
+            <a:off x="1258810" y="2783297"/>
+            <a:ext cx="3237289" cy="1586271"/>
+          </a:xfrm>
+          <a:prstGeom prst="rect">
+            <a:avLst/>
+          </a:prstGeom>
+        </p:spPr>
+      </p:pic>
+      <p:pic>
+        <p:nvPicPr>
+          <p:cNvPr id="3" name="Picture 2">
+            <a:extLst>
+              <a:ext uri="{FF2B5EF4-FFF2-40B4-BE49-F238E27FC236}">
+                <a16:creationId xmlns:a16="http://schemas.microsoft.com/office/drawing/2014/main" id="{FF0F449E-9F09-54B0-CCFE-F072B2FA1A1A}"/>
+              </a:ext>
+            </a:extLst>
+          </p:cNvPr>
+          <p:cNvPicPr>
+            <a:picLocks noChangeAspect="1"/>
+          </p:cNvPicPr>
+          <p:nvPr/>
+        </p:nvPicPr>
+        <p:blipFill>
+          <a:blip r:embed="rId3"/>
+          <a:stretch>
+            <a:fillRect/>
+          </a:stretch>
+        </p:blipFill>
+        <p:spPr>
+          <a:xfrm rot="17100000" flipH="1">
+            <a:off x="3451654" y="2181864"/>
+            <a:ext cx="3237289" cy="1586271"/>
+          </a:xfrm>
+          <a:prstGeom prst="rect">
+            <a:avLst/>
+          </a:prstGeom>
+        </p:spPr>
+      </p:pic>
+      <p:pic>
+        <p:nvPicPr>
+          <p:cNvPr id="4" name="Picture 3">
+            <a:extLst>
+              <a:ext uri="{FF2B5EF4-FFF2-40B4-BE49-F238E27FC236}">
+                <a16:creationId xmlns:a16="http://schemas.microsoft.com/office/drawing/2014/main" id="{30FF4E93-9985-7719-F25B-6F96F09D0952}"/>
+              </a:ext>
+            </a:extLst>
+          </p:cNvPr>
+          <p:cNvPicPr>
+            <a:picLocks noChangeAspect="1"/>
+          </p:cNvPicPr>
+          <p:nvPr/>
+        </p:nvPicPr>
+        <p:blipFill>
+          <a:blip r:embed="rId4"/>
+          <a:stretch>
+            <a:fillRect/>
+          </a:stretch>
+        </p:blipFill>
+        <p:spPr>
+          <a:xfrm rot="3351111">
+            <a:off x="5016645" y="2486042"/>
+            <a:ext cx="3237289" cy="1586271"/>
+          </a:xfrm>
+          <a:prstGeom prst="rect">
+            <a:avLst/>
+          </a:prstGeom>
+        </p:spPr>
+      </p:pic>
+    </p:spTree>
+    <p:extLst>
+      <p:ext uri="{BB962C8B-B14F-4D97-AF65-F5344CB8AC3E}">
+        <p14:creationId xmlns:p14="http://schemas.microsoft.com/office/powerpoint/2010/main" val="3443145765"/>
+      </p:ext>
+    </p:extLst>
+  </p:cSld>
+  <p:clrMapOvr>
+    <a:masterClrMapping/>
+  </p:clrMapOvr>
+</p:sld>
+</file>
+
+<file path=ppt/slides/slide3.xml><?xml version="1.0" encoding="utf-8"?>
 <p:sld xmlns:a="http://schemas.openxmlformats.org/drawingml/2006/main" xmlns:r="http://schemas.openxmlformats.org/officeDocument/2006/relationships" xmlns:p="http://schemas.openxmlformats.org/presentationml/2006/main">
   <p:cSld>
     <p:spTree>
@@ -4833,7 +4724,7 @@
               <a:avLst/>
             </a:prstGeom>
             <a:solidFill>
-              <a:srgbClr val="FFBC74"/>
+              <a:srgbClr val="3288BD"/>
             </a:solidFill>
             <a:ln>
               <a:solidFill>
@@ -4890,7 +4781,7 @@
               <a:avLst/>
             </a:prstGeom>
             <a:solidFill>
-              <a:srgbClr val="F46D43"/>
+              <a:srgbClr val="66C2A5"/>
             </a:solidFill>
             <a:ln>
               <a:solidFill>
@@ -4980,333 +4871,6 @@
             <a:p>
               <a:pPr algn="ctr"/>
               <a:endParaRPr lang="en-US"/>
-            </a:p>
-          </p:txBody>
-        </p:sp>
-      </p:grpSp>
-      <p:grpSp>
-        <p:nvGrpSpPr>
-          <p:cNvPr id="12" name="Group 11">
-            <a:extLst>
-              <a:ext uri="{FF2B5EF4-FFF2-40B4-BE49-F238E27FC236}">
-                <a16:creationId xmlns:a16="http://schemas.microsoft.com/office/drawing/2014/main" id="{6CB22A61-BD39-BA95-3203-CCC2E656629F}"/>
-              </a:ext>
-            </a:extLst>
-          </p:cNvPr>
-          <p:cNvGrpSpPr/>
-          <p:nvPr/>
-        </p:nvGrpSpPr>
-        <p:grpSpPr>
-          <a:xfrm>
-            <a:off x="3683716" y="758220"/>
-            <a:ext cx="1485106" cy="3396440"/>
-            <a:chOff x="3683716" y="461337"/>
-            <a:chExt cx="1485106" cy="3396440"/>
-          </a:xfrm>
-        </p:grpSpPr>
-        <p:pic>
-          <p:nvPicPr>
-            <p:cNvPr id="13" name="Picture 12">
-              <a:extLst>
-                <a:ext uri="{FF2B5EF4-FFF2-40B4-BE49-F238E27FC236}">
-                  <a16:creationId xmlns:a16="http://schemas.microsoft.com/office/drawing/2014/main" id="{D51DF0AD-2E90-DA43-79D9-7D3B99F488E4}"/>
-                </a:ext>
-              </a:extLst>
-            </p:cNvPr>
-            <p:cNvPicPr>
-              <a:picLocks noChangeAspect="1"/>
-            </p:cNvPicPr>
-            <p:nvPr/>
-          </p:nvPicPr>
-          <p:blipFill>
-            <a:blip r:embed="rId6"/>
-            <a:stretch>
-              <a:fillRect/>
-            </a:stretch>
-          </p:blipFill>
-          <p:spPr>
-            <a:xfrm>
-              <a:off x="3683716" y="461337"/>
-              <a:ext cx="1485106" cy="727701"/>
-            </a:xfrm>
-            <a:prstGeom prst="rect">
-              <a:avLst/>
-            </a:prstGeom>
-          </p:spPr>
-        </p:pic>
-        <p:sp>
-          <p:nvSpPr>
-            <p:cNvPr id="14" name="TextBox 13">
-              <a:extLst>
-                <a:ext uri="{FF2B5EF4-FFF2-40B4-BE49-F238E27FC236}">
-                  <a16:creationId xmlns:a16="http://schemas.microsoft.com/office/drawing/2014/main" id="{171CF5C9-C45F-E05F-86EF-DE09A94FCBA1}"/>
-                </a:ext>
-              </a:extLst>
-            </p:cNvPr>
-            <p:cNvSpPr txBox="1"/>
-            <p:nvPr/>
-          </p:nvSpPr>
-          <p:spPr>
-            <a:xfrm>
-              <a:off x="3959920" y="988030"/>
-              <a:ext cx="932698" cy="369332"/>
-            </a:xfrm>
-            <a:prstGeom prst="rect">
-              <a:avLst/>
-            </a:prstGeom>
-            <a:noFill/>
-          </p:spPr>
-          <p:txBody>
-            <a:bodyPr wrap="square" rtlCol="0">
-              <a:spAutoFit/>
-            </a:bodyPr>
-            <a:lstStyle/>
-            <a:p>
-              <a:pPr algn="ctr"/>
-              <a:r>
-                <a:rPr lang="en-US" dirty="0"/>
-                <a:t>28°C</a:t>
-              </a:r>
-            </a:p>
-          </p:txBody>
-        </p:sp>
-        <p:pic>
-          <p:nvPicPr>
-            <p:cNvPr id="15" name="Picture 14">
-              <a:extLst>
-                <a:ext uri="{FF2B5EF4-FFF2-40B4-BE49-F238E27FC236}">
-                  <a16:creationId xmlns:a16="http://schemas.microsoft.com/office/drawing/2014/main" id="{02596DA5-A33F-1CC4-AC63-C9E8B016F977}"/>
-                </a:ext>
-              </a:extLst>
-            </p:cNvPr>
-            <p:cNvPicPr>
-              <a:picLocks noChangeAspect="1"/>
-            </p:cNvPicPr>
-            <p:nvPr/>
-          </p:nvPicPr>
-          <p:blipFill>
-            <a:blip r:embed="rId7"/>
-            <a:stretch>
-              <a:fillRect/>
-            </a:stretch>
-          </p:blipFill>
-          <p:spPr>
-            <a:xfrm>
-              <a:off x="3683717" y="1652119"/>
-              <a:ext cx="1485104" cy="727702"/>
-            </a:xfrm>
-            <a:prstGeom prst="rect">
-              <a:avLst/>
-            </a:prstGeom>
-          </p:spPr>
-        </p:pic>
-        <p:sp>
-          <p:nvSpPr>
-            <p:cNvPr id="16" name="TextBox 15">
-              <a:extLst>
-                <a:ext uri="{FF2B5EF4-FFF2-40B4-BE49-F238E27FC236}">
-                  <a16:creationId xmlns:a16="http://schemas.microsoft.com/office/drawing/2014/main" id="{2672FBAA-2BC8-FB9E-9094-2BE2CB6A314D}"/>
-                </a:ext>
-              </a:extLst>
-            </p:cNvPr>
-            <p:cNvSpPr txBox="1"/>
-            <p:nvPr/>
-          </p:nvSpPr>
-          <p:spPr>
-            <a:xfrm>
-              <a:off x="3959920" y="2191029"/>
-              <a:ext cx="932698" cy="369332"/>
-            </a:xfrm>
-            <a:prstGeom prst="rect">
-              <a:avLst/>
-            </a:prstGeom>
-            <a:noFill/>
-          </p:spPr>
-          <p:txBody>
-            <a:bodyPr wrap="square" rtlCol="0">
-              <a:spAutoFit/>
-            </a:bodyPr>
-            <a:lstStyle/>
-            <a:p>
-              <a:pPr algn="ctr"/>
-              <a:r>
-                <a:rPr lang="en-US" dirty="0"/>
-                <a:t>32°C</a:t>
-              </a:r>
-            </a:p>
-          </p:txBody>
-        </p:sp>
-        <p:pic>
-          <p:nvPicPr>
-            <p:cNvPr id="17" name="Picture 16">
-              <a:extLst>
-                <a:ext uri="{FF2B5EF4-FFF2-40B4-BE49-F238E27FC236}">
-                  <a16:creationId xmlns:a16="http://schemas.microsoft.com/office/drawing/2014/main" id="{B43C197B-6651-3F72-A3D4-FD263A200B5F}"/>
-                </a:ext>
-              </a:extLst>
-            </p:cNvPr>
-            <p:cNvPicPr>
-              <a:picLocks noChangeAspect="1"/>
-            </p:cNvPicPr>
-            <p:nvPr/>
-          </p:nvPicPr>
-          <p:blipFill>
-            <a:blip r:embed="rId8"/>
-            <a:stretch>
-              <a:fillRect/>
-            </a:stretch>
-          </p:blipFill>
-          <p:spPr>
-            <a:xfrm>
-              <a:off x="3683717" y="2749735"/>
-              <a:ext cx="1485104" cy="727701"/>
-            </a:xfrm>
-            <a:prstGeom prst="rect">
-              <a:avLst/>
-            </a:prstGeom>
-          </p:spPr>
-        </p:pic>
-        <p:sp>
-          <p:nvSpPr>
-            <p:cNvPr id="18" name="TextBox 17">
-              <a:extLst>
-                <a:ext uri="{FF2B5EF4-FFF2-40B4-BE49-F238E27FC236}">
-                  <a16:creationId xmlns:a16="http://schemas.microsoft.com/office/drawing/2014/main" id="{E4C6A0E4-4F58-05C5-52B8-438891BE93A1}"/>
-                </a:ext>
-              </a:extLst>
-            </p:cNvPr>
-            <p:cNvSpPr txBox="1"/>
-            <p:nvPr/>
-          </p:nvSpPr>
-          <p:spPr>
-            <a:xfrm>
-              <a:off x="3959920" y="3281784"/>
-              <a:ext cx="932698" cy="369332"/>
-            </a:xfrm>
-            <a:prstGeom prst="rect">
-              <a:avLst/>
-            </a:prstGeom>
-            <a:noFill/>
-          </p:spPr>
-          <p:txBody>
-            <a:bodyPr wrap="square" rtlCol="0">
-              <a:spAutoFit/>
-            </a:bodyPr>
-            <a:lstStyle/>
-            <a:p>
-              <a:pPr algn="ctr"/>
-              <a:r>
-                <a:rPr lang="en-US" dirty="0"/>
-                <a:t>35°C</a:t>
-              </a:r>
-            </a:p>
-          </p:txBody>
-        </p:sp>
-        <p:sp>
-          <p:nvSpPr>
-            <p:cNvPr id="19" name="TextBox 18">
-              <a:extLst>
-                <a:ext uri="{FF2B5EF4-FFF2-40B4-BE49-F238E27FC236}">
-                  <a16:creationId xmlns:a16="http://schemas.microsoft.com/office/drawing/2014/main" id="{41F3234F-145B-EAEA-55F0-2D70B1136137}"/>
-                </a:ext>
-              </a:extLst>
-            </p:cNvPr>
-            <p:cNvSpPr txBox="1"/>
-            <p:nvPr/>
-          </p:nvSpPr>
-          <p:spPr>
-            <a:xfrm>
-              <a:off x="3954973" y="1209376"/>
-              <a:ext cx="942592" cy="307777"/>
-            </a:xfrm>
-            <a:prstGeom prst="rect">
-              <a:avLst/>
-            </a:prstGeom>
-            <a:noFill/>
-          </p:spPr>
-          <p:txBody>
-            <a:bodyPr wrap="square" rtlCol="0">
-              <a:spAutoFit/>
-            </a:bodyPr>
-            <a:lstStyle/>
-            <a:p>
-              <a:pPr algn="ctr"/>
-              <a:r>
-                <a:rPr lang="en-US" sz="1400" dirty="0"/>
-                <a:t>(n = 97)</a:t>
-              </a:r>
-            </a:p>
-          </p:txBody>
-        </p:sp>
-        <p:sp>
-          <p:nvSpPr>
-            <p:cNvPr id="20" name="TextBox 19">
-              <a:extLst>
-                <a:ext uri="{FF2B5EF4-FFF2-40B4-BE49-F238E27FC236}">
-                  <a16:creationId xmlns:a16="http://schemas.microsoft.com/office/drawing/2014/main" id="{B3AFA209-9C34-EF60-A0C2-C239404A544E}"/>
-                </a:ext>
-              </a:extLst>
-            </p:cNvPr>
-            <p:cNvSpPr txBox="1"/>
-            <p:nvPr/>
-          </p:nvSpPr>
-          <p:spPr>
-            <a:xfrm>
-              <a:off x="3954973" y="2422072"/>
-              <a:ext cx="942592" cy="307777"/>
-            </a:xfrm>
-            <a:prstGeom prst="rect">
-              <a:avLst/>
-            </a:prstGeom>
-            <a:noFill/>
-          </p:spPr>
-          <p:txBody>
-            <a:bodyPr wrap="square" rtlCol="0">
-              <a:spAutoFit/>
-            </a:bodyPr>
-            <a:lstStyle/>
-            <a:p>
-              <a:pPr algn="ctr"/>
-              <a:r>
-                <a:rPr lang="en-US" sz="1400" dirty="0"/>
-                <a:t>(n = 98)</a:t>
-              </a:r>
-            </a:p>
-          </p:txBody>
-        </p:sp>
-        <p:sp>
-          <p:nvSpPr>
-            <p:cNvPr id="21" name="TextBox 20">
-              <a:extLst>
-                <a:ext uri="{FF2B5EF4-FFF2-40B4-BE49-F238E27FC236}">
-                  <a16:creationId xmlns:a16="http://schemas.microsoft.com/office/drawing/2014/main" id="{8A881839-E8F6-F8B2-30C3-FFFC286C39A2}"/>
-                </a:ext>
-              </a:extLst>
-            </p:cNvPr>
-            <p:cNvSpPr txBox="1"/>
-            <p:nvPr/>
-          </p:nvSpPr>
-          <p:spPr>
-            <a:xfrm>
-              <a:off x="3954973" y="3550000"/>
-              <a:ext cx="942592" cy="307777"/>
-            </a:xfrm>
-            <a:prstGeom prst="rect">
-              <a:avLst/>
-            </a:prstGeom>
-            <a:noFill/>
-          </p:spPr>
-          <p:txBody>
-            <a:bodyPr wrap="square" rtlCol="0">
-              <a:spAutoFit/>
-            </a:bodyPr>
-            <a:lstStyle/>
-            <a:p>
-              <a:pPr algn="ctr"/>
-              <a:r>
-                <a:rPr lang="en-US" sz="1400" dirty="0"/>
-                <a:t>(n = 95)</a:t>
-              </a:r>
             </a:p>
           </p:txBody>
         </p:sp>
@@ -5431,10 +4995,10 @@
               <p:nvPr/>
             </p:nvPicPr>
             <p:blipFill>
-              <a:blip r:embed="rId9">
+              <a:blip r:embed="rId6">
                 <a:extLst>
                   <a:ext uri="{96DAC541-7B7A-43D3-8B79-37D633B846F1}">
-                    <asvg:svgBlip xmlns:asvg="http://schemas.microsoft.com/office/drawing/2016/SVG/main" r:embed="rId10"/>
+                    <asvg:svgBlip xmlns:asvg="http://schemas.microsoft.com/office/drawing/2016/SVG/main" r:embed="rId7"/>
                   </a:ext>
                 </a:extLst>
               </a:blip>
@@ -5709,10 +5273,10 @@
               <p:nvPr/>
             </p:nvPicPr>
             <p:blipFill>
-              <a:blip r:embed="rId9">
+              <a:blip r:embed="rId6">
                 <a:extLst>
                   <a:ext uri="{96DAC541-7B7A-43D3-8B79-37D633B846F1}">
-                    <asvg:svgBlip xmlns:asvg="http://schemas.microsoft.com/office/drawing/2016/SVG/main" r:embed="rId11"/>
+                    <asvg:svgBlip xmlns:asvg="http://schemas.microsoft.com/office/drawing/2016/SVG/main" r:embed="rId8"/>
                   </a:ext>
                 </a:extLst>
               </a:blip>
@@ -5987,10 +5551,10 @@
               <p:nvPr/>
             </p:nvPicPr>
             <p:blipFill>
-              <a:blip r:embed="rId9">
+              <a:blip r:embed="rId6">
                 <a:extLst>
                   <a:ext uri="{96DAC541-7B7A-43D3-8B79-37D633B846F1}">
-                    <asvg:svgBlip xmlns:asvg="http://schemas.microsoft.com/office/drawing/2016/SVG/main" r:embed="rId11"/>
+                    <asvg:svgBlip xmlns:asvg="http://schemas.microsoft.com/office/drawing/2016/SVG/main" r:embed="rId8"/>
                   </a:ext>
                 </a:extLst>
               </a:blip>
@@ -6159,7 +5723,7 @@
         </p:nvSpPr>
         <p:spPr>
           <a:xfrm>
-            <a:off x="7613032" y="575794"/>
+            <a:off x="7579414" y="465321"/>
             <a:ext cx="2219421" cy="369332"/>
           </a:xfrm>
           <a:prstGeom prst="rect">
@@ -6194,7 +5758,7 @@
         </p:nvSpPr>
         <p:spPr>
           <a:xfrm>
-            <a:off x="7613032" y="1049883"/>
+            <a:off x="7579414" y="974570"/>
             <a:ext cx="2219421" cy="369332"/>
           </a:xfrm>
           <a:prstGeom prst="rect">
@@ -7090,6 +6654,354 @@
           </a:p>
         </p:txBody>
       </p:sp>
+      <p:grpSp>
+        <p:nvGrpSpPr>
+          <p:cNvPr id="81" name="Group 80">
+            <a:extLst>
+              <a:ext uri="{FF2B5EF4-FFF2-40B4-BE49-F238E27FC236}">
+                <a16:creationId xmlns:a16="http://schemas.microsoft.com/office/drawing/2014/main" id="{198DFAE2-1E4B-7DE7-4C82-81D54E97B643}"/>
+              </a:ext>
+            </a:extLst>
+          </p:cNvPr>
+          <p:cNvGrpSpPr/>
+          <p:nvPr/>
+        </p:nvGrpSpPr>
+        <p:grpSpPr>
+          <a:xfrm>
+            <a:off x="3679554" y="789233"/>
+            <a:ext cx="1510219" cy="3365427"/>
+            <a:chOff x="3679554" y="789233"/>
+            <a:chExt cx="1510219" cy="3365427"/>
+          </a:xfrm>
+        </p:grpSpPr>
+        <p:sp>
+          <p:nvSpPr>
+            <p:cNvPr id="14" name="TextBox 13">
+              <a:extLst>
+                <a:ext uri="{FF2B5EF4-FFF2-40B4-BE49-F238E27FC236}">
+                  <a16:creationId xmlns:a16="http://schemas.microsoft.com/office/drawing/2014/main" id="{171CF5C9-C45F-E05F-86EF-DE09A94FCBA1}"/>
+                </a:ext>
+              </a:extLst>
+            </p:cNvPr>
+            <p:cNvSpPr txBox="1"/>
+            <p:nvPr/>
+          </p:nvSpPr>
+          <p:spPr>
+            <a:xfrm>
+              <a:off x="3959920" y="1284913"/>
+              <a:ext cx="932698" cy="369332"/>
+            </a:xfrm>
+            <a:prstGeom prst="rect">
+              <a:avLst/>
+            </a:prstGeom>
+            <a:noFill/>
+          </p:spPr>
+          <p:txBody>
+            <a:bodyPr wrap="square" rtlCol="0">
+              <a:spAutoFit/>
+            </a:bodyPr>
+            <a:lstStyle/>
+            <a:p>
+              <a:pPr algn="ctr"/>
+              <a:r>
+                <a:rPr lang="en-US" dirty="0"/>
+                <a:t>28°C</a:t>
+              </a:r>
+            </a:p>
+          </p:txBody>
+        </p:sp>
+        <p:sp>
+          <p:nvSpPr>
+            <p:cNvPr id="16" name="TextBox 15">
+              <a:extLst>
+                <a:ext uri="{FF2B5EF4-FFF2-40B4-BE49-F238E27FC236}">
+                  <a16:creationId xmlns:a16="http://schemas.microsoft.com/office/drawing/2014/main" id="{2672FBAA-2BC8-FB9E-9094-2BE2CB6A314D}"/>
+                </a:ext>
+              </a:extLst>
+            </p:cNvPr>
+            <p:cNvSpPr txBox="1"/>
+            <p:nvPr/>
+          </p:nvSpPr>
+          <p:spPr>
+            <a:xfrm>
+              <a:off x="3959920" y="2487912"/>
+              <a:ext cx="932698" cy="369332"/>
+            </a:xfrm>
+            <a:prstGeom prst="rect">
+              <a:avLst/>
+            </a:prstGeom>
+            <a:noFill/>
+          </p:spPr>
+          <p:txBody>
+            <a:bodyPr wrap="square" rtlCol="0">
+              <a:spAutoFit/>
+            </a:bodyPr>
+            <a:lstStyle/>
+            <a:p>
+              <a:pPr algn="ctr"/>
+              <a:r>
+                <a:rPr lang="en-US" dirty="0"/>
+                <a:t>32°C</a:t>
+              </a:r>
+            </a:p>
+          </p:txBody>
+        </p:sp>
+        <p:sp>
+          <p:nvSpPr>
+            <p:cNvPr id="18" name="TextBox 17">
+              <a:extLst>
+                <a:ext uri="{FF2B5EF4-FFF2-40B4-BE49-F238E27FC236}">
+                  <a16:creationId xmlns:a16="http://schemas.microsoft.com/office/drawing/2014/main" id="{E4C6A0E4-4F58-05C5-52B8-438891BE93A1}"/>
+                </a:ext>
+              </a:extLst>
+            </p:cNvPr>
+            <p:cNvSpPr txBox="1"/>
+            <p:nvPr/>
+          </p:nvSpPr>
+          <p:spPr>
+            <a:xfrm>
+              <a:off x="3959920" y="3578667"/>
+              <a:ext cx="932698" cy="369332"/>
+            </a:xfrm>
+            <a:prstGeom prst="rect">
+              <a:avLst/>
+            </a:prstGeom>
+            <a:noFill/>
+          </p:spPr>
+          <p:txBody>
+            <a:bodyPr wrap="square" rtlCol="0">
+              <a:spAutoFit/>
+            </a:bodyPr>
+            <a:lstStyle/>
+            <a:p>
+              <a:pPr algn="ctr"/>
+              <a:r>
+                <a:rPr lang="en-US" dirty="0"/>
+                <a:t>35°C</a:t>
+              </a:r>
+            </a:p>
+          </p:txBody>
+        </p:sp>
+        <p:sp>
+          <p:nvSpPr>
+            <p:cNvPr id="19" name="TextBox 18">
+              <a:extLst>
+                <a:ext uri="{FF2B5EF4-FFF2-40B4-BE49-F238E27FC236}">
+                  <a16:creationId xmlns:a16="http://schemas.microsoft.com/office/drawing/2014/main" id="{41F3234F-145B-EAEA-55F0-2D70B1136137}"/>
+                </a:ext>
+              </a:extLst>
+            </p:cNvPr>
+            <p:cNvSpPr txBox="1"/>
+            <p:nvPr/>
+          </p:nvSpPr>
+          <p:spPr>
+            <a:xfrm>
+              <a:off x="3954973" y="1506259"/>
+              <a:ext cx="942592" cy="307777"/>
+            </a:xfrm>
+            <a:prstGeom prst="rect">
+              <a:avLst/>
+            </a:prstGeom>
+            <a:noFill/>
+          </p:spPr>
+          <p:txBody>
+            <a:bodyPr wrap="square" rtlCol="0">
+              <a:spAutoFit/>
+            </a:bodyPr>
+            <a:lstStyle/>
+            <a:p>
+              <a:pPr algn="ctr"/>
+              <a:r>
+                <a:rPr lang="en-US" sz="1400" dirty="0"/>
+                <a:t>(n = 97)</a:t>
+              </a:r>
+            </a:p>
+          </p:txBody>
+        </p:sp>
+        <p:sp>
+          <p:nvSpPr>
+            <p:cNvPr id="20" name="TextBox 19">
+              <a:extLst>
+                <a:ext uri="{FF2B5EF4-FFF2-40B4-BE49-F238E27FC236}">
+                  <a16:creationId xmlns:a16="http://schemas.microsoft.com/office/drawing/2014/main" id="{B3AFA209-9C34-EF60-A0C2-C239404A544E}"/>
+                </a:ext>
+              </a:extLst>
+            </p:cNvPr>
+            <p:cNvSpPr txBox="1"/>
+            <p:nvPr/>
+          </p:nvSpPr>
+          <p:spPr>
+            <a:xfrm>
+              <a:off x="3954973" y="2718955"/>
+              <a:ext cx="942592" cy="307777"/>
+            </a:xfrm>
+            <a:prstGeom prst="rect">
+              <a:avLst/>
+            </a:prstGeom>
+            <a:noFill/>
+          </p:spPr>
+          <p:txBody>
+            <a:bodyPr wrap="square" rtlCol="0">
+              <a:spAutoFit/>
+            </a:bodyPr>
+            <a:lstStyle/>
+            <a:p>
+              <a:pPr algn="ctr"/>
+              <a:r>
+                <a:rPr lang="en-US" sz="1400" dirty="0"/>
+                <a:t>(n = 98)</a:t>
+              </a:r>
+            </a:p>
+          </p:txBody>
+        </p:sp>
+        <p:sp>
+          <p:nvSpPr>
+            <p:cNvPr id="21" name="TextBox 20">
+              <a:extLst>
+                <a:ext uri="{FF2B5EF4-FFF2-40B4-BE49-F238E27FC236}">
+                  <a16:creationId xmlns:a16="http://schemas.microsoft.com/office/drawing/2014/main" id="{8A881839-E8F6-F8B2-30C3-FFFC286C39A2}"/>
+                </a:ext>
+              </a:extLst>
+            </p:cNvPr>
+            <p:cNvSpPr txBox="1"/>
+            <p:nvPr/>
+          </p:nvSpPr>
+          <p:spPr>
+            <a:xfrm>
+              <a:off x="3954973" y="3846883"/>
+              <a:ext cx="942592" cy="307777"/>
+            </a:xfrm>
+            <a:prstGeom prst="rect">
+              <a:avLst/>
+            </a:prstGeom>
+            <a:noFill/>
+          </p:spPr>
+          <p:txBody>
+            <a:bodyPr wrap="square" rtlCol="0">
+              <a:spAutoFit/>
+            </a:bodyPr>
+            <a:lstStyle/>
+            <a:p>
+              <a:pPr algn="ctr"/>
+              <a:r>
+                <a:rPr lang="en-US" sz="1400" dirty="0"/>
+                <a:t>(n = 95)</a:t>
+              </a:r>
+            </a:p>
+          </p:txBody>
+        </p:sp>
+        <p:grpSp>
+          <p:nvGrpSpPr>
+            <p:cNvPr id="80" name="Group 79">
+              <a:extLst>
+                <a:ext uri="{FF2B5EF4-FFF2-40B4-BE49-F238E27FC236}">
+                  <a16:creationId xmlns:a16="http://schemas.microsoft.com/office/drawing/2014/main" id="{BA32B066-CEBE-31F7-6DDC-9614D9F77525}"/>
+                </a:ext>
+              </a:extLst>
+            </p:cNvPr>
+            <p:cNvGrpSpPr/>
+            <p:nvPr/>
+          </p:nvGrpSpPr>
+          <p:grpSpPr>
+            <a:xfrm>
+              <a:off x="3679554" y="789233"/>
+              <a:ext cx="1510219" cy="2988818"/>
+              <a:chOff x="3679554" y="789233"/>
+              <a:chExt cx="1510219" cy="2988818"/>
+            </a:xfrm>
+          </p:grpSpPr>
+          <p:pic>
+            <p:nvPicPr>
+              <p:cNvPr id="75" name="Picture 74">
+                <a:extLst>
+                  <a:ext uri="{FF2B5EF4-FFF2-40B4-BE49-F238E27FC236}">
+                    <a16:creationId xmlns:a16="http://schemas.microsoft.com/office/drawing/2014/main" id="{C9DFE8FB-0A21-2073-9325-F8BD344BCFA3}"/>
+                  </a:ext>
+                </a:extLst>
+              </p:cNvPr>
+              <p:cNvPicPr>
+                <a:picLocks noChangeAspect="1"/>
+              </p:cNvPicPr>
+              <p:nvPr/>
+            </p:nvPicPr>
+            <p:blipFill>
+              <a:blip r:embed="rId9"/>
+              <a:stretch>
+                <a:fillRect/>
+              </a:stretch>
+            </p:blipFill>
+            <p:spPr>
+              <a:xfrm>
+                <a:off x="3679554" y="789233"/>
+                <a:ext cx="1510219" cy="740007"/>
+              </a:xfrm>
+              <a:prstGeom prst="rect">
+                <a:avLst/>
+              </a:prstGeom>
+            </p:spPr>
+          </p:pic>
+          <p:pic>
+            <p:nvPicPr>
+              <p:cNvPr id="77" name="Picture 76">
+                <a:extLst>
+                  <a:ext uri="{FF2B5EF4-FFF2-40B4-BE49-F238E27FC236}">
+                    <a16:creationId xmlns:a16="http://schemas.microsoft.com/office/drawing/2014/main" id="{3BA6EFBE-0F15-FF65-3558-9022CA2C56EE}"/>
+                  </a:ext>
+                </a:extLst>
+              </p:cNvPr>
+              <p:cNvPicPr>
+                <a:picLocks noChangeAspect="1"/>
+              </p:cNvPicPr>
+              <p:nvPr/>
+            </p:nvPicPr>
+            <p:blipFill>
+              <a:blip r:embed="rId10"/>
+              <a:stretch>
+                <a:fillRect/>
+              </a:stretch>
+            </p:blipFill>
+            <p:spPr>
+              <a:xfrm>
+                <a:off x="3679554" y="1951579"/>
+                <a:ext cx="1510219" cy="740007"/>
+              </a:xfrm>
+              <a:prstGeom prst="rect">
+                <a:avLst/>
+              </a:prstGeom>
+            </p:spPr>
+          </p:pic>
+          <p:pic>
+            <p:nvPicPr>
+              <p:cNvPr id="79" name="Picture 78">
+                <a:extLst>
+                  <a:ext uri="{FF2B5EF4-FFF2-40B4-BE49-F238E27FC236}">
+                    <a16:creationId xmlns:a16="http://schemas.microsoft.com/office/drawing/2014/main" id="{F108CCCD-5BA0-3CD6-57E4-465CF33E65D0}"/>
+                  </a:ext>
+                </a:extLst>
+              </p:cNvPr>
+              <p:cNvPicPr>
+                <a:picLocks noChangeAspect="1"/>
+              </p:cNvPicPr>
+              <p:nvPr/>
+            </p:nvPicPr>
+            <p:blipFill>
+              <a:blip r:embed="rId11"/>
+              <a:stretch>
+                <a:fillRect/>
+              </a:stretch>
+            </p:blipFill>
+            <p:spPr>
+              <a:xfrm>
+                <a:off x="3679554" y="3038044"/>
+                <a:ext cx="1510219" cy="740007"/>
+              </a:xfrm>
+              <a:prstGeom prst="rect">
+                <a:avLst/>
+              </a:prstGeom>
+            </p:spPr>
+          </p:pic>
+        </p:grpSp>
+      </p:grpSp>
     </p:spTree>
     <p:extLst>
       <p:ext uri="{BB962C8B-B14F-4D97-AF65-F5344CB8AC3E}">
@@ -7103,7 +7015,7 @@
 </p:sld>
 </file>
 
-<file path=ppt/slides/slide3.xml><?xml version="1.0" encoding="utf-8"?>
+<file path=ppt/slides/slide4.xml><?xml version="1.0" encoding="utf-8"?>
 <p:sld xmlns:a="http://schemas.openxmlformats.org/drawingml/2006/main" xmlns:r="http://schemas.openxmlformats.org/officeDocument/2006/relationships" xmlns:p="http://schemas.openxmlformats.org/presentationml/2006/main">
   <p:cSld>
     <p:spTree>
@@ -7188,3028 +7100,6 @@
   <p:clrMapOvr>
     <a:masterClrMapping/>
   </p:clrMapOvr>
-</p:sld>
-</file>
-
-<file path=ppt/slides/slide4.xml><?xml version="1.0" encoding="utf-8"?>
-<p:sld xmlns:a="http://schemas.openxmlformats.org/drawingml/2006/main" xmlns:r="http://schemas.openxmlformats.org/officeDocument/2006/relationships" xmlns:p="http://schemas.openxmlformats.org/presentationml/2006/main">
-  <p:cSld>
-    <p:spTree>
-      <p:nvGrpSpPr>
-        <p:cNvPr id="1" name=""/>
-        <p:cNvGrpSpPr/>
-        <p:nvPr/>
-      </p:nvGrpSpPr>
-      <p:grpSpPr>
-        <a:xfrm>
-          <a:off x="0" y="0"/>
-          <a:ext cx="0" cy="0"/>
-          <a:chOff x="0" y="0"/>
-          <a:chExt cx="0" cy="0"/>
-        </a:xfrm>
-      </p:grpSpPr>
-      <p:grpSp>
-        <p:nvGrpSpPr>
-          <p:cNvPr id="6" name="Group 5">
-            <a:extLst>
-              <a:ext uri="{FF2B5EF4-FFF2-40B4-BE49-F238E27FC236}">
-                <a16:creationId xmlns:a16="http://schemas.microsoft.com/office/drawing/2014/main" id="{8AD19D08-251D-B34A-8CBE-FB0B9E56FFAD}"/>
-              </a:ext>
-            </a:extLst>
-          </p:cNvPr>
-          <p:cNvGrpSpPr/>
-          <p:nvPr/>
-        </p:nvGrpSpPr>
-        <p:grpSpPr>
-          <a:xfrm>
-            <a:off x="7655162" y="1058825"/>
-            <a:ext cx="317886" cy="1897072"/>
-            <a:chOff x="7655162" y="1058825"/>
-            <a:chExt cx="317886" cy="1897072"/>
-          </a:xfrm>
-        </p:grpSpPr>
-        <p:sp>
-          <p:nvSpPr>
-            <p:cNvPr id="85" name="Right Arrow 84">
-              <a:extLst>
-                <a:ext uri="{FF2B5EF4-FFF2-40B4-BE49-F238E27FC236}">
-                  <a16:creationId xmlns:a16="http://schemas.microsoft.com/office/drawing/2014/main" id="{6D97BD3B-5B82-9748-BBA7-3F068EF7D9D5}"/>
-                </a:ext>
-              </a:extLst>
-            </p:cNvPr>
-            <p:cNvSpPr/>
-            <p:nvPr/>
-          </p:nvSpPr>
-          <p:spPr>
-            <a:xfrm rot="1800000">
-              <a:off x="7655162" y="1058825"/>
-              <a:ext cx="314873" cy="314489"/>
-            </a:xfrm>
-            <a:prstGeom prst="rightArrow">
-              <a:avLst/>
-            </a:prstGeom>
-            <a:solidFill>
-              <a:srgbClr val="1A9E77"/>
-            </a:solidFill>
-            <a:ln>
-              <a:solidFill>
-                <a:schemeClr val="tx1">
-                  <a:lumMod val="75000"/>
-                  <a:lumOff val="25000"/>
-                </a:schemeClr>
-              </a:solidFill>
-            </a:ln>
-          </p:spPr>
-          <p:style>
-            <a:lnRef idx="2">
-              <a:schemeClr val="accent1">
-                <a:shade val="50000"/>
-              </a:schemeClr>
-            </a:lnRef>
-            <a:fillRef idx="1">
-              <a:schemeClr val="accent1"/>
-            </a:fillRef>
-            <a:effectRef idx="0">
-              <a:schemeClr val="accent1"/>
-            </a:effectRef>
-            <a:fontRef idx="minor">
-              <a:schemeClr val="lt1"/>
-            </a:fontRef>
-          </p:style>
-          <p:txBody>
-            <a:bodyPr rtlCol="0" anchor="ctr"/>
-            <a:lstStyle/>
-            <a:p>
-              <a:pPr algn="ctr"/>
-              <a:endParaRPr lang="en-US" dirty="0"/>
-            </a:p>
-          </p:txBody>
-        </p:sp>
-        <p:sp>
-          <p:nvSpPr>
-            <p:cNvPr id="86" name="Right Arrow 85">
-              <a:extLst>
-                <a:ext uri="{FF2B5EF4-FFF2-40B4-BE49-F238E27FC236}">
-                  <a16:creationId xmlns:a16="http://schemas.microsoft.com/office/drawing/2014/main" id="{359F0100-CC5A-134A-B41C-C72E875C2651}"/>
-                </a:ext>
-              </a:extLst>
-            </p:cNvPr>
-            <p:cNvSpPr/>
-            <p:nvPr/>
-          </p:nvSpPr>
-          <p:spPr>
-            <a:xfrm>
-              <a:off x="7658175" y="1849893"/>
-              <a:ext cx="314873" cy="314489"/>
-            </a:xfrm>
-            <a:prstGeom prst="rightArrow">
-              <a:avLst/>
-            </a:prstGeom>
-            <a:solidFill>
-              <a:srgbClr val="D95F02"/>
-            </a:solidFill>
-            <a:ln>
-              <a:solidFill>
-                <a:schemeClr val="tx1">
-                  <a:lumMod val="75000"/>
-                  <a:lumOff val="25000"/>
-                </a:schemeClr>
-              </a:solidFill>
-            </a:ln>
-          </p:spPr>
-          <p:style>
-            <a:lnRef idx="2">
-              <a:schemeClr val="accent1">
-                <a:shade val="50000"/>
-              </a:schemeClr>
-            </a:lnRef>
-            <a:fillRef idx="1">
-              <a:schemeClr val="accent1"/>
-            </a:fillRef>
-            <a:effectRef idx="0">
-              <a:schemeClr val="accent1"/>
-            </a:effectRef>
-            <a:fontRef idx="minor">
-              <a:schemeClr val="lt1"/>
-            </a:fontRef>
-          </p:style>
-          <p:txBody>
-            <a:bodyPr rtlCol="0" anchor="ctr"/>
-            <a:lstStyle/>
-            <a:p>
-              <a:pPr algn="ctr"/>
-              <a:endParaRPr lang="en-US"/>
-            </a:p>
-          </p:txBody>
-        </p:sp>
-        <p:sp>
-          <p:nvSpPr>
-            <p:cNvPr id="87" name="Right Arrow 86">
-              <a:extLst>
-                <a:ext uri="{FF2B5EF4-FFF2-40B4-BE49-F238E27FC236}">
-                  <a16:creationId xmlns:a16="http://schemas.microsoft.com/office/drawing/2014/main" id="{D0BB903D-D027-3A4E-9D4F-C46FB452CB1A}"/>
-                </a:ext>
-              </a:extLst>
-            </p:cNvPr>
-            <p:cNvSpPr/>
-            <p:nvPr/>
-          </p:nvSpPr>
-          <p:spPr>
-            <a:xfrm rot="19800000">
-              <a:off x="7655163" y="2641408"/>
-              <a:ext cx="314873" cy="314489"/>
-            </a:xfrm>
-            <a:prstGeom prst="rightArrow">
-              <a:avLst/>
-            </a:prstGeom>
-            <a:solidFill>
-              <a:srgbClr val="7570B3"/>
-            </a:solidFill>
-            <a:ln>
-              <a:solidFill>
-                <a:schemeClr val="tx1">
-                  <a:lumMod val="75000"/>
-                  <a:lumOff val="25000"/>
-                </a:schemeClr>
-              </a:solidFill>
-            </a:ln>
-          </p:spPr>
-          <p:style>
-            <a:lnRef idx="2">
-              <a:schemeClr val="accent1">
-                <a:shade val="50000"/>
-              </a:schemeClr>
-            </a:lnRef>
-            <a:fillRef idx="1">
-              <a:schemeClr val="accent1"/>
-            </a:fillRef>
-            <a:effectRef idx="0">
-              <a:schemeClr val="accent1"/>
-            </a:effectRef>
-            <a:fontRef idx="minor">
-              <a:schemeClr val="lt1"/>
-            </a:fontRef>
-          </p:style>
-          <p:txBody>
-            <a:bodyPr rtlCol="0" anchor="ctr"/>
-            <a:lstStyle/>
-            <a:p>
-              <a:pPr algn="ctr"/>
-              <a:endParaRPr lang="en-US"/>
-            </a:p>
-          </p:txBody>
-        </p:sp>
-      </p:grpSp>
-      <p:sp>
-        <p:nvSpPr>
-          <p:cNvPr id="135" name="TextBox 134">
-            <a:extLst>
-              <a:ext uri="{FF2B5EF4-FFF2-40B4-BE49-F238E27FC236}">
-                <a16:creationId xmlns:a16="http://schemas.microsoft.com/office/drawing/2014/main" id="{2D3DB48B-297A-7949-AC40-4BEB8517ADD1}"/>
-              </a:ext>
-            </a:extLst>
-          </p:cNvPr>
-          <p:cNvSpPr txBox="1"/>
-          <p:nvPr/>
-        </p:nvSpPr>
-        <p:spPr>
-          <a:xfrm>
-            <a:off x="-16311" y="6471129"/>
-            <a:ext cx="6858688" cy="369332"/>
-          </a:xfrm>
-          <a:prstGeom prst="rect">
-            <a:avLst/>
-          </a:prstGeom>
-          <a:noFill/>
-        </p:spPr>
-        <p:txBody>
-          <a:bodyPr wrap="square" rtlCol="0">
-            <a:spAutoFit/>
-          </a:bodyPr>
-          <a:lstStyle/>
-          <a:p>
-            <a:r>
-              <a:rPr lang="en-US" dirty="0">
-                <a:solidFill>
-                  <a:schemeClr val="bg1">
-                    <a:lumMod val="50000"/>
-                  </a:schemeClr>
-                </a:solidFill>
-              </a:rPr>
-              <a:t>dpf = days post fertilization, </a:t>
-            </a:r>
-            <a:r>
-              <a:rPr lang="en-US" dirty="0" err="1">
-                <a:solidFill>
-                  <a:schemeClr val="bg1">
-                    <a:lumMod val="50000"/>
-                  </a:schemeClr>
-                </a:solidFill>
-              </a:rPr>
-              <a:t>mpf</a:t>
-            </a:r>
-            <a:r>
-              <a:rPr lang="en-US" dirty="0">
-                <a:solidFill>
-                  <a:schemeClr val="bg1">
-                    <a:lumMod val="50000"/>
-                  </a:schemeClr>
-                </a:solidFill>
-              </a:rPr>
-              <a:t> = months post fertilization</a:t>
-            </a:r>
-          </a:p>
-        </p:txBody>
-      </p:sp>
-      <p:sp>
-        <p:nvSpPr>
-          <p:cNvPr id="81" name="Right Arrow 80">
-            <a:extLst>
-              <a:ext uri="{FF2B5EF4-FFF2-40B4-BE49-F238E27FC236}">
-                <a16:creationId xmlns:a16="http://schemas.microsoft.com/office/drawing/2014/main" id="{17B39E54-C2F2-9742-86F2-8209D77A4635}"/>
-              </a:ext>
-            </a:extLst>
-          </p:cNvPr>
-          <p:cNvSpPr/>
-          <p:nvPr/>
-        </p:nvSpPr>
-        <p:spPr>
-          <a:xfrm>
-            <a:off x="147041" y="4945864"/>
-            <a:ext cx="1946448" cy="608460"/>
-          </a:xfrm>
-          <a:prstGeom prst="rightArrow">
-            <a:avLst/>
-          </a:prstGeom>
-          <a:solidFill>
-            <a:srgbClr val="FF3800"/>
-          </a:solidFill>
-          <a:ln>
-            <a:solidFill>
-              <a:schemeClr val="tx1">
-                <a:lumMod val="75000"/>
-                <a:lumOff val="25000"/>
-              </a:schemeClr>
-            </a:solidFill>
-          </a:ln>
-        </p:spPr>
-        <p:style>
-          <a:lnRef idx="2">
-            <a:schemeClr val="accent1">
-              <a:shade val="50000"/>
-            </a:schemeClr>
-          </a:lnRef>
-          <a:fillRef idx="1">
-            <a:schemeClr val="accent1"/>
-          </a:fillRef>
-          <a:effectRef idx="0">
-            <a:schemeClr val="accent1"/>
-          </a:effectRef>
-          <a:fontRef idx="minor">
-            <a:schemeClr val="lt1"/>
-          </a:fontRef>
-        </p:style>
-        <p:txBody>
-          <a:bodyPr rtlCol="0" anchor="ctr"/>
-          <a:lstStyle/>
-          <a:p>
-            <a:pPr algn="ctr"/>
-            <a:endParaRPr lang="en-US" sz="1600" dirty="0">
-              <a:solidFill>
-                <a:sysClr val="windowText" lastClr="000000"/>
-              </a:solidFill>
-            </a:endParaRPr>
-          </a:p>
-        </p:txBody>
-      </p:sp>
-      <p:sp>
-        <p:nvSpPr>
-          <p:cNvPr id="95" name="TextBox 94">
-            <a:extLst>
-              <a:ext uri="{FF2B5EF4-FFF2-40B4-BE49-F238E27FC236}">
-                <a16:creationId xmlns:a16="http://schemas.microsoft.com/office/drawing/2014/main" id="{21DCE959-0159-9840-B104-1C8AD7952645}"/>
-              </a:ext>
-            </a:extLst>
-          </p:cNvPr>
-          <p:cNvSpPr txBox="1"/>
-          <p:nvPr/>
-        </p:nvSpPr>
-        <p:spPr>
-          <a:xfrm>
-            <a:off x="64428" y="5412549"/>
-            <a:ext cx="1761886" cy="707886"/>
-          </a:xfrm>
-          <a:prstGeom prst="rect">
-            <a:avLst/>
-          </a:prstGeom>
-          <a:noFill/>
-        </p:spPr>
-        <p:txBody>
-          <a:bodyPr wrap="square" rtlCol="0">
-            <a:spAutoFit/>
-          </a:bodyPr>
-          <a:lstStyle/>
-          <a:p>
-            <a:pPr algn="ctr"/>
-            <a:r>
-              <a:rPr lang="en-US" sz="2000" dirty="0">
-                <a:solidFill>
-                  <a:sysClr val="windowText" lastClr="000000"/>
-                </a:solidFill>
-              </a:rPr>
-              <a:t>Grown to 164 days old</a:t>
-            </a:r>
-          </a:p>
-        </p:txBody>
-      </p:sp>
-      <p:sp>
-        <p:nvSpPr>
-          <p:cNvPr id="37" name="Right Arrow 36">
-            <a:extLst>
-              <a:ext uri="{FF2B5EF4-FFF2-40B4-BE49-F238E27FC236}">
-                <a16:creationId xmlns:a16="http://schemas.microsoft.com/office/drawing/2014/main" id="{26C05A42-DD8D-594E-A464-A1B6310456A3}"/>
-              </a:ext>
-            </a:extLst>
-          </p:cNvPr>
-          <p:cNvSpPr/>
-          <p:nvPr/>
-        </p:nvSpPr>
-        <p:spPr>
-          <a:xfrm>
-            <a:off x="1054642" y="1748461"/>
-            <a:ext cx="557817" cy="380532"/>
-          </a:xfrm>
-          <a:prstGeom prst="rightArrow">
-            <a:avLst/>
-          </a:prstGeom>
-          <a:solidFill>
-            <a:schemeClr val="bg1">
-              <a:lumMod val="75000"/>
-            </a:schemeClr>
-          </a:solidFill>
-          <a:ln>
-            <a:solidFill>
-              <a:schemeClr val="tx1">
-                <a:lumMod val="75000"/>
-                <a:lumOff val="25000"/>
-              </a:schemeClr>
-            </a:solidFill>
-          </a:ln>
-        </p:spPr>
-        <p:style>
-          <a:lnRef idx="2">
-            <a:schemeClr val="accent1">
-              <a:shade val="50000"/>
-            </a:schemeClr>
-          </a:lnRef>
-          <a:fillRef idx="1">
-            <a:schemeClr val="accent1"/>
-          </a:fillRef>
-          <a:effectRef idx="0">
-            <a:schemeClr val="accent1"/>
-          </a:effectRef>
-          <a:fontRef idx="minor">
-            <a:schemeClr val="lt1"/>
-          </a:fontRef>
-        </p:style>
-        <p:txBody>
-          <a:bodyPr rtlCol="0" anchor="ctr"/>
-          <a:lstStyle/>
-          <a:p>
-            <a:pPr algn="ctr"/>
-            <a:endParaRPr lang="en-US"/>
-          </a:p>
-        </p:txBody>
-      </p:sp>
-      <p:grpSp>
-        <p:nvGrpSpPr>
-          <p:cNvPr id="14" name="Group 13">
-            <a:extLst>
-              <a:ext uri="{FF2B5EF4-FFF2-40B4-BE49-F238E27FC236}">
-                <a16:creationId xmlns:a16="http://schemas.microsoft.com/office/drawing/2014/main" id="{883688AC-191E-B942-8A56-DA80F1F2B48C}"/>
-              </a:ext>
-            </a:extLst>
-          </p:cNvPr>
-          <p:cNvGrpSpPr/>
-          <p:nvPr/>
-        </p:nvGrpSpPr>
-        <p:grpSpPr>
-          <a:xfrm>
-            <a:off x="1518407" y="1665361"/>
-            <a:ext cx="1270245" cy="781324"/>
-            <a:chOff x="1518407" y="1665361"/>
-            <a:chExt cx="1270245" cy="781324"/>
-          </a:xfrm>
-        </p:grpSpPr>
-        <p:pic>
-          <p:nvPicPr>
-            <p:cNvPr id="64" name="Picture 63">
-              <a:extLst>
-                <a:ext uri="{FF2B5EF4-FFF2-40B4-BE49-F238E27FC236}">
-                  <a16:creationId xmlns:a16="http://schemas.microsoft.com/office/drawing/2014/main" id="{6F850129-7822-9645-BB92-D57684E5AAD2}"/>
-                </a:ext>
-              </a:extLst>
-            </p:cNvPr>
-            <p:cNvPicPr>
-              <a:picLocks noChangeAspect="1"/>
-            </p:cNvPicPr>
-            <p:nvPr/>
-          </p:nvPicPr>
-          <p:blipFill>
-            <a:blip r:embed="rId3">
-              <a:extLst>
-                <a:ext uri="{BEBA8EAE-BF5A-486C-A8C5-ECC9F3942E4B}">
-                  <a14:imgProps xmlns:a14="http://schemas.microsoft.com/office/drawing/2010/main">
-                    <a14:imgLayer r:embed="rId4">
-                      <a14:imgEffect>
-                        <a14:saturation sat="0"/>
-                      </a14:imgEffect>
-                      <a14:imgEffect>
-                        <a14:brightnessContrast bright="28000"/>
-                      </a14:imgEffect>
-                    </a14:imgLayer>
-                  </a14:imgProps>
-                </a:ext>
-              </a:extLst>
-            </a:blip>
-            <a:stretch>
-              <a:fillRect/>
-            </a:stretch>
-          </p:blipFill>
-          <p:spPr>
-            <a:xfrm>
-              <a:off x="1672871" y="1665361"/>
-              <a:ext cx="1115781" cy="546732"/>
-            </a:xfrm>
-            <a:prstGeom prst="rect">
-              <a:avLst/>
-            </a:prstGeom>
-          </p:spPr>
-        </p:pic>
-        <p:sp>
-          <p:nvSpPr>
-            <p:cNvPr id="128" name="TextBox 127">
-              <a:extLst>
-                <a:ext uri="{FF2B5EF4-FFF2-40B4-BE49-F238E27FC236}">
-                  <a16:creationId xmlns:a16="http://schemas.microsoft.com/office/drawing/2014/main" id="{18C5462A-4579-AA4A-93FC-B5B1D194A86B}"/>
-                </a:ext>
-              </a:extLst>
-            </p:cNvPr>
-            <p:cNvSpPr txBox="1"/>
-            <p:nvPr/>
-          </p:nvSpPr>
-          <p:spPr>
-            <a:xfrm>
-              <a:off x="1518407" y="2077353"/>
-              <a:ext cx="1203549" cy="369332"/>
-            </a:xfrm>
-            <a:prstGeom prst="rect">
-              <a:avLst/>
-            </a:prstGeom>
-            <a:noFill/>
-          </p:spPr>
-          <p:txBody>
-            <a:bodyPr wrap="square" rtlCol="0">
-              <a:spAutoFit/>
-            </a:bodyPr>
-            <a:lstStyle/>
-            <a:p>
-              <a:pPr algn="ctr"/>
-              <a:r>
-                <a:rPr lang="en-US" dirty="0"/>
-                <a:t>(n = ~180)</a:t>
-              </a:r>
-            </a:p>
-          </p:txBody>
-        </p:sp>
-      </p:grpSp>
-      <p:pic>
-        <p:nvPicPr>
-          <p:cNvPr id="141" name="Picture 140">
-            <a:extLst>
-              <a:ext uri="{FF2B5EF4-FFF2-40B4-BE49-F238E27FC236}">
-                <a16:creationId xmlns:a16="http://schemas.microsoft.com/office/drawing/2014/main" id="{2AA569C5-E429-044A-ADB0-0CBF07082899}"/>
-              </a:ext>
-            </a:extLst>
-          </p:cNvPr>
-          <p:cNvPicPr>
-            <a:picLocks noChangeAspect="1"/>
-          </p:cNvPicPr>
-          <p:nvPr/>
-        </p:nvPicPr>
-        <p:blipFill>
-          <a:blip r:embed="rId5"/>
-          <a:stretch>
-            <a:fillRect/>
-          </a:stretch>
-        </p:blipFill>
-        <p:spPr>
-          <a:xfrm>
-            <a:off x="13856" y="1336582"/>
-            <a:ext cx="1041402" cy="1041402"/>
-          </a:xfrm>
-          <a:prstGeom prst="rect">
-            <a:avLst/>
-          </a:prstGeom>
-        </p:spPr>
-      </p:pic>
-      <p:sp>
-        <p:nvSpPr>
-          <p:cNvPr id="82" name="Right Arrow 81">
-            <a:extLst>
-              <a:ext uri="{FF2B5EF4-FFF2-40B4-BE49-F238E27FC236}">
-                <a16:creationId xmlns:a16="http://schemas.microsoft.com/office/drawing/2014/main" id="{71803FA6-2A17-0441-B6D3-A775FF42F58D}"/>
-              </a:ext>
-            </a:extLst>
-          </p:cNvPr>
-          <p:cNvSpPr/>
-          <p:nvPr/>
-        </p:nvSpPr>
-        <p:spPr>
-          <a:xfrm>
-            <a:off x="2292294" y="4909501"/>
-            <a:ext cx="1316596" cy="608460"/>
-          </a:xfrm>
-          <a:prstGeom prst="rightArrow">
-            <a:avLst/>
-          </a:prstGeom>
-          <a:solidFill>
-            <a:srgbClr val="00B050"/>
-          </a:solidFill>
-          <a:ln>
-            <a:solidFill>
-              <a:schemeClr val="tx1">
-                <a:lumMod val="75000"/>
-                <a:lumOff val="25000"/>
-              </a:schemeClr>
-            </a:solidFill>
-          </a:ln>
-        </p:spPr>
-        <p:style>
-          <a:lnRef idx="2">
-            <a:schemeClr val="accent1">
-              <a:shade val="50000"/>
-            </a:schemeClr>
-          </a:lnRef>
-          <a:fillRef idx="1">
-            <a:schemeClr val="accent1"/>
-          </a:fillRef>
-          <a:effectRef idx="0">
-            <a:schemeClr val="accent1"/>
-          </a:effectRef>
-          <a:fontRef idx="minor">
-            <a:schemeClr val="lt1"/>
-          </a:fontRef>
-        </p:style>
-        <p:txBody>
-          <a:bodyPr rtlCol="0" anchor="ctr"/>
-          <a:lstStyle/>
-          <a:p>
-            <a:pPr algn="ctr"/>
-            <a:endParaRPr lang="en-US" sz="1600" dirty="0">
-              <a:solidFill>
-                <a:sysClr val="windowText" lastClr="000000"/>
-              </a:solidFill>
-            </a:endParaRPr>
-          </a:p>
-        </p:txBody>
-      </p:sp>
-      <p:sp>
-        <p:nvSpPr>
-          <p:cNvPr id="94" name="TextBox 93">
-            <a:extLst>
-              <a:ext uri="{FF2B5EF4-FFF2-40B4-BE49-F238E27FC236}">
-                <a16:creationId xmlns:a16="http://schemas.microsoft.com/office/drawing/2014/main" id="{8E3CB6DB-20C7-D04F-BFF9-1FF046172F44}"/>
-              </a:ext>
-            </a:extLst>
-          </p:cNvPr>
-          <p:cNvSpPr txBox="1"/>
-          <p:nvPr/>
-        </p:nvSpPr>
-        <p:spPr>
-          <a:xfrm>
-            <a:off x="7915540" y="4166339"/>
-            <a:ext cx="3062743" cy="400110"/>
-          </a:xfrm>
-          <a:prstGeom prst="rect">
-            <a:avLst/>
-          </a:prstGeom>
-          <a:noFill/>
-        </p:spPr>
-        <p:txBody>
-          <a:bodyPr wrap="square" rtlCol="0">
-            <a:spAutoFit/>
-          </a:bodyPr>
-          <a:lstStyle/>
-          <a:p>
-            <a:r>
-              <a:rPr lang="en-US" sz="2000" dirty="0">
-                <a:solidFill>
-                  <a:sysClr val="windowText" lastClr="000000"/>
-                </a:solidFill>
-              </a:rPr>
-              <a:t>Assigned diets (~1-6 </a:t>
-            </a:r>
-            <a:r>
-              <a:rPr lang="en-US" sz="2000" dirty="0" err="1">
-                <a:solidFill>
-                  <a:sysClr val="windowText" lastClr="000000"/>
-                </a:solidFill>
-              </a:rPr>
-              <a:t>mpf</a:t>
-            </a:r>
-            <a:r>
-              <a:rPr lang="en-US" sz="2000" dirty="0">
-                <a:solidFill>
-                  <a:sysClr val="windowText" lastClr="000000"/>
-                </a:solidFill>
-              </a:rPr>
-              <a:t>)</a:t>
-            </a:r>
-          </a:p>
-        </p:txBody>
-      </p:sp>
-      <p:grpSp>
-        <p:nvGrpSpPr>
-          <p:cNvPr id="13" name="Group 12">
-            <a:extLst>
-              <a:ext uri="{FF2B5EF4-FFF2-40B4-BE49-F238E27FC236}">
-                <a16:creationId xmlns:a16="http://schemas.microsoft.com/office/drawing/2014/main" id="{9BBA0A8E-4432-EA4D-BE0F-E2C41D38BBBF}"/>
-              </a:ext>
-            </a:extLst>
-          </p:cNvPr>
-          <p:cNvGrpSpPr/>
-          <p:nvPr/>
-        </p:nvGrpSpPr>
-        <p:grpSpPr>
-          <a:xfrm>
-            <a:off x="2833943" y="1040942"/>
-            <a:ext cx="674467" cy="1795570"/>
-            <a:chOff x="2833943" y="1040942"/>
-            <a:chExt cx="674467" cy="1795570"/>
-          </a:xfrm>
-        </p:grpSpPr>
-        <p:sp>
-          <p:nvSpPr>
-            <p:cNvPr id="43" name="Right Arrow 42">
-              <a:extLst>
-                <a:ext uri="{FF2B5EF4-FFF2-40B4-BE49-F238E27FC236}">
-                  <a16:creationId xmlns:a16="http://schemas.microsoft.com/office/drawing/2014/main" id="{9BEE6F48-6326-804F-8568-1D47F9F001AF}"/>
-                </a:ext>
-              </a:extLst>
-            </p:cNvPr>
-            <p:cNvSpPr/>
-            <p:nvPr/>
-          </p:nvSpPr>
-          <p:spPr>
-            <a:xfrm rot="19800000">
-              <a:off x="2885114" y="1040942"/>
-              <a:ext cx="557818" cy="380532"/>
-            </a:xfrm>
-            <a:prstGeom prst="rightArrow">
-              <a:avLst/>
-            </a:prstGeom>
-            <a:solidFill>
-              <a:srgbClr val="1A9E77"/>
-            </a:solidFill>
-            <a:ln>
-              <a:solidFill>
-                <a:schemeClr val="tx1">
-                  <a:lumMod val="75000"/>
-                  <a:lumOff val="25000"/>
-                </a:schemeClr>
-              </a:solidFill>
-            </a:ln>
-          </p:spPr>
-          <p:style>
-            <a:lnRef idx="2">
-              <a:schemeClr val="accent1">
-                <a:shade val="50000"/>
-              </a:schemeClr>
-            </a:lnRef>
-            <a:fillRef idx="1">
-              <a:schemeClr val="accent1"/>
-            </a:fillRef>
-            <a:effectRef idx="0">
-              <a:schemeClr val="accent1"/>
-            </a:effectRef>
-            <a:fontRef idx="minor">
-              <a:schemeClr val="lt1"/>
-            </a:fontRef>
-          </p:style>
-          <p:txBody>
-            <a:bodyPr rtlCol="0" anchor="ctr"/>
-            <a:lstStyle/>
-            <a:p>
-              <a:pPr algn="ctr"/>
-              <a:endParaRPr lang="en-US"/>
-            </a:p>
-          </p:txBody>
-        </p:sp>
-        <p:sp>
-          <p:nvSpPr>
-            <p:cNvPr id="49" name="Right Arrow 48">
-              <a:extLst>
-                <a:ext uri="{FF2B5EF4-FFF2-40B4-BE49-F238E27FC236}">
-                  <a16:creationId xmlns:a16="http://schemas.microsoft.com/office/drawing/2014/main" id="{DD708124-5D5E-8E4B-8D15-89A7502BC70F}"/>
-                </a:ext>
-              </a:extLst>
-            </p:cNvPr>
-            <p:cNvSpPr/>
-            <p:nvPr/>
-          </p:nvSpPr>
-          <p:spPr>
-            <a:xfrm>
-              <a:off x="2950592" y="1758826"/>
-              <a:ext cx="557818" cy="380532"/>
-            </a:xfrm>
-            <a:prstGeom prst="rightArrow">
-              <a:avLst/>
-            </a:prstGeom>
-            <a:solidFill>
-              <a:srgbClr val="D95F02"/>
-            </a:solidFill>
-            <a:ln>
-              <a:solidFill>
-                <a:schemeClr val="tx1">
-                  <a:lumMod val="75000"/>
-                  <a:lumOff val="25000"/>
-                </a:schemeClr>
-              </a:solidFill>
-            </a:ln>
-          </p:spPr>
-          <p:style>
-            <a:lnRef idx="2">
-              <a:schemeClr val="accent1">
-                <a:shade val="50000"/>
-              </a:schemeClr>
-            </a:lnRef>
-            <a:fillRef idx="1">
-              <a:schemeClr val="accent1"/>
-            </a:fillRef>
-            <a:effectRef idx="0">
-              <a:schemeClr val="accent1"/>
-            </a:effectRef>
-            <a:fontRef idx="minor">
-              <a:schemeClr val="lt1"/>
-            </a:fontRef>
-          </p:style>
-          <p:txBody>
-            <a:bodyPr rtlCol="0" anchor="ctr"/>
-            <a:lstStyle/>
-            <a:p>
-              <a:pPr algn="ctr"/>
-              <a:endParaRPr lang="en-US"/>
-            </a:p>
-          </p:txBody>
-        </p:sp>
-        <p:sp>
-          <p:nvSpPr>
-            <p:cNvPr id="50" name="Right Arrow 49">
-              <a:extLst>
-                <a:ext uri="{FF2B5EF4-FFF2-40B4-BE49-F238E27FC236}">
-                  <a16:creationId xmlns:a16="http://schemas.microsoft.com/office/drawing/2014/main" id="{CB346788-02B3-0948-B833-2F1055497460}"/>
-                </a:ext>
-              </a:extLst>
-            </p:cNvPr>
-            <p:cNvSpPr/>
-            <p:nvPr/>
-          </p:nvSpPr>
-          <p:spPr>
-            <a:xfrm rot="1800000">
-              <a:off x="2833943" y="2455980"/>
-              <a:ext cx="557818" cy="380532"/>
-            </a:xfrm>
-            <a:prstGeom prst="rightArrow">
-              <a:avLst/>
-            </a:prstGeom>
-            <a:solidFill>
-              <a:srgbClr val="7570B3"/>
-            </a:solidFill>
-            <a:ln>
-              <a:solidFill>
-                <a:schemeClr val="tx1">
-                  <a:lumMod val="75000"/>
-                  <a:lumOff val="25000"/>
-                </a:schemeClr>
-              </a:solidFill>
-            </a:ln>
-          </p:spPr>
-          <p:style>
-            <a:lnRef idx="2">
-              <a:schemeClr val="accent1">
-                <a:shade val="50000"/>
-              </a:schemeClr>
-            </a:lnRef>
-            <a:fillRef idx="1">
-              <a:schemeClr val="accent1"/>
-            </a:fillRef>
-            <a:effectRef idx="0">
-              <a:schemeClr val="accent1"/>
-            </a:effectRef>
-            <a:fontRef idx="minor">
-              <a:schemeClr val="lt1"/>
-            </a:fontRef>
-          </p:style>
-          <p:txBody>
-            <a:bodyPr rtlCol="0" anchor="ctr"/>
-            <a:lstStyle/>
-            <a:p>
-              <a:pPr algn="ctr"/>
-              <a:endParaRPr lang="en-US"/>
-            </a:p>
-          </p:txBody>
-        </p:sp>
-      </p:grpSp>
-      <p:grpSp>
-        <p:nvGrpSpPr>
-          <p:cNvPr id="12" name="Group 11">
-            <a:extLst>
-              <a:ext uri="{FF2B5EF4-FFF2-40B4-BE49-F238E27FC236}">
-                <a16:creationId xmlns:a16="http://schemas.microsoft.com/office/drawing/2014/main" id="{1D67E2FA-34E2-E44E-9D77-78F5C2196339}"/>
-              </a:ext>
-            </a:extLst>
-          </p:cNvPr>
-          <p:cNvGrpSpPr/>
-          <p:nvPr/>
-        </p:nvGrpSpPr>
-        <p:grpSpPr>
-          <a:xfrm>
-            <a:off x="3683716" y="461337"/>
-            <a:ext cx="1485106" cy="3396440"/>
-            <a:chOff x="3683716" y="461337"/>
-            <a:chExt cx="1485106" cy="3396440"/>
-          </a:xfrm>
-        </p:grpSpPr>
-        <p:pic>
-          <p:nvPicPr>
-            <p:cNvPr id="61" name="Picture 60">
-              <a:extLst>
-                <a:ext uri="{FF2B5EF4-FFF2-40B4-BE49-F238E27FC236}">
-                  <a16:creationId xmlns:a16="http://schemas.microsoft.com/office/drawing/2014/main" id="{FF18CCA9-FCFE-BC40-A45C-E52D6C67301A}"/>
-                </a:ext>
-              </a:extLst>
-            </p:cNvPr>
-            <p:cNvPicPr>
-              <a:picLocks noChangeAspect="1"/>
-            </p:cNvPicPr>
-            <p:nvPr/>
-          </p:nvPicPr>
-          <p:blipFill>
-            <a:blip r:embed="rId6"/>
-            <a:stretch>
-              <a:fillRect/>
-            </a:stretch>
-          </p:blipFill>
-          <p:spPr>
-            <a:xfrm>
-              <a:off x="3683716" y="461337"/>
-              <a:ext cx="1485106" cy="727701"/>
-            </a:xfrm>
-            <a:prstGeom prst="rect">
-              <a:avLst/>
-            </a:prstGeom>
-          </p:spPr>
-        </p:pic>
-        <p:sp>
-          <p:nvSpPr>
-            <p:cNvPr id="62" name="TextBox 61">
-              <a:extLst>
-                <a:ext uri="{FF2B5EF4-FFF2-40B4-BE49-F238E27FC236}">
-                  <a16:creationId xmlns:a16="http://schemas.microsoft.com/office/drawing/2014/main" id="{32D5D904-54BA-2842-9B6E-AF082A749E67}"/>
-                </a:ext>
-              </a:extLst>
-            </p:cNvPr>
-            <p:cNvSpPr txBox="1"/>
-            <p:nvPr/>
-          </p:nvSpPr>
-          <p:spPr>
-            <a:xfrm>
-              <a:off x="3959920" y="988030"/>
-              <a:ext cx="932698" cy="210337"/>
-            </a:xfrm>
-            <a:prstGeom prst="rect">
-              <a:avLst/>
-            </a:prstGeom>
-            <a:noFill/>
-          </p:spPr>
-          <p:txBody>
-            <a:bodyPr wrap="square" rtlCol="0">
-              <a:spAutoFit/>
-            </a:bodyPr>
-            <a:lstStyle/>
-            <a:p>
-              <a:pPr algn="ctr"/>
-              <a:r>
-                <a:rPr lang="en-US" dirty="0"/>
-                <a:t>Gemma</a:t>
-              </a:r>
-            </a:p>
-          </p:txBody>
-        </p:sp>
-        <p:pic>
-          <p:nvPicPr>
-            <p:cNvPr id="59" name="Picture 58">
-              <a:extLst>
-                <a:ext uri="{FF2B5EF4-FFF2-40B4-BE49-F238E27FC236}">
-                  <a16:creationId xmlns:a16="http://schemas.microsoft.com/office/drawing/2014/main" id="{B8909CFB-CCC4-6B4E-B363-4D97F37FE4A3}"/>
-                </a:ext>
-              </a:extLst>
-            </p:cNvPr>
-            <p:cNvPicPr>
-              <a:picLocks noChangeAspect="1"/>
-            </p:cNvPicPr>
-            <p:nvPr/>
-          </p:nvPicPr>
-          <p:blipFill>
-            <a:blip r:embed="rId7"/>
-            <a:stretch>
-              <a:fillRect/>
-            </a:stretch>
-          </p:blipFill>
-          <p:spPr>
-            <a:xfrm>
-              <a:off x="3683717" y="1652119"/>
-              <a:ext cx="1485104" cy="727702"/>
-            </a:xfrm>
-            <a:prstGeom prst="rect">
-              <a:avLst/>
-            </a:prstGeom>
-          </p:spPr>
-        </p:pic>
-        <p:sp>
-          <p:nvSpPr>
-            <p:cNvPr id="60" name="TextBox 59">
-              <a:extLst>
-                <a:ext uri="{FF2B5EF4-FFF2-40B4-BE49-F238E27FC236}">
-                  <a16:creationId xmlns:a16="http://schemas.microsoft.com/office/drawing/2014/main" id="{12EE5921-C8FE-8F41-B71B-9E81DDC22867}"/>
-                </a:ext>
-              </a:extLst>
-            </p:cNvPr>
-            <p:cNvSpPr txBox="1"/>
-            <p:nvPr/>
-          </p:nvSpPr>
-          <p:spPr>
-            <a:xfrm>
-              <a:off x="3959920" y="2191029"/>
-              <a:ext cx="932698" cy="210337"/>
-            </a:xfrm>
-            <a:prstGeom prst="rect">
-              <a:avLst/>
-            </a:prstGeom>
-            <a:noFill/>
-          </p:spPr>
-          <p:txBody>
-            <a:bodyPr wrap="square" rtlCol="0">
-              <a:spAutoFit/>
-            </a:bodyPr>
-            <a:lstStyle/>
-            <a:p>
-              <a:pPr algn="ctr"/>
-              <a:r>
-                <a:rPr lang="en-US" dirty="0"/>
-                <a:t>Watts</a:t>
-              </a:r>
-            </a:p>
-          </p:txBody>
-        </p:sp>
-        <p:pic>
-          <p:nvPicPr>
-            <p:cNvPr id="57" name="Picture 56">
-              <a:extLst>
-                <a:ext uri="{FF2B5EF4-FFF2-40B4-BE49-F238E27FC236}">
-                  <a16:creationId xmlns:a16="http://schemas.microsoft.com/office/drawing/2014/main" id="{E68E180A-D960-3344-863E-6988E2D80CF2}"/>
-                </a:ext>
-              </a:extLst>
-            </p:cNvPr>
-            <p:cNvPicPr>
-              <a:picLocks noChangeAspect="1"/>
-            </p:cNvPicPr>
-            <p:nvPr/>
-          </p:nvPicPr>
-          <p:blipFill>
-            <a:blip r:embed="rId8"/>
-            <a:stretch>
-              <a:fillRect/>
-            </a:stretch>
-          </p:blipFill>
-          <p:spPr>
-            <a:xfrm>
-              <a:off x="3683717" y="2749735"/>
-              <a:ext cx="1485104" cy="727701"/>
-            </a:xfrm>
-            <a:prstGeom prst="rect">
-              <a:avLst/>
-            </a:prstGeom>
-          </p:spPr>
-        </p:pic>
-        <p:sp>
-          <p:nvSpPr>
-            <p:cNvPr id="58" name="TextBox 57">
-              <a:extLst>
-                <a:ext uri="{FF2B5EF4-FFF2-40B4-BE49-F238E27FC236}">
-                  <a16:creationId xmlns:a16="http://schemas.microsoft.com/office/drawing/2014/main" id="{88B9CDB2-043C-2E46-8A90-5309153A2000}"/>
-                </a:ext>
-              </a:extLst>
-            </p:cNvPr>
-            <p:cNvSpPr txBox="1"/>
-            <p:nvPr/>
-          </p:nvSpPr>
-          <p:spPr>
-            <a:xfrm>
-              <a:off x="3959920" y="3281784"/>
-              <a:ext cx="932698" cy="210337"/>
-            </a:xfrm>
-            <a:prstGeom prst="rect">
-              <a:avLst/>
-            </a:prstGeom>
-            <a:noFill/>
-          </p:spPr>
-          <p:txBody>
-            <a:bodyPr wrap="square" rtlCol="0">
-              <a:spAutoFit/>
-            </a:bodyPr>
-            <a:lstStyle/>
-            <a:p>
-              <a:pPr algn="ctr"/>
-              <a:r>
-                <a:rPr lang="en-US" dirty="0"/>
-                <a:t>ZIRC</a:t>
-              </a:r>
-            </a:p>
-          </p:txBody>
-        </p:sp>
-        <p:sp>
-          <p:nvSpPr>
-            <p:cNvPr id="129" name="TextBox 128">
-              <a:extLst>
-                <a:ext uri="{FF2B5EF4-FFF2-40B4-BE49-F238E27FC236}">
-                  <a16:creationId xmlns:a16="http://schemas.microsoft.com/office/drawing/2014/main" id="{2ED37FDC-62B6-2D4A-AF06-4D015D6803F7}"/>
-                </a:ext>
-              </a:extLst>
-            </p:cNvPr>
-            <p:cNvSpPr txBox="1"/>
-            <p:nvPr/>
-          </p:nvSpPr>
-          <p:spPr>
-            <a:xfrm>
-              <a:off x="3954973" y="1209376"/>
-              <a:ext cx="942592" cy="307777"/>
-            </a:xfrm>
-            <a:prstGeom prst="rect">
-              <a:avLst/>
-            </a:prstGeom>
-            <a:noFill/>
-          </p:spPr>
-          <p:txBody>
-            <a:bodyPr wrap="square" rtlCol="0">
-              <a:spAutoFit/>
-            </a:bodyPr>
-            <a:lstStyle/>
-            <a:p>
-              <a:pPr algn="ctr"/>
-              <a:r>
-                <a:rPr lang="en-US" sz="1400" dirty="0"/>
-                <a:t>(n = ~60)</a:t>
-              </a:r>
-            </a:p>
-          </p:txBody>
-        </p:sp>
-        <p:sp>
-          <p:nvSpPr>
-            <p:cNvPr id="130" name="TextBox 129">
-              <a:extLst>
-                <a:ext uri="{FF2B5EF4-FFF2-40B4-BE49-F238E27FC236}">
-                  <a16:creationId xmlns:a16="http://schemas.microsoft.com/office/drawing/2014/main" id="{07B41BB8-DCE5-6C42-9B69-009FBAA93775}"/>
-                </a:ext>
-              </a:extLst>
-            </p:cNvPr>
-            <p:cNvSpPr txBox="1"/>
-            <p:nvPr/>
-          </p:nvSpPr>
-          <p:spPr>
-            <a:xfrm>
-              <a:off x="3954973" y="2422072"/>
-              <a:ext cx="942592" cy="307777"/>
-            </a:xfrm>
-            <a:prstGeom prst="rect">
-              <a:avLst/>
-            </a:prstGeom>
-            <a:noFill/>
-          </p:spPr>
-          <p:txBody>
-            <a:bodyPr wrap="square" rtlCol="0">
-              <a:spAutoFit/>
-            </a:bodyPr>
-            <a:lstStyle/>
-            <a:p>
-              <a:pPr algn="ctr"/>
-              <a:r>
-                <a:rPr lang="en-US" sz="1400" dirty="0"/>
-                <a:t>(n = ~60)</a:t>
-              </a:r>
-            </a:p>
-          </p:txBody>
-        </p:sp>
-        <p:sp>
-          <p:nvSpPr>
-            <p:cNvPr id="131" name="TextBox 130">
-              <a:extLst>
-                <a:ext uri="{FF2B5EF4-FFF2-40B4-BE49-F238E27FC236}">
-                  <a16:creationId xmlns:a16="http://schemas.microsoft.com/office/drawing/2014/main" id="{395B24CD-AA77-6440-B852-9050053B9B1D}"/>
-                </a:ext>
-              </a:extLst>
-            </p:cNvPr>
-            <p:cNvSpPr txBox="1"/>
-            <p:nvPr/>
-          </p:nvSpPr>
-          <p:spPr>
-            <a:xfrm>
-              <a:off x="3954973" y="3550000"/>
-              <a:ext cx="942592" cy="307777"/>
-            </a:xfrm>
-            <a:prstGeom prst="rect">
-              <a:avLst/>
-            </a:prstGeom>
-            <a:noFill/>
-          </p:spPr>
-          <p:txBody>
-            <a:bodyPr wrap="square" rtlCol="0">
-              <a:spAutoFit/>
-            </a:bodyPr>
-            <a:lstStyle/>
-            <a:p>
-              <a:pPr algn="ctr"/>
-              <a:r>
-                <a:rPr lang="en-US" sz="1400" dirty="0"/>
-                <a:t>(n = ~60)</a:t>
-              </a:r>
-            </a:p>
-          </p:txBody>
-        </p:sp>
-      </p:grpSp>
-      <p:grpSp>
-        <p:nvGrpSpPr>
-          <p:cNvPr id="18" name="Group 17">
-            <a:extLst>
-              <a:ext uri="{FF2B5EF4-FFF2-40B4-BE49-F238E27FC236}">
-                <a16:creationId xmlns:a16="http://schemas.microsoft.com/office/drawing/2014/main" id="{0FC8580A-041E-F44C-B70B-086E861F6940}"/>
-              </a:ext>
-            </a:extLst>
-          </p:cNvPr>
-          <p:cNvGrpSpPr/>
-          <p:nvPr/>
-        </p:nvGrpSpPr>
-        <p:grpSpPr>
-          <a:xfrm>
-            <a:off x="5236977" y="418333"/>
-            <a:ext cx="1270547" cy="3115553"/>
-            <a:chOff x="6479926" y="432163"/>
-            <a:chExt cx="1270547" cy="3115553"/>
-          </a:xfrm>
-        </p:grpSpPr>
-        <p:grpSp>
-          <p:nvGrpSpPr>
-            <p:cNvPr id="5" name="Group 4">
-              <a:extLst>
-                <a:ext uri="{FF2B5EF4-FFF2-40B4-BE49-F238E27FC236}">
-                  <a16:creationId xmlns:a16="http://schemas.microsoft.com/office/drawing/2014/main" id="{F187B8D7-0715-254E-8842-091540CFFE75}"/>
-                </a:ext>
-              </a:extLst>
-            </p:cNvPr>
-            <p:cNvGrpSpPr/>
-            <p:nvPr/>
-          </p:nvGrpSpPr>
-          <p:grpSpPr>
-            <a:xfrm>
-              <a:off x="6479926" y="638054"/>
-              <a:ext cx="289261" cy="2576975"/>
-              <a:chOff x="6479926" y="638054"/>
-              <a:chExt cx="289261" cy="2576975"/>
-            </a:xfrm>
-          </p:grpSpPr>
-          <p:sp>
-            <p:nvSpPr>
-              <p:cNvPr id="65" name="Right Arrow 64">
-                <a:extLst>
-                  <a:ext uri="{FF2B5EF4-FFF2-40B4-BE49-F238E27FC236}">
-                    <a16:creationId xmlns:a16="http://schemas.microsoft.com/office/drawing/2014/main" id="{4C3BD73B-EDB0-8240-962C-0F892A548F67}"/>
-                  </a:ext>
-                </a:extLst>
-              </p:cNvPr>
-              <p:cNvSpPr/>
-              <p:nvPr/>
-            </p:nvSpPr>
-            <p:spPr>
-              <a:xfrm>
-                <a:off x="6479926" y="638054"/>
-                <a:ext cx="286248" cy="285899"/>
-              </a:xfrm>
-              <a:prstGeom prst="rightArrow">
-                <a:avLst/>
-              </a:prstGeom>
-              <a:solidFill>
-                <a:srgbClr val="1A9E77"/>
-              </a:solidFill>
-              <a:ln>
-                <a:solidFill>
-                  <a:schemeClr val="tx1">
-                    <a:lumMod val="75000"/>
-                    <a:lumOff val="25000"/>
-                  </a:schemeClr>
-                </a:solidFill>
-              </a:ln>
-            </p:spPr>
-            <p:style>
-              <a:lnRef idx="2">
-                <a:schemeClr val="accent1">
-                  <a:shade val="50000"/>
-                </a:schemeClr>
-              </a:lnRef>
-              <a:fillRef idx="1">
-                <a:schemeClr val="accent1"/>
-              </a:fillRef>
-              <a:effectRef idx="0">
-                <a:schemeClr val="accent1"/>
-              </a:effectRef>
-              <a:fontRef idx="minor">
-                <a:schemeClr val="lt1"/>
-              </a:fontRef>
-            </p:style>
-            <p:txBody>
-              <a:bodyPr rtlCol="0" anchor="ctr"/>
-              <a:lstStyle/>
-              <a:p>
-                <a:pPr algn="ctr"/>
-                <a:endParaRPr lang="en-US"/>
-              </a:p>
-            </p:txBody>
-          </p:sp>
-          <p:sp>
-            <p:nvSpPr>
-              <p:cNvPr id="66" name="Right Arrow 65">
-                <a:extLst>
-                  <a:ext uri="{FF2B5EF4-FFF2-40B4-BE49-F238E27FC236}">
-                    <a16:creationId xmlns:a16="http://schemas.microsoft.com/office/drawing/2014/main" id="{E5E23457-49B4-CF41-B1E2-7F71C3A50A59}"/>
-                  </a:ext>
-                </a:extLst>
-              </p:cNvPr>
-              <p:cNvSpPr/>
-              <p:nvPr/>
-            </p:nvSpPr>
-            <p:spPr>
-              <a:xfrm>
-                <a:off x="6482939" y="1834944"/>
-                <a:ext cx="286248" cy="285899"/>
-              </a:xfrm>
-              <a:prstGeom prst="rightArrow">
-                <a:avLst/>
-              </a:prstGeom>
-              <a:solidFill>
-                <a:srgbClr val="D95F02"/>
-              </a:solidFill>
-              <a:ln>
-                <a:solidFill>
-                  <a:schemeClr val="tx1">
-                    <a:lumMod val="75000"/>
-                    <a:lumOff val="25000"/>
-                  </a:schemeClr>
-                </a:solidFill>
-              </a:ln>
-            </p:spPr>
-            <p:style>
-              <a:lnRef idx="2">
-                <a:schemeClr val="accent1">
-                  <a:shade val="50000"/>
-                </a:schemeClr>
-              </a:lnRef>
-              <a:fillRef idx="1">
-                <a:schemeClr val="accent1"/>
-              </a:fillRef>
-              <a:effectRef idx="0">
-                <a:schemeClr val="accent1"/>
-              </a:effectRef>
-              <a:fontRef idx="minor">
-                <a:schemeClr val="lt1"/>
-              </a:fontRef>
-            </p:style>
-            <p:txBody>
-              <a:bodyPr rtlCol="0" anchor="ctr"/>
-              <a:lstStyle/>
-              <a:p>
-                <a:pPr algn="ctr"/>
-                <a:endParaRPr lang="en-US"/>
-              </a:p>
-            </p:txBody>
-          </p:sp>
-          <p:sp>
-            <p:nvSpPr>
-              <p:cNvPr id="67" name="Right Arrow 66">
-                <a:extLst>
-                  <a:ext uri="{FF2B5EF4-FFF2-40B4-BE49-F238E27FC236}">
-                    <a16:creationId xmlns:a16="http://schemas.microsoft.com/office/drawing/2014/main" id="{FAA742FA-38F2-424B-8192-515EAFFF72D5}"/>
-                  </a:ext>
-                </a:extLst>
-              </p:cNvPr>
-              <p:cNvSpPr/>
-              <p:nvPr/>
-            </p:nvSpPr>
-            <p:spPr>
-              <a:xfrm>
-                <a:off x="6479926" y="2929130"/>
-                <a:ext cx="286248" cy="285899"/>
-              </a:xfrm>
-              <a:prstGeom prst="rightArrow">
-                <a:avLst/>
-              </a:prstGeom>
-              <a:solidFill>
-                <a:srgbClr val="7570B3"/>
-              </a:solidFill>
-              <a:ln>
-                <a:solidFill>
-                  <a:schemeClr val="tx1">
-                    <a:lumMod val="75000"/>
-                    <a:lumOff val="25000"/>
-                  </a:schemeClr>
-                </a:solidFill>
-              </a:ln>
-            </p:spPr>
-            <p:style>
-              <a:lnRef idx="2">
-                <a:schemeClr val="accent1">
-                  <a:shade val="50000"/>
-                </a:schemeClr>
-              </a:lnRef>
-              <a:fillRef idx="1">
-                <a:schemeClr val="accent1"/>
-              </a:fillRef>
-              <a:effectRef idx="0">
-                <a:schemeClr val="accent1"/>
-              </a:effectRef>
-              <a:fontRef idx="minor">
-                <a:schemeClr val="lt1"/>
-              </a:fontRef>
-            </p:style>
-            <p:txBody>
-              <a:bodyPr rtlCol="0" anchor="ctr"/>
-              <a:lstStyle/>
-              <a:p>
-                <a:pPr algn="ctr"/>
-                <a:endParaRPr lang="en-US"/>
-              </a:p>
-            </p:txBody>
-          </p:sp>
-        </p:grpSp>
-        <p:grpSp>
-          <p:nvGrpSpPr>
-            <p:cNvPr id="7" name="Group 6">
-              <a:extLst>
-                <a:ext uri="{FF2B5EF4-FFF2-40B4-BE49-F238E27FC236}">
-                  <a16:creationId xmlns:a16="http://schemas.microsoft.com/office/drawing/2014/main" id="{D0A2A76B-1AAA-894D-8071-5911617ED7AD}"/>
-                </a:ext>
-              </a:extLst>
-            </p:cNvPr>
-            <p:cNvGrpSpPr/>
-            <p:nvPr/>
-          </p:nvGrpSpPr>
-          <p:grpSpPr>
-            <a:xfrm>
-              <a:off x="6661047" y="432163"/>
-              <a:ext cx="1089426" cy="3115553"/>
-              <a:chOff x="6661047" y="432163"/>
-              <a:chExt cx="1089426" cy="3115553"/>
-            </a:xfrm>
-          </p:grpSpPr>
-          <p:sp>
-            <p:nvSpPr>
-              <p:cNvPr id="71" name="Rectangle 70">
-                <a:extLst>
-                  <a:ext uri="{FF2B5EF4-FFF2-40B4-BE49-F238E27FC236}">
-                    <a16:creationId xmlns:a16="http://schemas.microsoft.com/office/drawing/2014/main" id="{CBAE77CB-1A05-2D45-AED1-2634A761598A}"/>
-                  </a:ext>
-                </a:extLst>
-              </p:cNvPr>
-              <p:cNvSpPr/>
-              <p:nvPr/>
-            </p:nvSpPr>
-            <p:spPr>
-              <a:xfrm>
-                <a:off x="6661047" y="432163"/>
-                <a:ext cx="1089426" cy="830997"/>
-              </a:xfrm>
-              <a:prstGeom prst="rect">
-                <a:avLst/>
-              </a:prstGeom>
-            </p:spPr>
-            <p:txBody>
-              <a:bodyPr wrap="square">
-                <a:spAutoFit/>
-              </a:bodyPr>
-              <a:lstStyle/>
-              <a:p>
-                <a:pPr algn="ctr"/>
-                <a:r>
-                  <a:rPr lang="en-US" sz="4800" dirty="0"/>
-                  <a:t>💩</a:t>
-                </a:r>
-                <a:endParaRPr lang="en-US" sz="6600" dirty="0"/>
-              </a:p>
-            </p:txBody>
-          </p:sp>
-          <p:sp>
-            <p:nvSpPr>
-              <p:cNvPr id="75" name="Rectangle 74">
-                <a:extLst>
-                  <a:ext uri="{FF2B5EF4-FFF2-40B4-BE49-F238E27FC236}">
-                    <a16:creationId xmlns:a16="http://schemas.microsoft.com/office/drawing/2014/main" id="{127F8E87-F209-AB49-8A86-FE7BEAFEF9BB}"/>
-                  </a:ext>
-                </a:extLst>
-              </p:cNvPr>
-              <p:cNvSpPr/>
-              <p:nvPr/>
-            </p:nvSpPr>
-            <p:spPr>
-              <a:xfrm>
-                <a:off x="6661047" y="1632153"/>
-                <a:ext cx="1089426" cy="830997"/>
-              </a:xfrm>
-              <a:prstGeom prst="rect">
-                <a:avLst/>
-              </a:prstGeom>
-            </p:spPr>
-            <p:txBody>
-              <a:bodyPr wrap="square">
-                <a:spAutoFit/>
-              </a:bodyPr>
-              <a:lstStyle/>
-              <a:p>
-                <a:pPr algn="ctr"/>
-                <a:r>
-                  <a:rPr lang="en-US" sz="4800" dirty="0"/>
-                  <a:t>💩</a:t>
-                </a:r>
-                <a:endParaRPr lang="en-US" sz="6600" dirty="0"/>
-              </a:p>
-            </p:txBody>
-          </p:sp>
-          <p:sp>
-            <p:nvSpPr>
-              <p:cNvPr id="76" name="Rectangle 75">
-                <a:extLst>
-                  <a:ext uri="{FF2B5EF4-FFF2-40B4-BE49-F238E27FC236}">
-                    <a16:creationId xmlns:a16="http://schemas.microsoft.com/office/drawing/2014/main" id="{B3AA774B-F0EB-514E-9211-CF33CE81D360}"/>
-                  </a:ext>
-                </a:extLst>
-              </p:cNvPr>
-              <p:cNvSpPr/>
-              <p:nvPr/>
-            </p:nvSpPr>
-            <p:spPr>
-              <a:xfrm>
-                <a:off x="6661047" y="2716719"/>
-                <a:ext cx="1089426" cy="830997"/>
-              </a:xfrm>
-              <a:prstGeom prst="rect">
-                <a:avLst/>
-              </a:prstGeom>
-            </p:spPr>
-            <p:txBody>
-              <a:bodyPr wrap="square">
-                <a:spAutoFit/>
-              </a:bodyPr>
-              <a:lstStyle/>
-              <a:p>
-                <a:pPr algn="ctr"/>
-                <a:r>
-                  <a:rPr lang="en-US" sz="4800" dirty="0"/>
-                  <a:t>💩</a:t>
-                </a:r>
-                <a:endParaRPr lang="en-US" sz="6600" dirty="0"/>
-              </a:p>
-            </p:txBody>
-          </p:sp>
-        </p:grpSp>
-      </p:grpSp>
-      <p:sp>
-        <p:nvSpPr>
-          <p:cNvPr id="137" name="Rectangle 136">
-            <a:extLst>
-              <a:ext uri="{FF2B5EF4-FFF2-40B4-BE49-F238E27FC236}">
-                <a16:creationId xmlns:a16="http://schemas.microsoft.com/office/drawing/2014/main" id="{C0B06B1F-61F3-2148-97A7-58D855A5EC29}"/>
-              </a:ext>
-            </a:extLst>
-          </p:cNvPr>
-          <p:cNvSpPr/>
-          <p:nvPr/>
-        </p:nvSpPr>
-        <p:spPr>
-          <a:xfrm>
-            <a:off x="8273336" y="3255136"/>
-            <a:ext cx="1089426" cy="830997"/>
-          </a:xfrm>
-          <a:prstGeom prst="rect">
-            <a:avLst/>
-          </a:prstGeom>
-        </p:spPr>
-        <p:txBody>
-          <a:bodyPr wrap="square">
-            <a:spAutoFit/>
-          </a:bodyPr>
-          <a:lstStyle/>
-          <a:p>
-            <a:pPr algn="ctr"/>
-            <a:r>
-              <a:rPr lang="en-US" sz="4800" dirty="0"/>
-              <a:t>💩</a:t>
-            </a:r>
-            <a:endParaRPr lang="en-US" sz="6600" dirty="0"/>
-          </a:p>
-        </p:txBody>
-      </p:sp>
-      <p:sp>
-        <p:nvSpPr>
-          <p:cNvPr id="136" name="Rectangle 135">
-            <a:extLst>
-              <a:ext uri="{FF2B5EF4-FFF2-40B4-BE49-F238E27FC236}">
-                <a16:creationId xmlns:a16="http://schemas.microsoft.com/office/drawing/2014/main" id="{EFDA6992-4FF6-C045-9D4E-ADBFDB59BC55}"/>
-              </a:ext>
-            </a:extLst>
-          </p:cNvPr>
-          <p:cNvSpPr/>
-          <p:nvPr/>
-        </p:nvSpPr>
-        <p:spPr>
-          <a:xfrm>
-            <a:off x="2347128" y="4296073"/>
-            <a:ext cx="1089426" cy="830997"/>
-          </a:xfrm>
-          <a:prstGeom prst="rect">
-            <a:avLst/>
-          </a:prstGeom>
-        </p:spPr>
-        <p:txBody>
-          <a:bodyPr wrap="square">
-            <a:spAutoFit/>
-          </a:bodyPr>
-          <a:lstStyle/>
-          <a:p>
-            <a:pPr algn="ctr"/>
-            <a:r>
-              <a:rPr lang="en-US" sz="4800" dirty="0"/>
-              <a:t>💩</a:t>
-            </a:r>
-            <a:endParaRPr lang="en-US" sz="6600" dirty="0"/>
-          </a:p>
-        </p:txBody>
-      </p:sp>
-      <p:pic>
-        <p:nvPicPr>
-          <p:cNvPr id="97" name="Graphic 96" descr="Needle with solid fill">
-            <a:extLst>
-              <a:ext uri="{FF2B5EF4-FFF2-40B4-BE49-F238E27FC236}">
-                <a16:creationId xmlns:a16="http://schemas.microsoft.com/office/drawing/2014/main" id="{9C2739A6-6EEE-8C47-A7EC-831078BD66CA}"/>
-              </a:ext>
-            </a:extLst>
-          </p:cNvPr>
-          <p:cNvPicPr>
-            <a:picLocks noChangeAspect="1"/>
-          </p:cNvPicPr>
-          <p:nvPr/>
-        </p:nvPicPr>
-        <p:blipFill>
-          <a:blip r:embed="rId9">
-            <a:extLst>
-              <a:ext uri="{96DAC541-7B7A-43D3-8B79-37D633B846F1}">
-                <asvg:svgBlip xmlns:asvg="http://schemas.microsoft.com/office/drawing/2016/SVG/main" r:embed="rId10"/>
-              </a:ext>
-            </a:extLst>
-          </a:blip>
-          <a:stretch>
-            <a:fillRect/>
-          </a:stretch>
-        </p:blipFill>
-        <p:spPr>
-          <a:xfrm rot="18930981">
-            <a:off x="9437994" y="3159139"/>
-            <a:ext cx="563558" cy="563558"/>
-          </a:xfrm>
-          <a:prstGeom prst="rect">
-            <a:avLst/>
-          </a:prstGeom>
-        </p:spPr>
-      </p:pic>
-      <p:grpSp>
-        <p:nvGrpSpPr>
-          <p:cNvPr id="30" name="Group 29">
-            <a:extLst>
-              <a:ext uri="{FF2B5EF4-FFF2-40B4-BE49-F238E27FC236}">
-                <a16:creationId xmlns:a16="http://schemas.microsoft.com/office/drawing/2014/main" id="{7DF58361-B807-CE40-B9C0-60684EE5AF2B}"/>
-              </a:ext>
-            </a:extLst>
-          </p:cNvPr>
-          <p:cNvGrpSpPr/>
-          <p:nvPr/>
-        </p:nvGrpSpPr>
-        <p:grpSpPr>
-          <a:xfrm>
-            <a:off x="9059448" y="3210600"/>
-            <a:ext cx="561406" cy="1009110"/>
-            <a:chOff x="5795326" y="2847388"/>
-            <a:chExt cx="561406" cy="1009110"/>
-          </a:xfrm>
-        </p:grpSpPr>
-        <p:sp>
-          <p:nvSpPr>
-            <p:cNvPr id="138" name="&quot;No&quot; Symbol 137">
-              <a:extLst>
-                <a:ext uri="{FF2B5EF4-FFF2-40B4-BE49-F238E27FC236}">
-                  <a16:creationId xmlns:a16="http://schemas.microsoft.com/office/drawing/2014/main" id="{41724C32-914A-F14D-86E1-174930B9D167}"/>
-                </a:ext>
-              </a:extLst>
-            </p:cNvPr>
-            <p:cNvSpPr/>
-            <p:nvPr/>
-          </p:nvSpPr>
-          <p:spPr>
-            <a:xfrm>
-              <a:off x="5864052" y="3432543"/>
-              <a:ext cx="423955" cy="423955"/>
-            </a:xfrm>
-            <a:prstGeom prst="noSmoking">
-              <a:avLst/>
-            </a:prstGeom>
-            <a:solidFill>
-              <a:srgbClr val="C00000"/>
-            </a:solidFill>
-            <a:ln>
-              <a:solidFill>
-                <a:schemeClr val="bg1"/>
-              </a:solidFill>
-            </a:ln>
-          </p:spPr>
-          <p:style>
-            <a:lnRef idx="2">
-              <a:schemeClr val="accent1">
-                <a:shade val="50000"/>
-              </a:schemeClr>
-            </a:lnRef>
-            <a:fillRef idx="1">
-              <a:schemeClr val="accent1"/>
-            </a:fillRef>
-            <a:effectRef idx="0">
-              <a:schemeClr val="accent1"/>
-            </a:effectRef>
-            <a:fontRef idx="minor">
-              <a:schemeClr val="lt1"/>
-            </a:fontRef>
-          </p:style>
-          <p:txBody>
-            <a:bodyPr rtlCol="0" anchor="ctr"/>
-            <a:lstStyle/>
-            <a:p>
-              <a:pPr algn="ctr"/>
-              <a:endParaRPr lang="en-US">
-                <a:solidFill>
-                  <a:schemeClr val="tx1"/>
-                </a:solidFill>
-              </a:endParaRPr>
-            </a:p>
-          </p:txBody>
-        </p:sp>
-        <p:pic>
-          <p:nvPicPr>
-            <p:cNvPr id="139" name="Graphic 138" descr="Germ with solid fill">
-              <a:extLst>
-                <a:ext uri="{FF2B5EF4-FFF2-40B4-BE49-F238E27FC236}">
-                  <a16:creationId xmlns:a16="http://schemas.microsoft.com/office/drawing/2014/main" id="{C25212C6-BE92-964B-8935-0FD229F9C19C}"/>
-                </a:ext>
-              </a:extLst>
-            </p:cNvPr>
-            <p:cNvPicPr>
-              <a:picLocks noChangeAspect="1"/>
-            </p:cNvPicPr>
-            <p:nvPr/>
-          </p:nvPicPr>
-          <p:blipFill>
-            <a:blip r:embed="rId11">
-              <a:extLst>
-                <a:ext uri="{96DAC541-7B7A-43D3-8B79-37D633B846F1}">
-                  <asvg:svgBlip xmlns:asvg="http://schemas.microsoft.com/office/drawing/2016/SVG/main" r:embed="rId12"/>
-                </a:ext>
-              </a:extLst>
-            </a:blip>
-            <a:stretch>
-              <a:fillRect/>
-            </a:stretch>
-          </p:blipFill>
-          <p:spPr>
-            <a:xfrm>
-              <a:off x="5795326" y="2847388"/>
-              <a:ext cx="561406" cy="561406"/>
-            </a:xfrm>
-            <a:prstGeom prst="rect">
-              <a:avLst/>
-            </a:prstGeom>
-          </p:spPr>
-        </p:pic>
-      </p:grpSp>
-      <p:grpSp>
-        <p:nvGrpSpPr>
-          <p:cNvPr id="21" name="Group 20">
-            <a:extLst>
-              <a:ext uri="{FF2B5EF4-FFF2-40B4-BE49-F238E27FC236}">
-                <a16:creationId xmlns:a16="http://schemas.microsoft.com/office/drawing/2014/main" id="{0EE48674-5735-1F4F-BF32-AC4931E14BA6}"/>
-              </a:ext>
-            </a:extLst>
-          </p:cNvPr>
-          <p:cNvGrpSpPr/>
-          <p:nvPr/>
-        </p:nvGrpSpPr>
-        <p:grpSpPr>
-          <a:xfrm>
-            <a:off x="6186665" y="268967"/>
-            <a:ext cx="1966200" cy="4306210"/>
-            <a:chOff x="6186665" y="268967"/>
-            <a:chExt cx="1966200" cy="4306210"/>
-          </a:xfrm>
-        </p:grpSpPr>
-        <p:grpSp>
-          <p:nvGrpSpPr>
-            <p:cNvPr id="35" name="Group 34">
-              <a:extLst>
-                <a:ext uri="{FF2B5EF4-FFF2-40B4-BE49-F238E27FC236}">
-                  <a16:creationId xmlns:a16="http://schemas.microsoft.com/office/drawing/2014/main" id="{6063BCD9-B191-3049-A6E8-AF401266F5C5}"/>
-                </a:ext>
-              </a:extLst>
-            </p:cNvPr>
-            <p:cNvGrpSpPr/>
-            <p:nvPr/>
-          </p:nvGrpSpPr>
-          <p:grpSpPr>
-            <a:xfrm>
-              <a:off x="6186665" y="268967"/>
-              <a:ext cx="1966200" cy="4306210"/>
-              <a:chOff x="6185451" y="264085"/>
-              <a:chExt cx="1966200" cy="4306210"/>
-            </a:xfrm>
-          </p:grpSpPr>
-          <p:sp>
-            <p:nvSpPr>
-              <p:cNvPr id="79" name="TextBox 78">
-                <a:extLst>
-                  <a:ext uri="{FF2B5EF4-FFF2-40B4-BE49-F238E27FC236}">
-                    <a16:creationId xmlns:a16="http://schemas.microsoft.com/office/drawing/2014/main" id="{A730C10D-478F-7C4E-808C-4B3B5F9517BF}"/>
-                  </a:ext>
-                </a:extLst>
-              </p:cNvPr>
-              <p:cNvSpPr txBox="1"/>
-              <p:nvPr/>
-            </p:nvSpPr>
-            <p:spPr>
-              <a:xfrm>
-                <a:off x="6185451" y="3646965"/>
-                <a:ext cx="1966200" cy="923330"/>
-              </a:xfrm>
-              <a:prstGeom prst="rect">
-                <a:avLst/>
-              </a:prstGeom>
-              <a:noFill/>
-            </p:spPr>
-            <p:txBody>
-              <a:bodyPr wrap="square" rtlCol="0">
-                <a:spAutoFit/>
-              </a:bodyPr>
-              <a:lstStyle/>
-              <a:p>
-                <a:pPr algn="ctr"/>
-                <a:r>
-                  <a:rPr lang="en-US" dirty="0">
-                    <a:solidFill>
-                      <a:sysClr val="windowText" lastClr="000000"/>
-                    </a:solidFill>
-                  </a:rPr>
-                  <a:t>Pathogen </a:t>
-                </a:r>
-              </a:p>
-              <a:p>
-                <a:pPr algn="ctr"/>
-                <a:r>
-                  <a:rPr lang="en-US" dirty="0">
-                    <a:solidFill>
-                      <a:sysClr val="windowText" lastClr="000000"/>
-                    </a:solidFill>
-                  </a:rPr>
-                  <a:t>Exposure </a:t>
-                </a:r>
-              </a:p>
-              <a:p>
-                <a:pPr algn="ctr"/>
-                <a:r>
-                  <a:rPr lang="en-US" dirty="0">
-                    <a:solidFill>
-                      <a:sysClr val="windowText" lastClr="000000"/>
-                    </a:solidFill>
-                  </a:rPr>
-                  <a:t>(n=90)</a:t>
-                </a:r>
-              </a:p>
-            </p:txBody>
-          </p:sp>
-          <p:grpSp>
-            <p:nvGrpSpPr>
-              <p:cNvPr id="11" name="Group 10">
-                <a:extLst>
-                  <a:ext uri="{FF2B5EF4-FFF2-40B4-BE49-F238E27FC236}">
-                    <a16:creationId xmlns:a16="http://schemas.microsoft.com/office/drawing/2014/main" id="{81B6E944-7E1E-6F41-8418-DE9DB0B2E15C}"/>
-                  </a:ext>
-                </a:extLst>
-              </p:cNvPr>
-              <p:cNvGrpSpPr/>
-              <p:nvPr/>
-            </p:nvGrpSpPr>
-            <p:grpSpPr>
-              <a:xfrm>
-                <a:off x="6886790" y="264085"/>
-                <a:ext cx="561406" cy="3385953"/>
-                <a:chOff x="5642926" y="318145"/>
-                <a:chExt cx="561406" cy="3385953"/>
-              </a:xfrm>
-            </p:grpSpPr>
-            <p:sp>
-              <p:nvSpPr>
-                <p:cNvPr id="123" name="&quot;No&quot; Symbol 122">
-                  <a:extLst>
-                    <a:ext uri="{FF2B5EF4-FFF2-40B4-BE49-F238E27FC236}">
-                      <a16:creationId xmlns:a16="http://schemas.microsoft.com/office/drawing/2014/main" id="{20683120-D431-2141-8DC9-1AB76A246F59}"/>
-                    </a:ext>
-                  </a:extLst>
-                </p:cNvPr>
-                <p:cNvSpPr/>
-                <p:nvPr/>
-              </p:nvSpPr>
-              <p:spPr>
-                <a:xfrm>
-                  <a:off x="5711652" y="3280143"/>
-                  <a:ext cx="423955" cy="423955"/>
-                </a:xfrm>
-                <a:prstGeom prst="noSmoking">
-                  <a:avLst/>
-                </a:prstGeom>
-                <a:solidFill>
-                  <a:srgbClr val="C00000"/>
-                </a:solidFill>
-                <a:ln>
-                  <a:solidFill>
-                    <a:schemeClr val="bg1"/>
-                  </a:solidFill>
-                </a:ln>
-              </p:spPr>
-              <p:style>
-                <a:lnRef idx="2">
-                  <a:schemeClr val="accent1">
-                    <a:shade val="50000"/>
-                  </a:schemeClr>
-                </a:lnRef>
-                <a:fillRef idx="1">
-                  <a:schemeClr val="accent1"/>
-                </a:fillRef>
-                <a:effectRef idx="0">
-                  <a:schemeClr val="accent1"/>
-                </a:effectRef>
-                <a:fontRef idx="minor">
-                  <a:schemeClr val="lt1"/>
-                </a:fontRef>
-              </p:style>
-              <p:txBody>
-                <a:bodyPr rtlCol="0" anchor="ctr"/>
-                <a:lstStyle/>
-                <a:p>
-                  <a:pPr algn="ctr"/>
-                  <a:endParaRPr lang="en-US">
-                    <a:solidFill>
-                      <a:schemeClr val="tx1"/>
-                    </a:solidFill>
-                    <a:effectLst>
-                      <a:outerShdw blurRad="12700" sx="105000" sy="105000" algn="ctr" rotWithShape="0">
-                        <a:prstClr val="black">
-                          <a:alpha val="92000"/>
-                        </a:prstClr>
-                      </a:outerShdw>
-                    </a:effectLst>
-                  </a:endParaRPr>
-                </a:p>
-              </p:txBody>
-            </p:sp>
-            <p:pic>
-              <p:nvPicPr>
-                <p:cNvPr id="10" name="Graphic 9" descr="Germ with solid fill">
-                  <a:extLst>
-                    <a:ext uri="{FF2B5EF4-FFF2-40B4-BE49-F238E27FC236}">
-                      <a16:creationId xmlns:a16="http://schemas.microsoft.com/office/drawing/2014/main" id="{0C9F0C5E-8335-D542-969D-F1667EE659E8}"/>
-                    </a:ext>
-                  </a:extLst>
-                </p:cNvPr>
-                <p:cNvPicPr>
-                  <a:picLocks noChangeAspect="1"/>
-                </p:cNvPicPr>
-                <p:nvPr/>
-              </p:nvPicPr>
-              <p:blipFill>
-                <a:blip r:embed="rId11">
-                  <a:extLst>
-                    <a:ext uri="{96DAC541-7B7A-43D3-8B79-37D633B846F1}">
-                      <asvg:svgBlip xmlns:asvg="http://schemas.microsoft.com/office/drawing/2016/SVG/main" r:embed="rId12"/>
-                    </a:ext>
-                  </a:extLst>
-                </a:blip>
-                <a:stretch>
-                  <a:fillRect/>
-                </a:stretch>
-              </p:blipFill>
-              <p:spPr>
-                <a:xfrm>
-                  <a:off x="5642926" y="2694988"/>
-                  <a:ext cx="561406" cy="561406"/>
-                </a:xfrm>
-                <a:prstGeom prst="rect">
-                  <a:avLst/>
-                </a:prstGeom>
-              </p:spPr>
-            </p:pic>
-            <p:sp>
-              <p:nvSpPr>
-                <p:cNvPr id="124" name="&quot;No&quot; Symbol 123">
-                  <a:extLst>
-                    <a:ext uri="{FF2B5EF4-FFF2-40B4-BE49-F238E27FC236}">
-                      <a16:creationId xmlns:a16="http://schemas.microsoft.com/office/drawing/2014/main" id="{667313E1-1038-7A47-A212-3D36B071B39A}"/>
-                    </a:ext>
-                  </a:extLst>
-                </p:cNvPr>
-                <p:cNvSpPr/>
-                <p:nvPr/>
-              </p:nvSpPr>
-              <p:spPr>
-                <a:xfrm>
-                  <a:off x="5711652" y="2069003"/>
-                  <a:ext cx="423955" cy="423955"/>
-                </a:xfrm>
-                <a:prstGeom prst="noSmoking">
-                  <a:avLst/>
-                </a:prstGeom>
-                <a:solidFill>
-                  <a:srgbClr val="C00000"/>
-                </a:solidFill>
-                <a:ln>
-                  <a:solidFill>
-                    <a:schemeClr val="bg1"/>
-                  </a:solidFill>
-                </a:ln>
-              </p:spPr>
-              <p:style>
-                <a:lnRef idx="2">
-                  <a:schemeClr val="accent1">
-                    <a:shade val="50000"/>
-                  </a:schemeClr>
-                </a:lnRef>
-                <a:fillRef idx="1">
-                  <a:schemeClr val="accent1"/>
-                </a:fillRef>
-                <a:effectRef idx="0">
-                  <a:schemeClr val="accent1"/>
-                </a:effectRef>
-                <a:fontRef idx="minor">
-                  <a:schemeClr val="lt1"/>
-                </a:fontRef>
-              </p:style>
-              <p:txBody>
-                <a:bodyPr rtlCol="0" anchor="ctr"/>
-                <a:lstStyle/>
-                <a:p>
-                  <a:pPr algn="ctr"/>
-                  <a:endParaRPr lang="en-US">
-                    <a:solidFill>
-                      <a:schemeClr val="tx1"/>
-                    </a:solidFill>
-                    <a:effectLst>
-                      <a:outerShdw blurRad="12700" sx="105000" sy="105000" algn="ctr" rotWithShape="0">
-                        <a:prstClr val="black">
-                          <a:alpha val="92000"/>
-                        </a:prstClr>
-                      </a:outerShdw>
-                    </a:effectLst>
-                  </a:endParaRPr>
-                </a:p>
-              </p:txBody>
-            </p:sp>
-            <p:sp>
-              <p:nvSpPr>
-                <p:cNvPr id="125" name="&quot;No&quot; Symbol 124">
-                  <a:extLst>
-                    <a:ext uri="{FF2B5EF4-FFF2-40B4-BE49-F238E27FC236}">
-                      <a16:creationId xmlns:a16="http://schemas.microsoft.com/office/drawing/2014/main" id="{CA1620B6-AC14-7F40-A06B-F18F25FB403F}"/>
-                    </a:ext>
-                  </a:extLst>
-                </p:cNvPr>
-                <p:cNvSpPr/>
-                <p:nvPr/>
-              </p:nvSpPr>
-              <p:spPr>
-                <a:xfrm>
-                  <a:off x="5711652" y="890148"/>
-                  <a:ext cx="423955" cy="423955"/>
-                </a:xfrm>
-                <a:prstGeom prst="noSmoking">
-                  <a:avLst/>
-                </a:prstGeom>
-                <a:solidFill>
-                  <a:srgbClr val="C00000"/>
-                </a:solidFill>
-                <a:ln>
-                  <a:solidFill>
-                    <a:schemeClr val="bg1"/>
-                  </a:solidFill>
-                </a:ln>
-              </p:spPr>
-              <p:style>
-                <a:lnRef idx="2">
-                  <a:schemeClr val="accent1">
-                    <a:shade val="50000"/>
-                  </a:schemeClr>
-                </a:lnRef>
-                <a:fillRef idx="1">
-                  <a:schemeClr val="accent1"/>
-                </a:fillRef>
-                <a:effectRef idx="0">
-                  <a:schemeClr val="accent1"/>
-                </a:effectRef>
-                <a:fontRef idx="minor">
-                  <a:schemeClr val="lt1"/>
-                </a:fontRef>
-              </p:style>
-              <p:txBody>
-                <a:bodyPr rtlCol="0" anchor="ctr"/>
-                <a:lstStyle/>
-                <a:p>
-                  <a:pPr algn="ctr"/>
-                  <a:endParaRPr lang="en-US">
-                    <a:solidFill>
-                      <a:schemeClr val="tx1"/>
-                    </a:solidFill>
-                    <a:effectLst>
-                      <a:outerShdw blurRad="12700" sx="105000" sy="105000" algn="ctr" rotWithShape="0">
-                        <a:prstClr val="black">
-                          <a:alpha val="92000"/>
-                        </a:prstClr>
-                      </a:outerShdw>
-                    </a:effectLst>
-                  </a:endParaRPr>
-                </a:p>
-              </p:txBody>
-            </p:sp>
-            <p:pic>
-              <p:nvPicPr>
-                <p:cNvPr id="126" name="Graphic 125" descr="Germ with solid fill">
-                  <a:extLst>
-                    <a:ext uri="{FF2B5EF4-FFF2-40B4-BE49-F238E27FC236}">
-                      <a16:creationId xmlns:a16="http://schemas.microsoft.com/office/drawing/2014/main" id="{ED05D6CC-A4E7-6847-B2F2-AC51799417F1}"/>
-                    </a:ext>
-                  </a:extLst>
-                </p:cNvPr>
-                <p:cNvPicPr>
-                  <a:picLocks noChangeAspect="1"/>
-                </p:cNvPicPr>
-                <p:nvPr/>
-              </p:nvPicPr>
-              <p:blipFill>
-                <a:blip r:embed="rId11">
-                  <a:extLst>
-                    <a:ext uri="{96DAC541-7B7A-43D3-8B79-37D633B846F1}">
-                      <asvg:svgBlip xmlns:asvg="http://schemas.microsoft.com/office/drawing/2016/SVG/main" r:embed="rId12"/>
-                    </a:ext>
-                  </a:extLst>
-                </a:blip>
-                <a:stretch>
-                  <a:fillRect/>
-                </a:stretch>
-              </p:blipFill>
-              <p:spPr>
-                <a:xfrm>
-                  <a:off x="5642926" y="1471980"/>
-                  <a:ext cx="561406" cy="561406"/>
-                </a:xfrm>
-                <a:prstGeom prst="rect">
-                  <a:avLst/>
-                </a:prstGeom>
-              </p:spPr>
-            </p:pic>
-            <p:pic>
-              <p:nvPicPr>
-                <p:cNvPr id="134" name="Graphic 133" descr="Germ with solid fill">
-                  <a:extLst>
-                    <a:ext uri="{FF2B5EF4-FFF2-40B4-BE49-F238E27FC236}">
-                      <a16:creationId xmlns:a16="http://schemas.microsoft.com/office/drawing/2014/main" id="{30F26598-A63D-3447-A2EC-01AFF4D170D8}"/>
-                    </a:ext>
-                  </a:extLst>
-                </p:cNvPr>
-                <p:cNvPicPr>
-                  <a:picLocks noChangeAspect="1"/>
-                </p:cNvPicPr>
-                <p:nvPr/>
-              </p:nvPicPr>
-              <p:blipFill>
-                <a:blip r:embed="rId11">
-                  <a:extLst>
-                    <a:ext uri="{96DAC541-7B7A-43D3-8B79-37D633B846F1}">
-                      <asvg:svgBlip xmlns:asvg="http://schemas.microsoft.com/office/drawing/2016/SVG/main" r:embed="rId12"/>
-                    </a:ext>
-                  </a:extLst>
-                </a:blip>
-                <a:stretch>
-                  <a:fillRect/>
-                </a:stretch>
-              </p:blipFill>
-              <p:spPr>
-                <a:xfrm>
-                  <a:off x="5642926" y="318145"/>
-                  <a:ext cx="561406" cy="561406"/>
-                </a:xfrm>
-                <a:prstGeom prst="rect">
-                  <a:avLst/>
-                </a:prstGeom>
-              </p:spPr>
-            </p:pic>
-          </p:grpSp>
-        </p:grpSp>
-        <p:grpSp>
-          <p:nvGrpSpPr>
-            <p:cNvPr id="33" name="Group 32">
-              <a:extLst>
-                <a:ext uri="{FF2B5EF4-FFF2-40B4-BE49-F238E27FC236}">
-                  <a16:creationId xmlns:a16="http://schemas.microsoft.com/office/drawing/2014/main" id="{F49EB549-EAD8-4949-8EF1-819950F59D33}"/>
-                </a:ext>
-              </a:extLst>
-            </p:cNvPr>
-            <p:cNvGrpSpPr/>
-            <p:nvPr/>
-          </p:nvGrpSpPr>
-          <p:grpSpPr>
-            <a:xfrm>
-              <a:off x="6362191" y="592241"/>
-              <a:ext cx="387515" cy="2651960"/>
-              <a:chOff x="6362191" y="592241"/>
-              <a:chExt cx="387515" cy="2651960"/>
-            </a:xfrm>
-          </p:grpSpPr>
-          <p:sp>
-            <p:nvSpPr>
-              <p:cNvPr id="32" name="Cross 31">
-                <a:extLst>
-                  <a:ext uri="{FF2B5EF4-FFF2-40B4-BE49-F238E27FC236}">
-                    <a16:creationId xmlns:a16="http://schemas.microsoft.com/office/drawing/2014/main" id="{519CE4D6-A06A-FF4C-8649-8712FAA22744}"/>
-                  </a:ext>
-                </a:extLst>
-              </p:cNvPr>
-              <p:cNvSpPr/>
-              <p:nvPr/>
-            </p:nvSpPr>
-            <p:spPr>
-              <a:xfrm>
-                <a:off x="6362191" y="1761240"/>
-                <a:ext cx="387515" cy="381698"/>
-              </a:xfrm>
-              <a:prstGeom prst="plus">
-                <a:avLst>
-                  <a:gd name="adj" fmla="val 41695"/>
-                </a:avLst>
-              </a:prstGeom>
-              <a:solidFill>
-                <a:schemeClr val="tx1">
-                  <a:lumMod val="85000"/>
-                  <a:lumOff val="15000"/>
-                </a:schemeClr>
-              </a:solidFill>
-              <a:ln>
-                <a:solidFill>
-                  <a:schemeClr val="tx1">
-                    <a:lumMod val="85000"/>
-                    <a:lumOff val="15000"/>
-                  </a:schemeClr>
-                </a:solidFill>
-              </a:ln>
-            </p:spPr>
-            <p:style>
-              <a:lnRef idx="2">
-                <a:schemeClr val="accent1">
-                  <a:shade val="50000"/>
-                </a:schemeClr>
-              </a:lnRef>
-              <a:fillRef idx="1">
-                <a:schemeClr val="accent1"/>
-              </a:fillRef>
-              <a:effectRef idx="0">
-                <a:schemeClr val="accent1"/>
-              </a:effectRef>
-              <a:fontRef idx="minor">
-                <a:schemeClr val="lt1"/>
-              </a:fontRef>
-            </p:style>
-            <p:txBody>
-              <a:bodyPr rtlCol="0" anchor="ctr"/>
-              <a:lstStyle/>
-              <a:p>
-                <a:pPr algn="ctr"/>
-                <a:endParaRPr lang="en-US"/>
-              </a:p>
-            </p:txBody>
-          </p:sp>
-          <p:sp>
-            <p:nvSpPr>
-              <p:cNvPr id="140" name="Cross 139">
-                <a:extLst>
-                  <a:ext uri="{FF2B5EF4-FFF2-40B4-BE49-F238E27FC236}">
-                    <a16:creationId xmlns:a16="http://schemas.microsoft.com/office/drawing/2014/main" id="{C4D41ADA-8F63-1944-B82A-18B59BA1E880}"/>
-                  </a:ext>
-                </a:extLst>
-              </p:cNvPr>
-              <p:cNvSpPr/>
-              <p:nvPr/>
-            </p:nvSpPr>
-            <p:spPr>
-              <a:xfrm>
-                <a:off x="6362191" y="592241"/>
-                <a:ext cx="387515" cy="381698"/>
-              </a:xfrm>
-              <a:prstGeom prst="plus">
-                <a:avLst>
-                  <a:gd name="adj" fmla="val 41695"/>
-                </a:avLst>
-              </a:prstGeom>
-              <a:solidFill>
-                <a:schemeClr val="tx1">
-                  <a:lumMod val="85000"/>
-                  <a:lumOff val="15000"/>
-                </a:schemeClr>
-              </a:solidFill>
-              <a:ln>
-                <a:solidFill>
-                  <a:schemeClr val="tx1">
-                    <a:lumMod val="85000"/>
-                    <a:lumOff val="15000"/>
-                  </a:schemeClr>
-                </a:solidFill>
-              </a:ln>
-            </p:spPr>
-            <p:style>
-              <a:lnRef idx="2">
-                <a:schemeClr val="accent1">
-                  <a:shade val="50000"/>
-                </a:schemeClr>
-              </a:lnRef>
-              <a:fillRef idx="1">
-                <a:schemeClr val="accent1"/>
-              </a:fillRef>
-              <a:effectRef idx="0">
-                <a:schemeClr val="accent1"/>
-              </a:effectRef>
-              <a:fontRef idx="minor">
-                <a:schemeClr val="lt1"/>
-              </a:fontRef>
-            </p:style>
-            <p:txBody>
-              <a:bodyPr rtlCol="0" anchor="ctr"/>
-              <a:lstStyle/>
-              <a:p>
-                <a:pPr algn="ctr"/>
-                <a:endParaRPr lang="en-US"/>
-              </a:p>
-            </p:txBody>
-          </p:sp>
-          <p:sp>
-            <p:nvSpPr>
-              <p:cNvPr id="144" name="Cross 143">
-                <a:extLst>
-                  <a:ext uri="{FF2B5EF4-FFF2-40B4-BE49-F238E27FC236}">
-                    <a16:creationId xmlns:a16="http://schemas.microsoft.com/office/drawing/2014/main" id="{15B439B3-71A8-D54F-835D-307798FAA20D}"/>
-                  </a:ext>
-                </a:extLst>
-              </p:cNvPr>
-              <p:cNvSpPr/>
-              <p:nvPr/>
-            </p:nvSpPr>
-            <p:spPr>
-              <a:xfrm>
-                <a:off x="6362191" y="2862503"/>
-                <a:ext cx="387515" cy="381698"/>
-              </a:xfrm>
-              <a:prstGeom prst="plus">
-                <a:avLst>
-                  <a:gd name="adj" fmla="val 41695"/>
-                </a:avLst>
-              </a:prstGeom>
-              <a:solidFill>
-                <a:schemeClr val="tx1">
-                  <a:lumMod val="85000"/>
-                  <a:lumOff val="15000"/>
-                </a:schemeClr>
-              </a:solidFill>
-              <a:ln>
-                <a:solidFill>
-                  <a:schemeClr val="tx1">
-                    <a:lumMod val="85000"/>
-                    <a:lumOff val="15000"/>
-                  </a:schemeClr>
-                </a:solidFill>
-              </a:ln>
-            </p:spPr>
-            <p:style>
-              <a:lnRef idx="2">
-                <a:schemeClr val="accent1">
-                  <a:shade val="50000"/>
-                </a:schemeClr>
-              </a:lnRef>
-              <a:fillRef idx="1">
-                <a:schemeClr val="accent1"/>
-              </a:fillRef>
-              <a:effectRef idx="0">
-                <a:schemeClr val="accent1"/>
-              </a:effectRef>
-              <a:fontRef idx="minor">
-                <a:schemeClr val="lt1"/>
-              </a:fontRef>
-            </p:style>
-            <p:txBody>
-              <a:bodyPr rtlCol="0" anchor="ctr"/>
-              <a:lstStyle/>
-              <a:p>
-                <a:pPr algn="ctr"/>
-                <a:endParaRPr lang="en-US"/>
-              </a:p>
-            </p:txBody>
-          </p:sp>
-        </p:grpSp>
-      </p:grpSp>
-      <p:sp>
-        <p:nvSpPr>
-          <p:cNvPr id="9" name="Right Arrow 8">
-            <a:extLst>
-              <a:ext uri="{FF2B5EF4-FFF2-40B4-BE49-F238E27FC236}">
-                <a16:creationId xmlns:a16="http://schemas.microsoft.com/office/drawing/2014/main" id="{CEBA1676-A66A-33E8-2588-A520FC35AFCF}"/>
-              </a:ext>
-            </a:extLst>
-          </p:cNvPr>
-          <p:cNvSpPr/>
-          <p:nvPr/>
-        </p:nvSpPr>
-        <p:spPr>
-          <a:xfrm>
-            <a:off x="3700851" y="4896774"/>
-            <a:ext cx="1316596" cy="608460"/>
-          </a:xfrm>
-          <a:prstGeom prst="rightArrow">
-            <a:avLst/>
-          </a:prstGeom>
-          <a:solidFill>
-            <a:srgbClr val="00B050"/>
-          </a:solidFill>
-          <a:ln>
-            <a:solidFill>
-              <a:schemeClr val="tx1">
-                <a:lumMod val="75000"/>
-                <a:lumOff val="25000"/>
-              </a:schemeClr>
-            </a:solidFill>
-          </a:ln>
-        </p:spPr>
-        <p:style>
-          <a:lnRef idx="2">
-            <a:schemeClr val="accent1">
-              <a:shade val="50000"/>
-            </a:schemeClr>
-          </a:lnRef>
-          <a:fillRef idx="1">
-            <a:schemeClr val="accent1"/>
-          </a:fillRef>
-          <a:effectRef idx="0">
-            <a:schemeClr val="accent1"/>
-          </a:effectRef>
-          <a:fontRef idx="minor">
-            <a:schemeClr val="lt1"/>
-          </a:fontRef>
-        </p:style>
-        <p:txBody>
-          <a:bodyPr rtlCol="0" anchor="ctr"/>
-          <a:lstStyle/>
-          <a:p>
-            <a:pPr algn="ctr"/>
-            <a:endParaRPr lang="en-US" sz="1600" dirty="0">
-              <a:solidFill>
-                <a:sysClr val="windowText" lastClr="000000"/>
-              </a:solidFill>
-            </a:endParaRPr>
-          </a:p>
-        </p:txBody>
-      </p:sp>
-      <p:sp>
-        <p:nvSpPr>
-          <p:cNvPr id="17" name="Right Arrow 16">
-            <a:extLst>
-              <a:ext uri="{FF2B5EF4-FFF2-40B4-BE49-F238E27FC236}">
-                <a16:creationId xmlns:a16="http://schemas.microsoft.com/office/drawing/2014/main" id="{F541DEAF-233F-8426-758B-BC7FB607450E}"/>
-              </a:ext>
-            </a:extLst>
-          </p:cNvPr>
-          <p:cNvSpPr/>
-          <p:nvPr/>
-        </p:nvSpPr>
-        <p:spPr>
-          <a:xfrm>
-            <a:off x="5109408" y="4881673"/>
-            <a:ext cx="1316596" cy="608460"/>
-          </a:xfrm>
-          <a:prstGeom prst="rightArrow">
-            <a:avLst/>
-          </a:prstGeom>
-          <a:solidFill>
-            <a:srgbClr val="00B050"/>
-          </a:solidFill>
-          <a:ln>
-            <a:solidFill>
-              <a:schemeClr val="tx1">
-                <a:lumMod val="75000"/>
-                <a:lumOff val="25000"/>
-              </a:schemeClr>
-            </a:solidFill>
-          </a:ln>
-        </p:spPr>
-        <p:style>
-          <a:lnRef idx="2">
-            <a:schemeClr val="accent1">
-              <a:shade val="50000"/>
-            </a:schemeClr>
-          </a:lnRef>
-          <a:fillRef idx="1">
-            <a:schemeClr val="accent1"/>
-          </a:fillRef>
-          <a:effectRef idx="0">
-            <a:schemeClr val="accent1"/>
-          </a:effectRef>
-          <a:fontRef idx="minor">
-            <a:schemeClr val="lt1"/>
-          </a:fontRef>
-        </p:style>
-        <p:txBody>
-          <a:bodyPr rtlCol="0" anchor="ctr"/>
-          <a:lstStyle/>
-          <a:p>
-            <a:pPr algn="ctr"/>
-            <a:endParaRPr lang="en-US" sz="1600" dirty="0">
-              <a:solidFill>
-                <a:sysClr val="windowText" lastClr="000000"/>
-              </a:solidFill>
-            </a:endParaRPr>
-          </a:p>
-        </p:txBody>
-      </p:sp>
-      <p:sp>
-        <p:nvSpPr>
-          <p:cNvPr id="26" name="Right Arrow 25">
-            <a:extLst>
-              <a:ext uri="{FF2B5EF4-FFF2-40B4-BE49-F238E27FC236}">
-                <a16:creationId xmlns:a16="http://schemas.microsoft.com/office/drawing/2014/main" id="{BA0D10AD-0355-D6D8-2D8A-5BECD8F489D3}"/>
-              </a:ext>
-            </a:extLst>
-          </p:cNvPr>
-          <p:cNvSpPr/>
-          <p:nvPr/>
-        </p:nvSpPr>
-        <p:spPr>
-          <a:xfrm>
-            <a:off x="6517965" y="4872397"/>
-            <a:ext cx="1316596" cy="608460"/>
-          </a:xfrm>
-          <a:prstGeom prst="rightArrow">
-            <a:avLst/>
-          </a:prstGeom>
-          <a:solidFill>
-            <a:srgbClr val="00B050"/>
-          </a:solidFill>
-          <a:ln>
-            <a:solidFill>
-              <a:schemeClr val="tx1">
-                <a:lumMod val="75000"/>
-                <a:lumOff val="25000"/>
-              </a:schemeClr>
-            </a:solidFill>
-          </a:ln>
-        </p:spPr>
-        <p:style>
-          <a:lnRef idx="2">
-            <a:schemeClr val="accent1">
-              <a:shade val="50000"/>
-            </a:schemeClr>
-          </a:lnRef>
-          <a:fillRef idx="1">
-            <a:schemeClr val="accent1"/>
-          </a:fillRef>
-          <a:effectRef idx="0">
-            <a:schemeClr val="accent1"/>
-          </a:effectRef>
-          <a:fontRef idx="minor">
-            <a:schemeClr val="lt1"/>
-          </a:fontRef>
-        </p:style>
-        <p:txBody>
-          <a:bodyPr rtlCol="0" anchor="ctr"/>
-          <a:lstStyle/>
-          <a:p>
-            <a:pPr algn="ctr"/>
-            <a:endParaRPr lang="en-US" sz="1600" dirty="0">
-              <a:solidFill>
-                <a:sysClr val="windowText" lastClr="000000"/>
-              </a:solidFill>
-            </a:endParaRPr>
-          </a:p>
-        </p:txBody>
-      </p:sp>
-      <p:sp>
-        <p:nvSpPr>
-          <p:cNvPr id="29" name="Right Arrow 28">
-            <a:extLst>
-              <a:ext uri="{FF2B5EF4-FFF2-40B4-BE49-F238E27FC236}">
-                <a16:creationId xmlns:a16="http://schemas.microsoft.com/office/drawing/2014/main" id="{570ED7B1-931F-880B-7A80-56FDDA0AE8C5}"/>
-              </a:ext>
-            </a:extLst>
-          </p:cNvPr>
-          <p:cNvSpPr/>
-          <p:nvPr/>
-        </p:nvSpPr>
-        <p:spPr>
-          <a:xfrm>
-            <a:off x="2292294" y="5622206"/>
-            <a:ext cx="483882" cy="608460"/>
-          </a:xfrm>
-          <a:prstGeom prst="rightArrow">
-            <a:avLst/>
-          </a:prstGeom>
-          <a:solidFill>
-            <a:srgbClr val="FFC000"/>
-          </a:solidFill>
-          <a:ln>
-            <a:solidFill>
-              <a:schemeClr val="tx1">
-                <a:lumMod val="75000"/>
-                <a:lumOff val="25000"/>
-              </a:schemeClr>
-            </a:solidFill>
-          </a:ln>
-        </p:spPr>
-        <p:style>
-          <a:lnRef idx="2">
-            <a:schemeClr val="accent1">
-              <a:shade val="50000"/>
-            </a:schemeClr>
-          </a:lnRef>
-          <a:fillRef idx="1">
-            <a:schemeClr val="accent1"/>
-          </a:fillRef>
-          <a:effectRef idx="0">
-            <a:schemeClr val="accent1"/>
-          </a:effectRef>
-          <a:fontRef idx="minor">
-            <a:schemeClr val="lt1"/>
-          </a:fontRef>
-        </p:style>
-        <p:txBody>
-          <a:bodyPr rtlCol="0" anchor="ctr"/>
-          <a:lstStyle/>
-          <a:p>
-            <a:pPr algn="ctr"/>
-            <a:endParaRPr lang="en-US" sz="1600" dirty="0">
-              <a:solidFill>
-                <a:sysClr val="windowText" lastClr="000000"/>
-              </a:solidFill>
-            </a:endParaRPr>
-          </a:p>
-        </p:txBody>
-      </p:sp>
-      <p:sp>
-        <p:nvSpPr>
-          <p:cNvPr id="36" name="Rectangle 35">
-            <a:extLst>
-              <a:ext uri="{FF2B5EF4-FFF2-40B4-BE49-F238E27FC236}">
-                <a16:creationId xmlns:a16="http://schemas.microsoft.com/office/drawing/2014/main" id="{BD3B2EE4-9BE4-3211-2513-0DAAED81714B}"/>
-              </a:ext>
-            </a:extLst>
-          </p:cNvPr>
-          <p:cNvSpPr/>
-          <p:nvPr/>
-        </p:nvSpPr>
-        <p:spPr>
-          <a:xfrm>
-            <a:off x="3668797" y="4220855"/>
-            <a:ext cx="1089426" cy="830997"/>
-          </a:xfrm>
-          <a:prstGeom prst="rect">
-            <a:avLst/>
-          </a:prstGeom>
-        </p:spPr>
-        <p:txBody>
-          <a:bodyPr wrap="square">
-            <a:spAutoFit/>
-          </a:bodyPr>
-          <a:lstStyle/>
-          <a:p>
-            <a:pPr algn="ctr"/>
-            <a:r>
-              <a:rPr lang="en-US" sz="4800" dirty="0"/>
-              <a:t>💩</a:t>
-            </a:r>
-            <a:endParaRPr lang="en-US" sz="6600" dirty="0"/>
-          </a:p>
-        </p:txBody>
-      </p:sp>
-      <p:sp>
-        <p:nvSpPr>
-          <p:cNvPr id="39" name="Rectangle 38">
-            <a:extLst>
-              <a:ext uri="{FF2B5EF4-FFF2-40B4-BE49-F238E27FC236}">
-                <a16:creationId xmlns:a16="http://schemas.microsoft.com/office/drawing/2014/main" id="{816705F9-6D31-0C88-2CDF-40EB4C8D208E}"/>
-              </a:ext>
-            </a:extLst>
-          </p:cNvPr>
-          <p:cNvSpPr/>
-          <p:nvPr/>
-        </p:nvSpPr>
-        <p:spPr>
-          <a:xfrm>
-            <a:off x="5038345" y="4203855"/>
-            <a:ext cx="1089426" cy="830997"/>
-          </a:xfrm>
-          <a:prstGeom prst="rect">
-            <a:avLst/>
-          </a:prstGeom>
-        </p:spPr>
-        <p:txBody>
-          <a:bodyPr wrap="square">
-            <a:spAutoFit/>
-          </a:bodyPr>
-          <a:lstStyle/>
-          <a:p>
-            <a:pPr algn="ctr"/>
-            <a:r>
-              <a:rPr lang="en-US" sz="4800" dirty="0"/>
-              <a:t>💩</a:t>
-            </a:r>
-            <a:endParaRPr lang="en-US" sz="6600" dirty="0"/>
-          </a:p>
-        </p:txBody>
-      </p:sp>
-      <p:sp>
-        <p:nvSpPr>
-          <p:cNvPr id="40" name="Rectangle 39">
-            <a:extLst>
-              <a:ext uri="{FF2B5EF4-FFF2-40B4-BE49-F238E27FC236}">
-                <a16:creationId xmlns:a16="http://schemas.microsoft.com/office/drawing/2014/main" id="{DD0E9271-A91F-926E-81EE-1FD974B996BE}"/>
-              </a:ext>
-            </a:extLst>
-          </p:cNvPr>
-          <p:cNvSpPr/>
-          <p:nvPr/>
-        </p:nvSpPr>
-        <p:spPr>
-          <a:xfrm>
-            <a:off x="6487370" y="4236087"/>
-            <a:ext cx="1089426" cy="830997"/>
-          </a:xfrm>
-          <a:prstGeom prst="rect">
-            <a:avLst/>
-          </a:prstGeom>
-        </p:spPr>
-        <p:txBody>
-          <a:bodyPr wrap="square">
-            <a:spAutoFit/>
-          </a:bodyPr>
-          <a:lstStyle/>
-          <a:p>
-            <a:pPr algn="ctr"/>
-            <a:r>
-              <a:rPr lang="en-US" sz="4800" dirty="0"/>
-              <a:t>💩</a:t>
-            </a:r>
-            <a:endParaRPr lang="en-US" sz="6600" dirty="0"/>
-          </a:p>
-        </p:txBody>
-      </p:sp>
-    </p:spTree>
-    <p:extLst>
-      <p:ext uri="{BB962C8B-B14F-4D97-AF65-F5344CB8AC3E}">
-        <p14:creationId xmlns:p14="http://schemas.microsoft.com/office/powerpoint/2010/main" val="543515185"/>
-      </p:ext>
-    </p:extLst>
-  </p:cSld>
-  <p:clrMapOvr>
-    <a:masterClrMapping/>
-  </p:clrMapOvr>
-  <mc:AlternateContent xmlns:mc="http://schemas.openxmlformats.org/markup-compatibility/2006" xmlns:p14="http://schemas.microsoft.com/office/powerpoint/2010/main">
-    <mc:Choice Requires="p14">
-      <p:transition spd="med" p14:dur="700">
-        <p:fade/>
-      </p:transition>
-    </mc:Choice>
-    <mc:Fallback xmlns="">
-      <p:transition spd="med">
-        <p:fade/>
-      </p:transition>
-    </mc:Fallback>
-  </mc:AlternateContent>
-  <p:timing>
-    <p:tnLst>
-      <p:par>
-        <p:cTn id="1" dur="indefinite" restart="never" nodeType="tmRoot">
-          <p:childTnLst>
-            <p:seq concurrent="1" nextAc="seek">
-              <p:cTn id="2" dur="indefinite" nodeType="mainSeq">
-                <p:childTnLst>
-                  <p:par>
-                    <p:cTn id="3" fill="hold">
-                      <p:stCondLst>
-                        <p:cond delay="indefinite"/>
-                      </p:stCondLst>
-                      <p:childTnLst>
-                        <p:par>
-                          <p:cTn id="4" fill="hold">
-                            <p:stCondLst>
-                              <p:cond delay="0"/>
-                            </p:stCondLst>
-                            <p:childTnLst>
-                              <p:par>
-                                <p:cTn id="5" presetID="10" presetClass="entr" presetSubtype="0" fill="hold" grpId="0" nodeType="clickEffect">
-                                  <p:stCondLst>
-                                    <p:cond delay="0"/>
-                                  </p:stCondLst>
-                                  <p:childTnLst>
-                                    <p:set>
-                                      <p:cBhvr>
-                                        <p:cTn id="6" dur="1" fill="hold">
-                                          <p:stCondLst>
-                                            <p:cond delay="0"/>
-                                          </p:stCondLst>
-                                        </p:cTn>
-                                        <p:tgtEl>
-                                          <p:spTgt spid="136"/>
-                                        </p:tgtEl>
-                                        <p:attrNameLst>
-                                          <p:attrName>style.visibility</p:attrName>
-                                        </p:attrNameLst>
-                                      </p:cBhvr>
-                                      <p:to>
-                                        <p:strVal val="visible"/>
-                                      </p:to>
-                                    </p:set>
-                                    <p:animEffect transition="in" filter="fade">
-                                      <p:cBhvr>
-                                        <p:cTn id="7" dur="500"/>
-                                        <p:tgtEl>
-                                          <p:spTgt spid="136"/>
-                                        </p:tgtEl>
-                                      </p:cBhvr>
-                                    </p:animEffect>
-                                  </p:childTnLst>
-                                </p:cTn>
-                              </p:par>
-                            </p:childTnLst>
-                          </p:cTn>
-                        </p:par>
-                      </p:childTnLst>
-                    </p:cTn>
-                  </p:par>
-                  <p:par>
-                    <p:cTn id="8" fill="hold">
-                      <p:stCondLst>
-                        <p:cond delay="indefinite"/>
-                      </p:stCondLst>
-                      <p:childTnLst>
-                        <p:par>
-                          <p:cTn id="9" fill="hold">
-                            <p:stCondLst>
-                              <p:cond delay="0"/>
-                            </p:stCondLst>
-                            <p:childTnLst>
-                              <p:par>
-                                <p:cTn id="10" presetID="10" presetClass="entr" presetSubtype="0" fill="hold" grpId="0" nodeType="clickEffect">
-                                  <p:stCondLst>
-                                    <p:cond delay="0"/>
-                                  </p:stCondLst>
-                                  <p:childTnLst>
-                                    <p:set>
-                                      <p:cBhvr>
-                                        <p:cTn id="11" dur="1" fill="hold">
-                                          <p:stCondLst>
-                                            <p:cond delay="0"/>
-                                          </p:stCondLst>
-                                        </p:cTn>
-                                        <p:tgtEl>
-                                          <p:spTgt spid="36"/>
-                                        </p:tgtEl>
-                                        <p:attrNameLst>
-                                          <p:attrName>style.visibility</p:attrName>
-                                        </p:attrNameLst>
-                                      </p:cBhvr>
-                                      <p:to>
-                                        <p:strVal val="visible"/>
-                                      </p:to>
-                                    </p:set>
-                                    <p:animEffect transition="in" filter="fade">
-                                      <p:cBhvr>
-                                        <p:cTn id="12" dur="500"/>
-                                        <p:tgtEl>
-                                          <p:spTgt spid="36"/>
-                                        </p:tgtEl>
-                                      </p:cBhvr>
-                                    </p:animEffect>
-                                  </p:childTnLst>
-                                </p:cTn>
-                              </p:par>
-                            </p:childTnLst>
-                          </p:cTn>
-                        </p:par>
-                      </p:childTnLst>
-                    </p:cTn>
-                  </p:par>
-                  <p:par>
-                    <p:cTn id="13" fill="hold">
-                      <p:stCondLst>
-                        <p:cond delay="indefinite"/>
-                      </p:stCondLst>
-                      <p:childTnLst>
-                        <p:par>
-                          <p:cTn id="14" fill="hold">
-                            <p:stCondLst>
-                              <p:cond delay="0"/>
-                            </p:stCondLst>
-                            <p:childTnLst>
-                              <p:par>
-                                <p:cTn id="15" presetID="10" presetClass="entr" presetSubtype="0" fill="hold" grpId="0" nodeType="clickEffect">
-                                  <p:stCondLst>
-                                    <p:cond delay="0"/>
-                                  </p:stCondLst>
-                                  <p:childTnLst>
-                                    <p:set>
-                                      <p:cBhvr>
-                                        <p:cTn id="16" dur="1" fill="hold">
-                                          <p:stCondLst>
-                                            <p:cond delay="0"/>
-                                          </p:stCondLst>
-                                        </p:cTn>
-                                        <p:tgtEl>
-                                          <p:spTgt spid="39"/>
-                                        </p:tgtEl>
-                                        <p:attrNameLst>
-                                          <p:attrName>style.visibility</p:attrName>
-                                        </p:attrNameLst>
-                                      </p:cBhvr>
-                                      <p:to>
-                                        <p:strVal val="visible"/>
-                                      </p:to>
-                                    </p:set>
-                                    <p:animEffect transition="in" filter="fade">
-                                      <p:cBhvr>
-                                        <p:cTn id="17" dur="500"/>
-                                        <p:tgtEl>
-                                          <p:spTgt spid="39"/>
-                                        </p:tgtEl>
-                                      </p:cBhvr>
-                                    </p:animEffect>
-                                  </p:childTnLst>
-                                </p:cTn>
-                              </p:par>
-                            </p:childTnLst>
-                          </p:cTn>
-                        </p:par>
-                      </p:childTnLst>
-                    </p:cTn>
-                  </p:par>
-                  <p:par>
-                    <p:cTn id="18" fill="hold">
-                      <p:stCondLst>
-                        <p:cond delay="indefinite"/>
-                      </p:stCondLst>
-                      <p:childTnLst>
-                        <p:par>
-                          <p:cTn id="19" fill="hold">
-                            <p:stCondLst>
-                              <p:cond delay="0"/>
-                            </p:stCondLst>
-                            <p:childTnLst>
-                              <p:par>
-                                <p:cTn id="20" presetID="10" presetClass="entr" presetSubtype="0" fill="hold" grpId="0" nodeType="clickEffect">
-                                  <p:stCondLst>
-                                    <p:cond delay="0"/>
-                                  </p:stCondLst>
-                                  <p:childTnLst>
-                                    <p:set>
-                                      <p:cBhvr>
-                                        <p:cTn id="21" dur="1" fill="hold">
-                                          <p:stCondLst>
-                                            <p:cond delay="0"/>
-                                          </p:stCondLst>
-                                        </p:cTn>
-                                        <p:tgtEl>
-                                          <p:spTgt spid="40"/>
-                                        </p:tgtEl>
-                                        <p:attrNameLst>
-                                          <p:attrName>style.visibility</p:attrName>
-                                        </p:attrNameLst>
-                                      </p:cBhvr>
-                                      <p:to>
-                                        <p:strVal val="visible"/>
-                                      </p:to>
-                                    </p:set>
-                                    <p:animEffect transition="in" filter="fade">
-                                      <p:cBhvr>
-                                        <p:cTn id="22" dur="500"/>
-                                        <p:tgtEl>
-                                          <p:spTgt spid="40"/>
-                                        </p:tgtEl>
-                                      </p:cBhvr>
-                                    </p:animEffect>
-                                  </p:childTnLst>
-                                </p:cTn>
-                              </p:par>
-                            </p:childTnLst>
-                          </p:cTn>
-                        </p:par>
-                      </p:childTnLst>
-                    </p:cTn>
-                  </p:par>
-                </p:childTnLst>
-              </p:cTn>
-              <p:prevCondLst>
-                <p:cond evt="onPrev" delay="0">
-                  <p:tgtEl>
-                    <p:sldTgt/>
-                  </p:tgtEl>
-                </p:cond>
-              </p:prevCondLst>
-              <p:nextCondLst>
-                <p:cond evt="onNext" delay="0">
-                  <p:tgtEl>
-                    <p:sldTgt/>
-                  </p:tgtEl>
-                </p:cond>
-              </p:nextCondLst>
-            </p:seq>
-          </p:childTnLst>
-        </p:cTn>
-      </p:par>
-    </p:tnLst>
-    <p:bldLst>
-      <p:bldP spid="136" grpId="0"/>
-      <p:bldP spid="36" grpId="0"/>
-      <p:bldP spid="39" grpId="0"/>
-      <p:bldP spid="40" grpId="0"/>
-    </p:bldLst>
-  </p:timing>
 </p:sld>
 </file>
 
@@ -10353,93 +7243,72 @@
           </a:p>
         </p:txBody>
       </p:sp>
-      <p:grpSp>
-        <p:nvGrpSpPr>
-          <p:cNvPr id="10" name="Group 9">
-            <a:extLst>
-              <a:ext uri="{FF2B5EF4-FFF2-40B4-BE49-F238E27FC236}">
-                <a16:creationId xmlns:a16="http://schemas.microsoft.com/office/drawing/2014/main" id="{5F28751B-7AFB-3AA8-0391-9BCF6F2F5C9B}"/>
-              </a:ext>
-            </a:extLst>
-          </p:cNvPr>
-          <p:cNvGrpSpPr/>
-          <p:nvPr/>
-        </p:nvGrpSpPr>
-        <p:grpSpPr>
-          <a:xfrm>
-            <a:off x="0" y="1555357"/>
-            <a:ext cx="12143978" cy="3747285"/>
-            <a:chOff x="24011" y="2195121"/>
-            <a:chExt cx="12143978" cy="3747285"/>
-          </a:xfrm>
-        </p:grpSpPr>
-        <p:pic>
-          <p:nvPicPr>
-            <p:cNvPr id="7" name="Picture 6">
-              <a:extLst>
-                <a:ext uri="{FF2B5EF4-FFF2-40B4-BE49-F238E27FC236}">
-                  <a16:creationId xmlns:a16="http://schemas.microsoft.com/office/drawing/2014/main" id="{4A707265-5AE5-37BD-6504-C65410851E13}"/>
-                </a:ext>
-              </a:extLst>
-            </p:cNvPr>
-            <p:cNvPicPr>
-              <a:picLocks noChangeAspect="1"/>
-            </p:cNvPicPr>
-            <p:nvPr/>
-          </p:nvPicPr>
-          <p:blipFill>
-            <a:blip r:embed="rId2"/>
-            <a:stretch>
-              <a:fillRect/>
-            </a:stretch>
-          </p:blipFill>
-          <p:spPr>
-            <a:xfrm>
-              <a:off x="24011" y="2195121"/>
-              <a:ext cx="6071989" cy="3747285"/>
-            </a:xfrm>
-            <a:prstGeom prst="rect">
-              <a:avLst/>
-            </a:prstGeom>
-          </p:spPr>
-        </p:pic>
-        <p:pic>
-          <p:nvPicPr>
-            <p:cNvPr id="9" name="Picture 8">
-              <a:extLst>
-                <a:ext uri="{FF2B5EF4-FFF2-40B4-BE49-F238E27FC236}">
-                  <a16:creationId xmlns:a16="http://schemas.microsoft.com/office/drawing/2014/main" id="{3F56EFB8-99BC-3281-A07B-9E921EFFAC40}"/>
-                </a:ext>
-              </a:extLst>
-            </p:cNvPr>
-            <p:cNvPicPr>
-              <a:picLocks noChangeAspect="1"/>
-            </p:cNvPicPr>
-            <p:nvPr/>
-          </p:nvPicPr>
-          <p:blipFill>
-            <a:blip r:embed="rId3"/>
-            <a:stretch>
-              <a:fillRect/>
-            </a:stretch>
-          </p:blipFill>
-          <p:spPr>
-            <a:xfrm>
-              <a:off x="6096000" y="2195121"/>
-              <a:ext cx="6071989" cy="3747285"/>
-            </a:xfrm>
-            <a:prstGeom prst="rect">
-              <a:avLst/>
-            </a:prstGeom>
-          </p:spPr>
-        </p:pic>
-      </p:grpSp>
       <p:pic>
         <p:nvPicPr>
           <p:cNvPr id="12" name="Picture 11">
             <a:extLst>
               <a:ext uri="{FF2B5EF4-FFF2-40B4-BE49-F238E27FC236}">
                 <a16:creationId xmlns:a16="http://schemas.microsoft.com/office/drawing/2014/main" id="{56B2659D-F45A-C9FC-1B95-2F4B17972D60}"/>
+              </a:ext>
+            </a:extLst>
+          </p:cNvPr>
+          <p:cNvPicPr>
+            <a:picLocks noChangeAspect="1"/>
+          </p:cNvPicPr>
+          <p:nvPr/>
+        </p:nvPicPr>
+        <p:blipFill>
+          <a:blip r:embed="rId2"/>
+          <a:stretch>
+            <a:fillRect/>
+          </a:stretch>
+        </p:blipFill>
+        <p:spPr>
+          <a:xfrm>
+            <a:off x="3124901" y="5369812"/>
+            <a:ext cx="5942198" cy="1488188"/>
+          </a:xfrm>
+          <a:prstGeom prst="rect">
+            <a:avLst/>
+          </a:prstGeom>
+        </p:spPr>
+      </p:pic>
+      <p:pic>
+        <p:nvPicPr>
+          <p:cNvPr id="15" name="Picture 14">
+            <a:extLst>
+              <a:ext uri="{FF2B5EF4-FFF2-40B4-BE49-F238E27FC236}">
+                <a16:creationId xmlns:a16="http://schemas.microsoft.com/office/drawing/2014/main" id="{86D12CBE-42DD-ABAE-5B73-F6CA741E76F4}"/>
+              </a:ext>
+            </a:extLst>
+          </p:cNvPr>
+          <p:cNvPicPr>
+            <a:picLocks noChangeAspect="1"/>
+          </p:cNvPicPr>
+          <p:nvPr/>
+        </p:nvPicPr>
+        <p:blipFill>
+          <a:blip r:embed="rId3"/>
+          <a:stretch>
+            <a:fillRect/>
+          </a:stretch>
+        </p:blipFill>
+        <p:spPr>
+          <a:xfrm>
+            <a:off x="6096000" y="1325563"/>
+            <a:ext cx="5916295" cy="3651199"/>
+          </a:xfrm>
+          <a:prstGeom prst="rect">
+            <a:avLst/>
+          </a:prstGeom>
+        </p:spPr>
+      </p:pic>
+      <p:pic>
+        <p:nvPicPr>
+          <p:cNvPr id="17" name="Picture 16">
+            <a:extLst>
+              <a:ext uri="{FF2B5EF4-FFF2-40B4-BE49-F238E27FC236}">
+                <a16:creationId xmlns:a16="http://schemas.microsoft.com/office/drawing/2014/main" id="{42478760-775B-191F-53C5-DDF20B79413F}"/>
               </a:ext>
             </a:extLst>
           </p:cNvPr>
@@ -10456,8 +7325,8 @@
         </p:blipFill>
         <p:spPr>
           <a:xfrm>
-            <a:off x="3124901" y="5369812"/>
-            <a:ext cx="5942198" cy="1488188"/>
+            <a:off x="166753" y="1325563"/>
+            <a:ext cx="5916295" cy="3651199"/>
           </a:xfrm>
           <a:prstGeom prst="rect">
             <a:avLst/>
@@ -10529,155 +7398,113 @@
           </a:p>
         </p:txBody>
       </p:sp>
-      <p:grpSp>
-        <p:nvGrpSpPr>
-          <p:cNvPr id="12" name="Group 11">
-            <a:extLst>
-              <a:ext uri="{FF2B5EF4-FFF2-40B4-BE49-F238E27FC236}">
-                <a16:creationId xmlns:a16="http://schemas.microsoft.com/office/drawing/2014/main" id="{48881B94-6ACF-A428-9A76-12985E5A44FD}"/>
-              </a:ext>
-            </a:extLst>
-          </p:cNvPr>
-          <p:cNvGrpSpPr/>
+      <p:sp>
+        <p:nvSpPr>
+          <p:cNvPr id="11" name="TextBox 10">
+            <a:extLst>
+              <a:ext uri="{FF2B5EF4-FFF2-40B4-BE49-F238E27FC236}">
+                <a16:creationId xmlns:a16="http://schemas.microsoft.com/office/drawing/2014/main" id="{90A256BF-DBD3-11A6-FE74-6F2CAB3DBCAE}"/>
+              </a:ext>
+            </a:extLst>
+          </p:cNvPr>
+          <p:cNvSpPr txBox="1"/>
           <p:nvPr/>
-        </p:nvGrpSpPr>
-        <p:grpSpPr>
+        </p:nvSpPr>
+        <p:spPr>
           <a:xfrm>
-            <a:off x="0" y="1469262"/>
-            <a:ext cx="12192000" cy="4163509"/>
-            <a:chOff x="1" y="2241158"/>
-            <a:chExt cx="12192000" cy="4163509"/>
+            <a:off x="6412674" y="4986440"/>
+            <a:ext cx="5565569" cy="646331"/>
           </a:xfrm>
-        </p:grpSpPr>
-        <p:grpSp>
-          <p:nvGrpSpPr>
-            <p:cNvPr id="10" name="Group 9">
-              <a:extLst>
-                <a:ext uri="{FF2B5EF4-FFF2-40B4-BE49-F238E27FC236}">
-                  <a16:creationId xmlns:a16="http://schemas.microsoft.com/office/drawing/2014/main" id="{81F9ED80-5BBE-E130-10D1-11E2C0F27170}"/>
-                </a:ext>
-              </a:extLst>
-            </p:cNvPr>
-            <p:cNvGrpSpPr/>
-            <p:nvPr/>
-          </p:nvGrpSpPr>
-          <p:grpSpPr>
-            <a:xfrm>
-              <a:off x="1" y="2241158"/>
-              <a:ext cx="12192000" cy="3862759"/>
-              <a:chOff x="1" y="2241158"/>
-              <a:chExt cx="12192000" cy="3862759"/>
-            </a:xfrm>
-          </p:grpSpPr>
-          <p:pic>
-            <p:nvPicPr>
-              <p:cNvPr id="5" name="Picture 4">
-                <a:extLst>
-                  <a:ext uri="{FF2B5EF4-FFF2-40B4-BE49-F238E27FC236}">
-                    <a16:creationId xmlns:a16="http://schemas.microsoft.com/office/drawing/2014/main" id="{BBF18D45-1A41-B7AC-B4A7-30B3D237D227}"/>
-                  </a:ext>
-                </a:extLst>
-              </p:cNvPr>
-              <p:cNvPicPr>
-                <a:picLocks noChangeAspect="1"/>
-              </p:cNvPicPr>
-              <p:nvPr/>
-            </p:nvPicPr>
-            <p:blipFill>
-              <a:blip r:embed="rId2"/>
-              <a:stretch>
-                <a:fillRect/>
-              </a:stretch>
-            </p:blipFill>
-            <p:spPr>
-              <a:xfrm>
-                <a:off x="1" y="2241158"/>
-                <a:ext cx="5866410" cy="3620413"/>
-              </a:xfrm>
-              <a:prstGeom prst="rect">
-                <a:avLst/>
-              </a:prstGeom>
-            </p:spPr>
-          </p:pic>
-          <p:pic>
-            <p:nvPicPr>
-              <p:cNvPr id="9" name="Picture 8">
-                <a:extLst>
-                  <a:ext uri="{FF2B5EF4-FFF2-40B4-BE49-F238E27FC236}">
-                    <a16:creationId xmlns:a16="http://schemas.microsoft.com/office/drawing/2014/main" id="{3604CBB3-B903-A1E7-E120-F2753252FD70}"/>
-                  </a:ext>
-                </a:extLst>
-              </p:cNvPr>
-              <p:cNvPicPr>
-                <a:picLocks noChangeAspect="1"/>
-              </p:cNvPicPr>
-              <p:nvPr/>
-            </p:nvPicPr>
-            <p:blipFill>
-              <a:blip r:embed="rId3"/>
-              <a:stretch>
-                <a:fillRect/>
-              </a:stretch>
-            </p:blipFill>
-            <p:spPr>
-              <a:xfrm>
-                <a:off x="5932901" y="2241158"/>
-                <a:ext cx="6259100" cy="3862759"/>
-              </a:xfrm>
-              <a:prstGeom prst="rect">
-                <a:avLst/>
-              </a:prstGeom>
-            </p:spPr>
-          </p:pic>
-        </p:grpSp>
-        <p:sp>
-          <p:nvSpPr>
-            <p:cNvPr id="11" name="TextBox 10">
-              <a:extLst>
-                <a:ext uri="{FF2B5EF4-FFF2-40B4-BE49-F238E27FC236}">
-                  <a16:creationId xmlns:a16="http://schemas.microsoft.com/office/drawing/2014/main" id="{90A256BF-DBD3-11A6-FE74-6F2CAB3DBCAE}"/>
-                </a:ext>
-              </a:extLst>
-            </p:cNvPr>
-            <p:cNvSpPr txBox="1"/>
-            <p:nvPr/>
-          </p:nvSpPr>
-          <p:spPr>
-            <a:xfrm>
-              <a:off x="6412675" y="5758336"/>
-              <a:ext cx="5565569" cy="646331"/>
-            </a:xfrm>
-            <a:prstGeom prst="rect">
-              <a:avLst/>
-            </a:prstGeom>
-            <a:solidFill>
-              <a:schemeClr val="bg1"/>
-            </a:solidFill>
-          </p:spPr>
-          <p:txBody>
-            <a:bodyPr wrap="square" rtlCol="0">
-              <a:spAutoFit/>
-            </a:bodyPr>
-            <a:lstStyle/>
-            <a:p>
-              <a:pPr algn="r"/>
-              <a:br>
-                <a:rPr lang="en-US" dirty="0"/>
-              </a:br>
-              <a:r>
-                <a:rPr lang="en-US" dirty="0"/>
-                <a:t>Number = Total worms / Num fish</a:t>
-              </a:r>
-            </a:p>
-          </p:txBody>
-        </p:sp>
-      </p:grpSp>
+          <a:prstGeom prst="rect">
+            <a:avLst/>
+          </a:prstGeom>
+          <a:solidFill>
+            <a:schemeClr val="bg1"/>
+          </a:solidFill>
+        </p:spPr>
+        <p:txBody>
+          <a:bodyPr wrap="square" rtlCol="0">
+            <a:spAutoFit/>
+          </a:bodyPr>
+          <a:lstStyle/>
+          <a:p>
+            <a:pPr algn="r"/>
+            <a:br>
+              <a:rPr lang="en-US" dirty="0"/>
+            </a:br>
+            <a:r>
+              <a:rPr lang="en-US" dirty="0"/>
+              <a:t>Number = Total worms / Num fish</a:t>
+            </a:r>
+          </a:p>
+        </p:txBody>
+      </p:sp>
       <p:pic>
         <p:nvPicPr>
           <p:cNvPr id="13" name="Picture 12">
             <a:extLst>
               <a:ext uri="{FF2B5EF4-FFF2-40B4-BE49-F238E27FC236}">
                 <a16:creationId xmlns:a16="http://schemas.microsoft.com/office/drawing/2014/main" id="{320BFF54-DB82-4BA3-DF3B-BDEB191FCA1F}"/>
+              </a:ext>
+            </a:extLst>
+          </p:cNvPr>
+          <p:cNvPicPr>
+            <a:picLocks noChangeAspect="1"/>
+          </p:cNvPicPr>
+          <p:nvPr/>
+        </p:nvPicPr>
+        <p:blipFill>
+          <a:blip r:embed="rId2"/>
+          <a:stretch>
+            <a:fillRect/>
+          </a:stretch>
+        </p:blipFill>
+        <p:spPr>
+          <a:xfrm>
+            <a:off x="1962151" y="5220300"/>
+            <a:ext cx="6259100" cy="1646538"/>
+          </a:xfrm>
+          <a:prstGeom prst="rect">
+            <a:avLst/>
+          </a:prstGeom>
+        </p:spPr>
+      </p:pic>
+      <p:pic>
+        <p:nvPicPr>
+          <p:cNvPr id="15" name="Picture 14">
+            <a:extLst>
+              <a:ext uri="{FF2B5EF4-FFF2-40B4-BE49-F238E27FC236}">
+                <a16:creationId xmlns:a16="http://schemas.microsoft.com/office/drawing/2014/main" id="{C96620DC-B997-100F-5B52-E09E0F7CEBB2}"/>
+              </a:ext>
+            </a:extLst>
+          </p:cNvPr>
+          <p:cNvPicPr>
+            <a:picLocks noChangeAspect="1"/>
+          </p:cNvPicPr>
+          <p:nvPr/>
+        </p:nvPicPr>
+        <p:blipFill>
+          <a:blip r:embed="rId3"/>
+          <a:stretch>
+            <a:fillRect/>
+          </a:stretch>
+        </p:blipFill>
+        <p:spPr>
+          <a:xfrm>
+            <a:off x="179705" y="1335241"/>
+            <a:ext cx="5916295" cy="3651199"/>
+          </a:xfrm>
+          <a:prstGeom prst="rect">
+            <a:avLst/>
+          </a:prstGeom>
+        </p:spPr>
+      </p:pic>
+      <p:pic>
+        <p:nvPicPr>
+          <p:cNvPr id="16" name="Picture 15">
+            <a:extLst>
+              <a:ext uri="{FF2B5EF4-FFF2-40B4-BE49-F238E27FC236}">
+                <a16:creationId xmlns:a16="http://schemas.microsoft.com/office/drawing/2014/main" id="{1E6773D6-2AC2-186A-E006-6C5817FDD9DC}"/>
               </a:ext>
             </a:extLst>
           </p:cNvPr>
@@ -10694,8 +7521,8 @@
         </p:blipFill>
         <p:spPr>
           <a:xfrm>
-            <a:off x="1962151" y="5220300"/>
-            <a:ext cx="6259100" cy="1646538"/>
+            <a:off x="6096000" y="1335241"/>
+            <a:ext cx="5916295" cy="3651199"/>
           </a:xfrm>
           <a:prstGeom prst="rect">
             <a:avLst/>

--- a/Presentation/RoL_HeaterTrial2021.pptx
+++ b/Presentation/RoL_HeaterTrial2021.pptx
@@ -5,16 +5,26 @@
     <p:sldMasterId id="2147483648" r:id="rId1"/>
   </p:sldMasterIdLst>
   <p:notesMasterIdLst>
-    <p:notesMasterId r:id="rId9"/>
+    <p:notesMasterId r:id="rId19"/>
   </p:notesMasterIdLst>
   <p:sldIdLst>
     <p:sldId id="306" r:id="rId2"/>
-    <p:sldId id="415" r:id="rId3"/>
+    <p:sldId id="416" r:id="rId3"/>
     <p:sldId id="414" r:id="rId4"/>
     <p:sldId id="307" r:id="rId5"/>
     <p:sldId id="309" r:id="rId6"/>
     <p:sldId id="310" r:id="rId7"/>
-    <p:sldId id="311" r:id="rId8"/>
+    <p:sldId id="417" r:id="rId8"/>
+    <p:sldId id="418" r:id="rId9"/>
+    <p:sldId id="419" r:id="rId10"/>
+    <p:sldId id="420" r:id="rId11"/>
+    <p:sldId id="421" r:id="rId12"/>
+    <p:sldId id="422" r:id="rId13"/>
+    <p:sldId id="423" r:id="rId14"/>
+    <p:sldId id="424" r:id="rId15"/>
+    <p:sldId id="425" r:id="rId16"/>
+    <p:sldId id="426" r:id="rId17"/>
+    <p:sldId id="427" r:id="rId18"/>
   </p:sldIdLst>
   <p:sldSz cx="12192000" cy="6858000"/>
   <p:notesSz cx="6858000" cy="9144000"/>
@@ -131,20 +141,6 @@
     </p:extLst>
   </p:cmAuthor>
 </p:cmAuthorLst>
-</file>
-
-<file path=ppt/comments/comment1.xml><?xml version="1.0" encoding="utf-8"?>
-<p:cmLst xmlns:a="http://schemas.openxmlformats.org/drawingml/2006/main" xmlns:r="http://schemas.openxmlformats.org/officeDocument/2006/relationships" xmlns:p="http://schemas.openxmlformats.org/presentationml/2006/main">
-  <p:cm authorId="1" dt="2021-09-07T11:37:48.683" idx="1">
-    <p:pos x="10" y="10"/>
-    <p:text>Add a graphical abstract of project here</p:text>
-    <p:extLst>
-      <p:ext uri="{C676402C-5697-4E1C-873F-D02D1690AC5C}">
-        <p15:threadingInfo xmlns:p15="http://schemas.microsoft.com/office/powerpoint/2012/main" timeZoneBias="420"/>
-      </p:ext>
-    </p:extLst>
-  </p:cm>
-</p:cmLst>
 </file>
 
 <file path=ppt/notesMasters/notesMaster1.xml><?xml version="1.0" encoding="utf-8"?>
@@ -742,6 +738,264 @@
     <p:extLst>
       <p:ext uri="{BB962C8B-B14F-4D97-AF65-F5344CB8AC3E}">
         <p14:creationId xmlns:p14="http://schemas.microsoft.com/office/powerpoint/2010/main" val="1503679562"/>
+      </p:ext>
+    </p:extLst>
+  </p:cSld>
+  <p:clrMapOvr>
+    <a:masterClrMapping/>
+  </p:clrMapOvr>
+</p:notes>
+</file>
+
+<file path=ppt/notesSlides/notesSlide4.xml><?xml version="1.0" encoding="utf-8"?>
+<p:notes xmlns:a="http://schemas.openxmlformats.org/drawingml/2006/main" xmlns:r="http://schemas.openxmlformats.org/officeDocument/2006/relationships" xmlns:p="http://schemas.openxmlformats.org/presentationml/2006/main">
+  <p:cSld>
+    <p:spTree>
+      <p:nvGrpSpPr>
+        <p:cNvPr id="1" name=""/>
+        <p:cNvGrpSpPr/>
+        <p:nvPr/>
+      </p:nvGrpSpPr>
+      <p:grpSpPr>
+        <a:xfrm>
+          <a:off x="0" y="0"/>
+          <a:ext cx="0" cy="0"/>
+          <a:chOff x="0" y="0"/>
+          <a:chExt cx="0" cy="0"/>
+        </a:xfrm>
+      </p:grpSpPr>
+      <p:sp>
+        <p:nvSpPr>
+          <p:cNvPr id="2" name="Slide Image Placeholder 1"/>
+          <p:cNvSpPr>
+            <a:spLocks noGrp="1" noRot="1" noChangeAspect="1"/>
+          </p:cNvSpPr>
+          <p:nvPr>
+            <p:ph type="sldImg"/>
+          </p:nvPr>
+        </p:nvSpPr>
+        <p:spPr/>
+      </p:sp>
+      <p:sp>
+        <p:nvSpPr>
+          <p:cNvPr id="3" name="Notes Placeholder 2"/>
+          <p:cNvSpPr>
+            <a:spLocks noGrp="1"/>
+          </p:cNvSpPr>
+          <p:nvPr>
+            <p:ph type="body" idx="1"/>
+          </p:nvPr>
+        </p:nvSpPr>
+        <p:spPr/>
+        <p:txBody>
+          <a:bodyPr/>
+          <a:lstStyle/>
+          <a:p>
+            <a:r>
+              <a:rPr lang="en-US" dirty="0"/>
+              <a:t>Negative binomial distribution</a:t>
+            </a:r>
+          </a:p>
+        </p:txBody>
+      </p:sp>
+      <p:sp>
+        <p:nvSpPr>
+          <p:cNvPr id="4" name="Slide Number Placeholder 3"/>
+          <p:cNvSpPr>
+            <a:spLocks noGrp="1"/>
+          </p:cNvSpPr>
+          <p:nvPr>
+            <p:ph type="sldNum" sz="quarter" idx="5"/>
+          </p:nvPr>
+        </p:nvSpPr>
+        <p:spPr/>
+        <p:txBody>
+          <a:bodyPr/>
+          <a:lstStyle/>
+          <a:p>
+            <a:fld id="{FC1567E7-98C2-344B-B05F-1D106CF2EAB3}" type="slidenum">
+              <a:rPr lang="en-US" smtClean="0"/>
+              <a:t>5</a:t>
+            </a:fld>
+            <a:endParaRPr lang="en-US"/>
+          </a:p>
+        </p:txBody>
+      </p:sp>
+    </p:spTree>
+    <p:extLst>
+      <p:ext uri="{BB962C8B-B14F-4D97-AF65-F5344CB8AC3E}">
+        <p14:creationId xmlns:p14="http://schemas.microsoft.com/office/powerpoint/2010/main" val="3098134195"/>
+      </p:ext>
+    </p:extLst>
+  </p:cSld>
+  <p:clrMapOvr>
+    <a:masterClrMapping/>
+  </p:clrMapOvr>
+</p:notes>
+</file>
+
+<file path=ppt/notesSlides/notesSlide5.xml><?xml version="1.0" encoding="utf-8"?>
+<p:notes xmlns:a="http://schemas.openxmlformats.org/drawingml/2006/main" xmlns:r="http://schemas.openxmlformats.org/officeDocument/2006/relationships" xmlns:p="http://schemas.openxmlformats.org/presentationml/2006/main">
+  <p:cSld>
+    <p:spTree>
+      <p:nvGrpSpPr>
+        <p:cNvPr id="1" name=""/>
+        <p:cNvGrpSpPr/>
+        <p:nvPr/>
+      </p:nvGrpSpPr>
+      <p:grpSpPr>
+        <a:xfrm>
+          <a:off x="0" y="0"/>
+          <a:ext cx="0" cy="0"/>
+          <a:chOff x="0" y="0"/>
+          <a:chExt cx="0" cy="0"/>
+        </a:xfrm>
+      </p:grpSpPr>
+      <p:sp>
+        <p:nvSpPr>
+          <p:cNvPr id="2" name="Slide Image Placeholder 1"/>
+          <p:cNvSpPr>
+            <a:spLocks noGrp="1" noRot="1" noChangeAspect="1"/>
+          </p:cNvSpPr>
+          <p:nvPr>
+            <p:ph type="sldImg"/>
+          </p:nvPr>
+        </p:nvSpPr>
+        <p:spPr/>
+      </p:sp>
+      <p:sp>
+        <p:nvSpPr>
+          <p:cNvPr id="3" name="Notes Placeholder 2"/>
+          <p:cNvSpPr>
+            <a:spLocks noGrp="1"/>
+          </p:cNvSpPr>
+          <p:nvPr>
+            <p:ph type="body" idx="1"/>
+          </p:nvPr>
+        </p:nvSpPr>
+        <p:spPr/>
+        <p:txBody>
+          <a:bodyPr/>
+          <a:lstStyle/>
+          <a:p>
+            <a:r>
+              <a:rPr lang="en-US" dirty="0"/>
+              <a:t>Different total amounts of worms, different rates to a “peak” infection, and sex effects</a:t>
+            </a:r>
+          </a:p>
+        </p:txBody>
+      </p:sp>
+      <p:sp>
+        <p:nvSpPr>
+          <p:cNvPr id="4" name="Slide Number Placeholder 3"/>
+          <p:cNvSpPr>
+            <a:spLocks noGrp="1"/>
+          </p:cNvSpPr>
+          <p:nvPr>
+            <p:ph type="sldNum" sz="quarter" idx="5"/>
+          </p:nvPr>
+        </p:nvSpPr>
+        <p:spPr/>
+        <p:txBody>
+          <a:bodyPr/>
+          <a:lstStyle/>
+          <a:p>
+            <a:fld id="{FC1567E7-98C2-344B-B05F-1D106CF2EAB3}" type="slidenum">
+              <a:rPr lang="en-US" smtClean="0"/>
+              <a:t>6</a:t>
+            </a:fld>
+            <a:endParaRPr lang="en-US"/>
+          </a:p>
+        </p:txBody>
+      </p:sp>
+    </p:spTree>
+    <p:extLst>
+      <p:ext uri="{BB962C8B-B14F-4D97-AF65-F5344CB8AC3E}">
+        <p14:creationId xmlns:p14="http://schemas.microsoft.com/office/powerpoint/2010/main" val="64218895"/>
+      </p:ext>
+    </p:extLst>
+  </p:cSld>
+  <p:clrMapOvr>
+    <a:masterClrMapping/>
+  </p:clrMapOvr>
+</p:notes>
+</file>
+
+<file path=ppt/notesSlides/notesSlide6.xml><?xml version="1.0" encoding="utf-8"?>
+<p:notes xmlns:a="http://schemas.openxmlformats.org/drawingml/2006/main" xmlns:r="http://schemas.openxmlformats.org/officeDocument/2006/relationships" xmlns:p="http://schemas.openxmlformats.org/presentationml/2006/main">
+  <p:cSld>
+    <p:spTree>
+      <p:nvGrpSpPr>
+        <p:cNvPr id="1" name=""/>
+        <p:cNvGrpSpPr/>
+        <p:nvPr/>
+      </p:nvGrpSpPr>
+      <p:grpSpPr>
+        <a:xfrm>
+          <a:off x="0" y="0"/>
+          <a:ext cx="0" cy="0"/>
+          <a:chOff x="0" y="0"/>
+          <a:chExt cx="0" cy="0"/>
+        </a:xfrm>
+      </p:grpSpPr>
+      <p:sp>
+        <p:nvSpPr>
+          <p:cNvPr id="2" name="Slide Image Placeholder 1"/>
+          <p:cNvSpPr>
+            <a:spLocks noGrp="1" noRot="1" noChangeAspect="1"/>
+          </p:cNvSpPr>
+          <p:nvPr>
+            <p:ph type="sldImg"/>
+          </p:nvPr>
+        </p:nvSpPr>
+        <p:spPr/>
+      </p:sp>
+      <p:sp>
+        <p:nvSpPr>
+          <p:cNvPr id="3" name="Notes Placeholder 2"/>
+          <p:cNvSpPr>
+            <a:spLocks noGrp="1"/>
+          </p:cNvSpPr>
+          <p:nvPr>
+            <p:ph type="body" idx="1"/>
+          </p:nvPr>
+        </p:nvSpPr>
+        <p:spPr/>
+        <p:txBody>
+          <a:bodyPr/>
+          <a:lstStyle/>
+          <a:p>
+            <a:endParaRPr lang="en-US" dirty="0"/>
+          </a:p>
+        </p:txBody>
+      </p:sp>
+      <p:sp>
+        <p:nvSpPr>
+          <p:cNvPr id="4" name="Slide Number Placeholder 3"/>
+          <p:cNvSpPr>
+            <a:spLocks noGrp="1"/>
+          </p:cNvSpPr>
+          <p:nvPr>
+            <p:ph type="sldNum" sz="quarter" idx="5"/>
+          </p:nvPr>
+        </p:nvSpPr>
+        <p:spPr/>
+        <p:txBody>
+          <a:bodyPr/>
+          <a:lstStyle/>
+          <a:p>
+            <a:fld id="{FC1567E7-98C2-344B-B05F-1D106CF2EAB3}" type="slidenum">
+              <a:rPr lang="en-US" smtClean="0"/>
+              <a:t>8</a:t>
+            </a:fld>
+            <a:endParaRPr lang="en-US"/>
+          </a:p>
+        </p:txBody>
+      </p:sp>
+    </p:spTree>
+    <p:extLst>
+      <p:ext uri="{BB962C8B-B14F-4D97-AF65-F5344CB8AC3E}">
+        <p14:creationId xmlns:p14="http://schemas.microsoft.com/office/powerpoint/2010/main" val="3379047733"/>
       </p:ext>
     </p:extLst>
   </p:cSld>
@@ -3990,10 +4244,10 @@
       </p:grpSpPr>
       <p:pic>
         <p:nvPicPr>
-          <p:cNvPr id="22" name="Picture 21">
-            <a:extLst>
-              <a:ext uri="{FF2B5EF4-FFF2-40B4-BE49-F238E27FC236}">
-                <a16:creationId xmlns:a16="http://schemas.microsoft.com/office/drawing/2014/main" id="{B26CA81A-74A6-4142-9D7C-4F4D4EF2FD92}"/>
+          <p:cNvPr id="15" name="Picture 14">
+            <a:extLst>
+              <a:ext uri="{FF2B5EF4-FFF2-40B4-BE49-F238E27FC236}">
+                <a16:creationId xmlns:a16="http://schemas.microsoft.com/office/drawing/2014/main" id="{290EE067-C466-5556-AF90-DE0183098096}"/>
               </a:ext>
             </a:extLst>
           </p:cNvPr>
@@ -4010,12 +4264,52 @@
         </p:blipFill>
         <p:spPr>
           <a:xfrm>
-            <a:off x="8978225" y="358376"/>
+            <a:off x="-10542" y="-651164"/>
+            <a:ext cx="12214220" cy="7523019"/>
+          </a:xfrm>
+          <a:prstGeom prst="rect">
+            <a:avLst/>
+          </a:prstGeom>
+        </p:spPr>
+      </p:pic>
+      <p:pic>
+        <p:nvPicPr>
+          <p:cNvPr id="22" name="Picture 21">
+            <a:extLst>
+              <a:ext uri="{FF2B5EF4-FFF2-40B4-BE49-F238E27FC236}">
+                <a16:creationId xmlns:a16="http://schemas.microsoft.com/office/drawing/2014/main" id="{B26CA81A-74A6-4142-9D7C-4F4D4EF2FD92}"/>
+              </a:ext>
+            </a:extLst>
+          </p:cNvPr>
+          <p:cNvPicPr>
+            <a:picLocks noChangeAspect="1"/>
+          </p:cNvPicPr>
+          <p:nvPr/>
+        </p:nvPicPr>
+        <p:blipFill>
+          <a:blip r:embed="rId4"/>
+          <a:stretch>
+            <a:fillRect/>
+          </a:stretch>
+        </p:blipFill>
+        <p:spPr>
+          <a:xfrm>
+            <a:off x="457680" y="136704"/>
             <a:ext cx="2815809" cy="900030"/>
           </a:xfrm>
           <a:prstGeom prst="rect">
             <a:avLst/>
           </a:prstGeom>
+          <a:ln w="38100" cap="sq">
+            <a:noFill/>
+            <a:prstDash val="solid"/>
+            <a:miter lim="800000"/>
+          </a:ln>
+          <a:effectLst>
+            <a:outerShdw dist="38100" dir="2700000" algn="tl" rotWithShape="0">
+              <a:schemeClr val="bg1"/>
+            </a:outerShdw>
+          </a:effectLst>
         </p:spPr>
       </p:pic>
       <p:sp>
@@ -4334,7 +4628,132 @@
 </p:sld>
 </file>
 
-<file path=ppt/slides/slide2.xml><?xml version="1.0" encoding="utf-8"?>
+<file path=ppt/slides/slide10.xml><?xml version="1.0" encoding="utf-8"?>
+<p:sld xmlns:a="http://schemas.openxmlformats.org/drawingml/2006/main" xmlns:r="http://schemas.openxmlformats.org/officeDocument/2006/relationships" xmlns:p="http://schemas.openxmlformats.org/presentationml/2006/main">
+  <p:cSld>
+    <p:spTree>
+      <p:nvGrpSpPr>
+        <p:cNvPr id="1" name=""/>
+        <p:cNvGrpSpPr/>
+        <p:nvPr/>
+      </p:nvGrpSpPr>
+      <p:grpSpPr>
+        <a:xfrm>
+          <a:off x="0" y="0"/>
+          <a:ext cx="0" cy="0"/>
+          <a:chOff x="0" y="0"/>
+          <a:chExt cx="0" cy="0"/>
+        </a:xfrm>
+      </p:grpSpPr>
+      <p:pic>
+        <p:nvPicPr>
+          <p:cNvPr id="12" name="Picture 11">
+            <a:extLst>
+              <a:ext uri="{FF2B5EF4-FFF2-40B4-BE49-F238E27FC236}">
+                <a16:creationId xmlns:a16="http://schemas.microsoft.com/office/drawing/2014/main" id="{76D6596A-D3BD-413A-E9A8-4C636DE780CB}"/>
+              </a:ext>
+            </a:extLst>
+          </p:cNvPr>
+          <p:cNvPicPr>
+            <a:picLocks noChangeAspect="1"/>
+          </p:cNvPicPr>
+          <p:nvPr/>
+        </p:nvPicPr>
+        <p:blipFill>
+          <a:blip r:embed="rId2"/>
+          <a:stretch>
+            <a:fillRect/>
+          </a:stretch>
+        </p:blipFill>
+        <p:spPr>
+          <a:xfrm>
+            <a:off x="0" y="263236"/>
+            <a:ext cx="6203157" cy="6175950"/>
+          </a:xfrm>
+          <a:prstGeom prst="rect">
+            <a:avLst/>
+          </a:prstGeom>
+        </p:spPr>
+      </p:pic>
+      <p:pic>
+        <p:nvPicPr>
+          <p:cNvPr id="14" name="Picture 13">
+            <a:extLst>
+              <a:ext uri="{FF2B5EF4-FFF2-40B4-BE49-F238E27FC236}">
+                <a16:creationId xmlns:a16="http://schemas.microsoft.com/office/drawing/2014/main" id="{8E03DE01-3C1C-F9D6-8E27-27487FE0675B}"/>
+              </a:ext>
+            </a:extLst>
+          </p:cNvPr>
+          <p:cNvPicPr>
+            <a:picLocks noChangeAspect="1"/>
+          </p:cNvPicPr>
+          <p:nvPr/>
+        </p:nvPicPr>
+        <p:blipFill>
+          <a:blip r:embed="rId3"/>
+          <a:stretch>
+            <a:fillRect/>
+          </a:stretch>
+        </p:blipFill>
+        <p:spPr>
+          <a:xfrm>
+            <a:off x="6124807" y="263236"/>
+            <a:ext cx="6067193" cy="6040582"/>
+          </a:xfrm>
+          <a:prstGeom prst="rect">
+            <a:avLst/>
+          </a:prstGeom>
+        </p:spPr>
+      </p:pic>
+      <p:sp>
+        <p:nvSpPr>
+          <p:cNvPr id="15" name="TextBox 14">
+            <a:extLst>
+              <a:ext uri="{FF2B5EF4-FFF2-40B4-BE49-F238E27FC236}">
+                <a16:creationId xmlns:a16="http://schemas.microsoft.com/office/drawing/2014/main" id="{81B11B85-2298-A754-510C-2FA702149B39}"/>
+              </a:ext>
+            </a:extLst>
+          </p:cNvPr>
+          <p:cNvSpPr txBox="1"/>
+          <p:nvPr/>
+        </p:nvSpPr>
+        <p:spPr>
+          <a:xfrm>
+            <a:off x="4627418" y="6276038"/>
+            <a:ext cx="2937163" cy="461665"/>
+          </a:xfrm>
+          <a:prstGeom prst="rect">
+            <a:avLst/>
+          </a:prstGeom>
+          <a:noFill/>
+        </p:spPr>
+        <p:txBody>
+          <a:bodyPr wrap="square" rtlCol="0">
+            <a:spAutoFit/>
+          </a:bodyPr>
+          <a:lstStyle/>
+          <a:p>
+            <a:r>
+              <a:rPr lang="en-US" sz="2400" dirty="0"/>
+              <a:t>Control Fish</a:t>
+            </a:r>
+          </a:p>
+        </p:txBody>
+      </p:sp>
+    </p:spTree>
+    <p:extLst>
+      <p:ext uri="{BB962C8B-B14F-4D97-AF65-F5344CB8AC3E}">
+        <p14:creationId xmlns:p14="http://schemas.microsoft.com/office/powerpoint/2010/main" val="560071964"/>
+      </p:ext>
+    </p:extLst>
+  </p:cSld>
+  <p:clrMapOvr>
+    <a:masterClrMapping/>
+  </p:clrMapOvr>
+</p:sld>
+</file>
+
+<file path=ppt/slides/slide11.xml><?xml version="1.0" encoding="utf-8"?>
 <p:sld xmlns:a="http://schemas.openxmlformats.org/drawingml/2006/main" xmlns:r="http://schemas.openxmlformats.org/officeDocument/2006/relationships" xmlns:p="http://schemas.openxmlformats.org/presentationml/2006/main" show="0">
   <p:cSld>
     <p:spTree>
@@ -4356,7 +4775,7 @@
           <p:cNvPr id="2" name="Picture 1">
             <a:extLst>
               <a:ext uri="{FF2B5EF4-FFF2-40B4-BE49-F238E27FC236}">
-                <a16:creationId xmlns:a16="http://schemas.microsoft.com/office/drawing/2014/main" id="{ECD7E4C0-DE2A-AEEA-802A-02EBFFDFA7A6}"/>
+                <a16:creationId xmlns:a16="http://schemas.microsoft.com/office/drawing/2014/main" id="{451B4BC3-6763-FD05-7623-C3195EA15801}"/>
               </a:ext>
             </a:extLst>
           </p:cNvPr>
@@ -4372,69 +4791,9 @@
           </a:stretch>
         </p:blipFill>
         <p:spPr>
-          <a:xfrm rot="18170662" flipH="1">
-            <a:off x="1258810" y="2783297"/>
-            <a:ext cx="3237289" cy="1586271"/>
-          </a:xfrm>
-          <a:prstGeom prst="rect">
-            <a:avLst/>
-          </a:prstGeom>
-        </p:spPr>
-      </p:pic>
-      <p:pic>
-        <p:nvPicPr>
-          <p:cNvPr id="3" name="Picture 2">
-            <a:extLst>
-              <a:ext uri="{FF2B5EF4-FFF2-40B4-BE49-F238E27FC236}">
-                <a16:creationId xmlns:a16="http://schemas.microsoft.com/office/drawing/2014/main" id="{FF0F449E-9F09-54B0-CCFE-F072B2FA1A1A}"/>
-              </a:ext>
-            </a:extLst>
-          </p:cNvPr>
-          <p:cNvPicPr>
-            <a:picLocks noChangeAspect="1"/>
-          </p:cNvPicPr>
-          <p:nvPr/>
-        </p:nvPicPr>
-        <p:blipFill>
-          <a:blip r:embed="rId3"/>
-          <a:stretch>
-            <a:fillRect/>
-          </a:stretch>
-        </p:blipFill>
-        <p:spPr>
-          <a:xfrm rot="17100000" flipH="1">
-            <a:off x="3451654" y="2181864"/>
-            <a:ext cx="3237289" cy="1586271"/>
-          </a:xfrm>
-          <a:prstGeom prst="rect">
-            <a:avLst/>
-          </a:prstGeom>
-        </p:spPr>
-      </p:pic>
-      <p:pic>
-        <p:nvPicPr>
-          <p:cNvPr id="4" name="Picture 3">
-            <a:extLst>
-              <a:ext uri="{FF2B5EF4-FFF2-40B4-BE49-F238E27FC236}">
-                <a16:creationId xmlns:a16="http://schemas.microsoft.com/office/drawing/2014/main" id="{30FF4E93-9985-7719-F25B-6F96F09D0952}"/>
-              </a:ext>
-            </a:extLst>
-          </p:cNvPr>
-          <p:cNvPicPr>
-            <a:picLocks noChangeAspect="1"/>
-          </p:cNvPicPr>
-          <p:nvPr/>
-        </p:nvPicPr>
-        <p:blipFill>
-          <a:blip r:embed="rId4"/>
-          <a:stretch>
-            <a:fillRect/>
-          </a:stretch>
-        </p:blipFill>
-        <p:spPr>
-          <a:xfrm rot="3351111">
-            <a:off x="5016645" y="2486042"/>
-            <a:ext cx="3237289" cy="1586271"/>
+          <a:xfrm>
+            <a:off x="1513609" y="819930"/>
+            <a:ext cx="8267700" cy="5218139"/>
           </a:xfrm>
           <a:prstGeom prst="rect">
             <a:avLst/>
@@ -4444,7 +4803,375 @@
     </p:spTree>
     <p:extLst>
       <p:ext uri="{BB962C8B-B14F-4D97-AF65-F5344CB8AC3E}">
-        <p14:creationId xmlns:p14="http://schemas.microsoft.com/office/powerpoint/2010/main" val="3443145765"/>
+        <p14:creationId xmlns:p14="http://schemas.microsoft.com/office/powerpoint/2010/main" val="579427125"/>
+      </p:ext>
+    </p:extLst>
+  </p:cSld>
+  <p:clrMapOvr>
+    <a:masterClrMapping/>
+  </p:clrMapOvr>
+</p:sld>
+</file>
+
+<file path=ppt/slides/slide12.xml><?xml version="1.0" encoding="utf-8"?>
+<p:sld xmlns:a="http://schemas.openxmlformats.org/drawingml/2006/main" xmlns:r="http://schemas.openxmlformats.org/officeDocument/2006/relationships" xmlns:p="http://schemas.openxmlformats.org/presentationml/2006/main">
+  <p:cSld>
+    <p:spTree>
+      <p:nvGrpSpPr>
+        <p:cNvPr id="1" name=""/>
+        <p:cNvGrpSpPr/>
+        <p:nvPr/>
+      </p:nvGrpSpPr>
+      <p:grpSpPr>
+        <a:xfrm>
+          <a:off x="0" y="0"/>
+          <a:ext cx="0" cy="0"/>
+          <a:chOff x="0" y="0"/>
+          <a:chExt cx="0" cy="0"/>
+        </a:xfrm>
+      </p:grpSpPr>
+    </p:spTree>
+    <p:extLst>
+      <p:ext uri="{BB962C8B-B14F-4D97-AF65-F5344CB8AC3E}">
+        <p14:creationId xmlns:p14="http://schemas.microsoft.com/office/powerpoint/2010/main" val="505564410"/>
+      </p:ext>
+    </p:extLst>
+  </p:cSld>
+  <p:clrMapOvr>
+    <a:masterClrMapping/>
+  </p:clrMapOvr>
+</p:sld>
+</file>
+
+<file path=ppt/slides/slide13.xml><?xml version="1.0" encoding="utf-8"?>
+<p:sld xmlns:a="http://schemas.openxmlformats.org/drawingml/2006/main" xmlns:r="http://schemas.openxmlformats.org/officeDocument/2006/relationships" xmlns:p="http://schemas.openxmlformats.org/presentationml/2006/main" show="0">
+  <p:cSld>
+    <p:spTree>
+      <p:nvGrpSpPr>
+        <p:cNvPr id="1" name=""/>
+        <p:cNvGrpSpPr/>
+        <p:nvPr/>
+      </p:nvGrpSpPr>
+      <p:grpSpPr>
+        <a:xfrm>
+          <a:off x="0" y="0"/>
+          <a:ext cx="0" cy="0"/>
+          <a:chOff x="0" y="0"/>
+          <a:chExt cx="0" cy="0"/>
+        </a:xfrm>
+      </p:grpSpPr>
+    </p:spTree>
+    <p:extLst>
+      <p:ext uri="{BB962C8B-B14F-4D97-AF65-F5344CB8AC3E}">
+        <p14:creationId xmlns:p14="http://schemas.microsoft.com/office/powerpoint/2010/main" val="607842329"/>
+      </p:ext>
+    </p:extLst>
+  </p:cSld>
+  <p:clrMapOvr>
+    <a:masterClrMapping/>
+  </p:clrMapOvr>
+</p:sld>
+</file>
+
+<file path=ppt/slides/slide14.xml><?xml version="1.0" encoding="utf-8"?>
+<p:sld xmlns:a="http://schemas.openxmlformats.org/drawingml/2006/main" xmlns:r="http://schemas.openxmlformats.org/officeDocument/2006/relationships" xmlns:p="http://schemas.openxmlformats.org/presentationml/2006/main">
+  <p:cSld>
+    <p:spTree>
+      <p:nvGrpSpPr>
+        <p:cNvPr id="1" name=""/>
+        <p:cNvGrpSpPr/>
+        <p:nvPr/>
+      </p:nvGrpSpPr>
+      <p:grpSpPr>
+        <a:xfrm>
+          <a:off x="0" y="0"/>
+          <a:ext cx="0" cy="0"/>
+          <a:chOff x="0" y="0"/>
+          <a:chExt cx="0" cy="0"/>
+        </a:xfrm>
+      </p:grpSpPr>
+      <p:sp>
+        <p:nvSpPr>
+          <p:cNvPr id="2" name="Title 1">
+            <a:extLst>
+              <a:ext uri="{FF2B5EF4-FFF2-40B4-BE49-F238E27FC236}">
+                <a16:creationId xmlns:a16="http://schemas.microsoft.com/office/drawing/2014/main" id="{7365125B-DFD7-B340-D064-012BC1994517}"/>
+              </a:ext>
+            </a:extLst>
+          </p:cNvPr>
+          <p:cNvSpPr>
+            <a:spLocks noGrp="1"/>
+          </p:cNvSpPr>
+          <p:nvPr>
+            <p:ph type="title"/>
+          </p:nvPr>
+        </p:nvSpPr>
+        <p:spPr/>
+        <p:txBody>
+          <a:bodyPr/>
+          <a:lstStyle/>
+          <a:p>
+            <a:endParaRPr lang="en-US"/>
+          </a:p>
+        </p:txBody>
+      </p:sp>
+      <p:sp>
+        <p:nvSpPr>
+          <p:cNvPr id="3" name="Content Placeholder 2">
+            <a:extLst>
+              <a:ext uri="{FF2B5EF4-FFF2-40B4-BE49-F238E27FC236}">
+                <a16:creationId xmlns:a16="http://schemas.microsoft.com/office/drawing/2014/main" id="{9FDDE015-ED75-5E65-9420-70C0792955D0}"/>
+              </a:ext>
+            </a:extLst>
+          </p:cNvPr>
+          <p:cNvSpPr>
+            <a:spLocks noGrp="1"/>
+          </p:cNvSpPr>
+          <p:nvPr>
+            <p:ph idx="1"/>
+          </p:nvPr>
+        </p:nvSpPr>
+        <p:spPr/>
+        <p:txBody>
+          <a:bodyPr/>
+          <a:lstStyle/>
+          <a:p>
+            <a:endParaRPr lang="en-US"/>
+          </a:p>
+        </p:txBody>
+      </p:sp>
+    </p:spTree>
+    <p:extLst>
+      <p:ext uri="{BB962C8B-B14F-4D97-AF65-F5344CB8AC3E}">
+        <p14:creationId xmlns:p14="http://schemas.microsoft.com/office/powerpoint/2010/main" val="1075763272"/>
+      </p:ext>
+    </p:extLst>
+  </p:cSld>
+  <p:clrMapOvr>
+    <a:masterClrMapping/>
+  </p:clrMapOvr>
+</p:sld>
+</file>
+
+<file path=ppt/slides/slide15.xml><?xml version="1.0" encoding="utf-8"?>
+<p:sld xmlns:a="http://schemas.openxmlformats.org/drawingml/2006/main" xmlns:r="http://schemas.openxmlformats.org/officeDocument/2006/relationships" xmlns:p="http://schemas.openxmlformats.org/presentationml/2006/main" show="0">
+  <p:cSld>
+    <p:spTree>
+      <p:nvGrpSpPr>
+        <p:cNvPr id="1" name=""/>
+        <p:cNvGrpSpPr/>
+        <p:nvPr/>
+      </p:nvGrpSpPr>
+      <p:grpSpPr>
+        <a:xfrm>
+          <a:off x="0" y="0"/>
+          <a:ext cx="0" cy="0"/>
+          <a:chOff x="0" y="0"/>
+          <a:chExt cx="0" cy="0"/>
+        </a:xfrm>
+      </p:grpSpPr>
+    </p:spTree>
+    <p:extLst>
+      <p:ext uri="{BB962C8B-B14F-4D97-AF65-F5344CB8AC3E}">
+        <p14:creationId xmlns:p14="http://schemas.microsoft.com/office/powerpoint/2010/main" val="4172439771"/>
+      </p:ext>
+    </p:extLst>
+  </p:cSld>
+  <p:clrMapOvr>
+    <a:masterClrMapping/>
+  </p:clrMapOvr>
+</p:sld>
+</file>
+
+<file path=ppt/slides/slide16.xml><?xml version="1.0" encoding="utf-8"?>
+<p:sld xmlns:a="http://schemas.openxmlformats.org/drawingml/2006/main" xmlns:r="http://schemas.openxmlformats.org/officeDocument/2006/relationships" xmlns:p="http://schemas.openxmlformats.org/presentationml/2006/main">
+  <p:cSld>
+    <p:spTree>
+      <p:nvGrpSpPr>
+        <p:cNvPr id="1" name=""/>
+        <p:cNvGrpSpPr/>
+        <p:nvPr/>
+      </p:nvGrpSpPr>
+      <p:grpSpPr>
+        <a:xfrm>
+          <a:off x="0" y="0"/>
+          <a:ext cx="0" cy="0"/>
+          <a:chOff x="0" y="0"/>
+          <a:chExt cx="0" cy="0"/>
+        </a:xfrm>
+      </p:grpSpPr>
+      <p:sp>
+        <p:nvSpPr>
+          <p:cNvPr id="2" name="Title 1">
+            <a:extLst>
+              <a:ext uri="{FF2B5EF4-FFF2-40B4-BE49-F238E27FC236}">
+                <a16:creationId xmlns:a16="http://schemas.microsoft.com/office/drawing/2014/main" id="{7365125B-DFD7-B340-D064-012BC1994517}"/>
+              </a:ext>
+            </a:extLst>
+          </p:cNvPr>
+          <p:cNvSpPr>
+            <a:spLocks noGrp="1"/>
+          </p:cNvSpPr>
+          <p:nvPr>
+            <p:ph type="title"/>
+          </p:nvPr>
+        </p:nvSpPr>
+        <p:spPr/>
+        <p:txBody>
+          <a:bodyPr/>
+          <a:lstStyle/>
+          <a:p>
+            <a:endParaRPr lang="en-US"/>
+          </a:p>
+        </p:txBody>
+      </p:sp>
+      <p:sp>
+        <p:nvSpPr>
+          <p:cNvPr id="3" name="Content Placeholder 2">
+            <a:extLst>
+              <a:ext uri="{FF2B5EF4-FFF2-40B4-BE49-F238E27FC236}">
+                <a16:creationId xmlns:a16="http://schemas.microsoft.com/office/drawing/2014/main" id="{9FDDE015-ED75-5E65-9420-70C0792955D0}"/>
+              </a:ext>
+            </a:extLst>
+          </p:cNvPr>
+          <p:cNvSpPr>
+            <a:spLocks noGrp="1"/>
+          </p:cNvSpPr>
+          <p:nvPr>
+            <p:ph idx="1"/>
+          </p:nvPr>
+        </p:nvSpPr>
+        <p:spPr/>
+        <p:txBody>
+          <a:bodyPr/>
+          <a:lstStyle/>
+          <a:p>
+            <a:endParaRPr lang="en-US"/>
+          </a:p>
+        </p:txBody>
+      </p:sp>
+    </p:spTree>
+    <p:extLst>
+      <p:ext uri="{BB962C8B-B14F-4D97-AF65-F5344CB8AC3E}">
+        <p14:creationId xmlns:p14="http://schemas.microsoft.com/office/powerpoint/2010/main" val="3048832226"/>
+      </p:ext>
+    </p:extLst>
+  </p:cSld>
+  <p:clrMapOvr>
+    <a:masterClrMapping/>
+  </p:clrMapOvr>
+</p:sld>
+</file>
+
+<file path=ppt/slides/slide17.xml><?xml version="1.0" encoding="utf-8"?>
+<p:sld xmlns:a="http://schemas.openxmlformats.org/drawingml/2006/main" xmlns:r="http://schemas.openxmlformats.org/officeDocument/2006/relationships" xmlns:p="http://schemas.openxmlformats.org/presentationml/2006/main" show="0">
+  <p:cSld>
+    <p:spTree>
+      <p:nvGrpSpPr>
+        <p:cNvPr id="1" name=""/>
+        <p:cNvGrpSpPr/>
+        <p:nvPr/>
+      </p:nvGrpSpPr>
+      <p:grpSpPr>
+        <a:xfrm>
+          <a:off x="0" y="0"/>
+          <a:ext cx="0" cy="0"/>
+          <a:chOff x="0" y="0"/>
+          <a:chExt cx="0" cy="0"/>
+        </a:xfrm>
+      </p:grpSpPr>
+    </p:spTree>
+    <p:extLst>
+      <p:ext uri="{BB962C8B-B14F-4D97-AF65-F5344CB8AC3E}">
+        <p14:creationId xmlns:p14="http://schemas.microsoft.com/office/powerpoint/2010/main" val="2391717294"/>
+      </p:ext>
+    </p:extLst>
+  </p:cSld>
+  <p:clrMapOvr>
+    <a:masterClrMapping/>
+  </p:clrMapOvr>
+</p:sld>
+</file>
+
+<file path=ppt/slides/slide2.xml><?xml version="1.0" encoding="utf-8"?>
+<p:sld xmlns:a="http://schemas.openxmlformats.org/drawingml/2006/main" xmlns:r="http://schemas.openxmlformats.org/officeDocument/2006/relationships" xmlns:p="http://schemas.openxmlformats.org/presentationml/2006/main">
+  <p:cSld>
+    <p:spTree>
+      <p:nvGrpSpPr>
+        <p:cNvPr id="1" name=""/>
+        <p:cNvGrpSpPr/>
+        <p:nvPr/>
+      </p:nvGrpSpPr>
+      <p:grpSpPr>
+        <a:xfrm>
+          <a:off x="0" y="0"/>
+          <a:ext cx="0" cy="0"/>
+          <a:chOff x="0" y="0"/>
+          <a:chExt cx="0" cy="0"/>
+        </a:xfrm>
+      </p:grpSpPr>
+      <p:sp>
+        <p:nvSpPr>
+          <p:cNvPr id="2" name="Title 1">
+            <a:extLst>
+              <a:ext uri="{FF2B5EF4-FFF2-40B4-BE49-F238E27FC236}">
+                <a16:creationId xmlns:a16="http://schemas.microsoft.com/office/drawing/2014/main" id="{05A991CF-79FC-F468-2601-9F146E2ABF47}"/>
+              </a:ext>
+            </a:extLst>
+          </p:cNvPr>
+          <p:cNvSpPr>
+            <a:spLocks noGrp="1"/>
+          </p:cNvSpPr>
+          <p:nvPr>
+            <p:ph type="title"/>
+          </p:nvPr>
+        </p:nvSpPr>
+        <p:spPr/>
+        <p:txBody>
+          <a:bodyPr/>
+          <a:lstStyle/>
+          <a:p>
+            <a:r>
+              <a:rPr lang="en-US" dirty="0"/>
+              <a:t>Zebrafish live in 28°C water</a:t>
+            </a:r>
+          </a:p>
+        </p:txBody>
+      </p:sp>
+      <p:sp>
+        <p:nvSpPr>
+          <p:cNvPr id="3" name="Content Placeholder 2">
+            <a:extLst>
+              <a:ext uri="{FF2B5EF4-FFF2-40B4-BE49-F238E27FC236}">
+                <a16:creationId xmlns:a16="http://schemas.microsoft.com/office/drawing/2014/main" id="{8AF025AA-3186-768A-EE77-C5397C5A4D4B}"/>
+              </a:ext>
+            </a:extLst>
+          </p:cNvPr>
+          <p:cNvSpPr>
+            <a:spLocks noGrp="1"/>
+          </p:cNvSpPr>
+          <p:nvPr>
+            <p:ph idx="1"/>
+          </p:nvPr>
+        </p:nvSpPr>
+        <p:spPr>
+          <a:xfrm>
+            <a:off x="216816" y="1545996"/>
+            <a:ext cx="5879184" cy="4630967"/>
+          </a:xfrm>
+        </p:spPr>
+        <p:txBody>
+          <a:bodyPr/>
+          <a:lstStyle/>
+          <a:p>
+            <a:endParaRPr lang="en-US" dirty="0"/>
+          </a:p>
+        </p:txBody>
+      </p:sp>
+    </p:spTree>
+    <p:extLst>
+      <p:ext uri="{BB962C8B-B14F-4D97-AF65-F5344CB8AC3E}">
+        <p14:creationId xmlns:p14="http://schemas.microsoft.com/office/powerpoint/2010/main" val="4075418784"/>
       </p:ext>
     </p:extLst>
   </p:cSld>
@@ -7170,7 +7897,7 @@
           <p:nvPr/>
         </p:nvPicPr>
         <p:blipFill>
-          <a:blip r:embed="rId2"/>
+          <a:blip r:embed="rId3"/>
           <a:stretch>
             <a:fillRect/>
           </a:stretch>
@@ -7258,7 +7985,7 @@
           <p:nvPr/>
         </p:nvPicPr>
         <p:blipFill>
-          <a:blip r:embed="rId2"/>
+          <a:blip r:embed="rId3"/>
           <a:stretch>
             <a:fillRect/>
           </a:stretch>
@@ -7288,7 +8015,7 @@
           <p:nvPr/>
         </p:nvPicPr>
         <p:blipFill>
-          <a:blip r:embed="rId3"/>
+          <a:blip r:embed="rId4"/>
           <a:stretch>
             <a:fillRect/>
           </a:stretch>
@@ -7318,7 +8045,7 @@
           <p:nvPr/>
         </p:nvPicPr>
         <p:blipFill>
-          <a:blip r:embed="rId4"/>
+          <a:blip r:embed="rId5"/>
           <a:stretch>
             <a:fillRect/>
           </a:stretch>
@@ -7368,7 +8095,7 @@
           <p:cNvPr id="2" name="Title 1">
             <a:extLst>
               <a:ext uri="{FF2B5EF4-FFF2-40B4-BE49-F238E27FC236}">
-                <a16:creationId xmlns:a16="http://schemas.microsoft.com/office/drawing/2014/main" id="{37D4F6FB-5A70-09B9-A5A8-E99DE66824B9}"/>
+                <a16:creationId xmlns:a16="http://schemas.microsoft.com/office/drawing/2014/main" id="{1473C536-163A-4E94-3188-E5397D0FDBB7}"/>
               </a:ext>
             </a:extLst>
           </p:cNvPr>
@@ -7386,41 +8113,182 @@
           <a:p>
             <a:r>
               <a:rPr lang="en-US" dirty="0"/>
-              <a:t>Trend holds when worm count is </a:t>
+              <a:t>Microbiome</a:t>
+            </a:r>
+          </a:p>
+        </p:txBody>
+      </p:sp>
+      <p:sp>
+        <p:nvSpPr>
+          <p:cNvPr id="5" name="Content Placeholder 4">
+            <a:extLst>
+              <a:ext uri="{FF2B5EF4-FFF2-40B4-BE49-F238E27FC236}">
+                <a16:creationId xmlns:a16="http://schemas.microsoft.com/office/drawing/2014/main" id="{6221BE6E-84BA-B640-E8A5-EEFA403B0D88}"/>
+              </a:ext>
+            </a:extLst>
+          </p:cNvPr>
+          <p:cNvSpPr>
+            <a:spLocks noGrp="1"/>
+          </p:cNvSpPr>
+          <p:nvPr>
+            <p:ph idx="1"/>
+          </p:nvPr>
+        </p:nvSpPr>
+        <p:spPr/>
+        <p:txBody>
+          <a:bodyPr/>
+          <a:lstStyle/>
+          <a:p>
+            <a:endParaRPr lang="en-US"/>
+          </a:p>
+        </p:txBody>
+      </p:sp>
+    </p:spTree>
+    <p:extLst>
+      <p:ext uri="{BB962C8B-B14F-4D97-AF65-F5344CB8AC3E}">
+        <p14:creationId xmlns:p14="http://schemas.microsoft.com/office/powerpoint/2010/main" val="1562190930"/>
+      </p:ext>
+    </p:extLst>
+  </p:cSld>
+  <p:clrMapOvr>
+    <a:masterClrMapping/>
+  </p:clrMapOvr>
+</p:sld>
+</file>
+
+<file path=ppt/slides/slide8.xml><?xml version="1.0" encoding="utf-8"?>
+<p:sld xmlns:a="http://schemas.openxmlformats.org/drawingml/2006/main" xmlns:r="http://schemas.openxmlformats.org/officeDocument/2006/relationships" xmlns:p="http://schemas.openxmlformats.org/presentationml/2006/main">
+  <p:cSld>
+    <p:spTree>
+      <p:nvGrpSpPr>
+        <p:cNvPr id="1" name=""/>
+        <p:cNvGrpSpPr/>
+        <p:nvPr/>
+      </p:nvGrpSpPr>
+      <p:grpSpPr>
+        <a:xfrm>
+          <a:off x="0" y="0"/>
+          <a:ext cx="0" cy="0"/>
+          <a:chOff x="0" y="0"/>
+          <a:chExt cx="0" cy="0"/>
+        </a:xfrm>
+      </p:grpSpPr>
+      <p:sp>
+        <p:nvSpPr>
+          <p:cNvPr id="2" name="Title 1">
+            <a:extLst>
+              <a:ext uri="{FF2B5EF4-FFF2-40B4-BE49-F238E27FC236}">
+                <a16:creationId xmlns:a16="http://schemas.microsoft.com/office/drawing/2014/main" id="{A667CBFD-8765-4F17-4D31-F7AAE4BBDC2F}"/>
+              </a:ext>
+            </a:extLst>
+          </p:cNvPr>
+          <p:cNvSpPr>
+            <a:spLocks noGrp="1"/>
+          </p:cNvSpPr>
+          <p:nvPr>
+            <p:ph type="title"/>
+          </p:nvPr>
+        </p:nvSpPr>
+        <p:spPr/>
+        <p:txBody>
+          <a:bodyPr/>
+          <a:lstStyle/>
+          <a:p>
+            <a:r>
+              <a:rPr lang="en-US" dirty="0"/>
+              <a:t>Higher temperatures associate </a:t>
             </a:r>
             <a:br>
               <a:rPr lang="en-US" dirty="0"/>
             </a:br>
             <a:r>
               <a:rPr lang="en-US" dirty="0"/>
-              <a:t>normalized to number of fish</a:t>
-            </a:r>
-          </a:p>
-        </p:txBody>
-      </p:sp>
-      <p:sp>
-        <p:nvSpPr>
-          <p:cNvPr id="11" name="TextBox 10">
-            <a:extLst>
-              <a:ext uri="{FF2B5EF4-FFF2-40B4-BE49-F238E27FC236}">
-                <a16:creationId xmlns:a16="http://schemas.microsoft.com/office/drawing/2014/main" id="{90A256BF-DBD3-11A6-FE74-6F2CAB3DBCAE}"/>
-              </a:ext>
-            </a:extLst>
-          </p:cNvPr>
-          <p:cNvSpPr txBox="1"/>
+              <a:t>with higher alpha diversity</a:t>
+            </a:r>
+          </a:p>
+        </p:txBody>
+      </p:sp>
+      <p:pic>
+        <p:nvPicPr>
+          <p:cNvPr id="5" name="Picture 4">
+            <a:extLst>
+              <a:ext uri="{FF2B5EF4-FFF2-40B4-BE49-F238E27FC236}">
+                <a16:creationId xmlns:a16="http://schemas.microsoft.com/office/drawing/2014/main" id="{822F1FD8-5431-1786-BC33-7428E550CD11}"/>
+              </a:ext>
+            </a:extLst>
+          </p:cNvPr>
+          <p:cNvPicPr>
+            <a:picLocks noChangeAspect="1"/>
+          </p:cNvPicPr>
           <p:nvPr/>
-        </p:nvSpPr>
+        </p:nvPicPr>
+        <p:blipFill>
+          <a:blip r:embed="rId3"/>
+          <a:stretch>
+            <a:fillRect/>
+          </a:stretch>
+        </p:blipFill>
         <p:spPr>
           <a:xfrm>
-            <a:off x="6412674" y="4986440"/>
-            <a:ext cx="5565569" cy="646331"/>
+            <a:off x="1970632" y="1325563"/>
+            <a:ext cx="8250735" cy="5091882"/>
           </a:xfrm>
           <a:prstGeom prst="rect">
             <a:avLst/>
           </a:prstGeom>
-          <a:solidFill>
-            <a:schemeClr val="bg1"/>
-          </a:solidFill>
+        </p:spPr>
+      </p:pic>
+      <p:pic>
+        <p:nvPicPr>
+          <p:cNvPr id="6" name="Picture 5">
+            <a:extLst>
+              <a:ext uri="{FF2B5EF4-FFF2-40B4-BE49-F238E27FC236}">
+                <a16:creationId xmlns:a16="http://schemas.microsoft.com/office/drawing/2014/main" id="{4B148383-1F64-C088-4406-E44067A11FC3}"/>
+              </a:ext>
+            </a:extLst>
+          </p:cNvPr>
+          <p:cNvPicPr>
+            <a:picLocks noChangeAspect="1"/>
+          </p:cNvPicPr>
+          <p:nvPr/>
+        </p:nvPicPr>
+        <p:blipFill>
+          <a:blip r:embed="rId4"/>
+          <a:stretch>
+            <a:fillRect/>
+          </a:stretch>
+        </p:blipFill>
+        <p:spPr>
+          <a:xfrm>
+            <a:off x="8763801" y="5562600"/>
+            <a:ext cx="3314700" cy="1295400"/>
+          </a:xfrm>
+          <a:prstGeom prst="rect">
+            <a:avLst/>
+          </a:prstGeom>
+        </p:spPr>
+      </p:pic>
+      <p:sp>
+        <p:nvSpPr>
+          <p:cNvPr id="7" name="TextBox 6">
+            <a:extLst>
+              <a:ext uri="{FF2B5EF4-FFF2-40B4-BE49-F238E27FC236}">
+                <a16:creationId xmlns:a16="http://schemas.microsoft.com/office/drawing/2014/main" id="{CC1C13C2-0596-FA1B-3602-789AEA5C019C}"/>
+              </a:ext>
+            </a:extLst>
+          </p:cNvPr>
+          <p:cNvSpPr txBox="1"/>
+          <p:nvPr/>
+        </p:nvSpPr>
+        <p:spPr>
+          <a:xfrm>
+            <a:off x="210480" y="6176057"/>
+            <a:ext cx="2937163" cy="461665"/>
+          </a:xfrm>
+          <a:prstGeom prst="rect">
+            <a:avLst/>
+          </a:prstGeom>
+          <a:noFill/>
         </p:spPr>
         <p:txBody>
           <a:bodyPr wrap="square" rtlCol="0">
@@ -7428,23 +8296,49 @@
           </a:bodyPr>
           <a:lstStyle/>
           <a:p>
-            <a:pPr algn="r"/>
-            <a:br>
-              <a:rPr lang="en-US" dirty="0"/>
-            </a:br>
-            <a:r>
-              <a:rPr lang="en-US" dirty="0"/>
-              <a:t>Number = Total worms / Num fish</a:t>
-            </a:r>
-          </a:p>
-        </p:txBody>
-      </p:sp>
+            <a:r>
+              <a:rPr lang="en-US" sz="2400" dirty="0"/>
+              <a:t>Control Fish</a:t>
+            </a:r>
+          </a:p>
+        </p:txBody>
+      </p:sp>
+    </p:spTree>
+    <p:extLst>
+      <p:ext uri="{BB962C8B-B14F-4D97-AF65-F5344CB8AC3E}">
+        <p14:creationId xmlns:p14="http://schemas.microsoft.com/office/powerpoint/2010/main" val="3504271815"/>
+      </p:ext>
+    </p:extLst>
+  </p:cSld>
+  <p:clrMapOvr>
+    <a:masterClrMapping/>
+  </p:clrMapOvr>
+</p:sld>
+</file>
+
+<file path=ppt/slides/slide9.xml><?xml version="1.0" encoding="utf-8"?>
+<p:sld xmlns:a="http://schemas.openxmlformats.org/drawingml/2006/main" xmlns:r="http://schemas.openxmlformats.org/officeDocument/2006/relationships" xmlns:p="http://schemas.openxmlformats.org/presentationml/2006/main" show="0">
+  <p:cSld>
+    <p:spTree>
+      <p:nvGrpSpPr>
+        <p:cNvPr id="1" name=""/>
+        <p:cNvGrpSpPr/>
+        <p:nvPr/>
+      </p:nvGrpSpPr>
+      <p:grpSpPr>
+        <a:xfrm>
+          <a:off x="0" y="0"/>
+          <a:ext cx="0" cy="0"/>
+          <a:chOff x="0" y="0"/>
+          <a:chExt cx="0" cy="0"/>
+        </a:xfrm>
+      </p:grpSpPr>
       <p:pic>
         <p:nvPicPr>
-          <p:cNvPr id="13" name="Picture 12">
-            <a:extLst>
-              <a:ext uri="{FF2B5EF4-FFF2-40B4-BE49-F238E27FC236}">
-                <a16:creationId xmlns:a16="http://schemas.microsoft.com/office/drawing/2014/main" id="{320BFF54-DB82-4BA3-DF3B-BDEB191FCA1F}"/>
+          <p:cNvPr id="2" name="Picture 1">
+            <a:extLst>
+              <a:ext uri="{FF2B5EF4-FFF2-40B4-BE49-F238E27FC236}">
+                <a16:creationId xmlns:a16="http://schemas.microsoft.com/office/drawing/2014/main" id="{3A441819-E735-B2AE-C56B-10FC3C28EC90}"/>
               </a:ext>
             </a:extLst>
           </p:cNvPr>
@@ -7461,78 +8355,99 @@
         </p:blipFill>
         <p:spPr>
           <a:xfrm>
-            <a:off x="1962151" y="5220300"/>
-            <a:ext cx="6259100" cy="1646538"/>
+            <a:off x="154420" y="865533"/>
+            <a:ext cx="5941580" cy="4849841"/>
           </a:xfrm>
           <a:prstGeom prst="rect">
             <a:avLst/>
           </a:prstGeom>
         </p:spPr>
       </p:pic>
-      <p:pic>
-        <p:nvPicPr>
-          <p:cNvPr id="15" name="Picture 14">
-            <a:extLst>
-              <a:ext uri="{FF2B5EF4-FFF2-40B4-BE49-F238E27FC236}">
-                <a16:creationId xmlns:a16="http://schemas.microsoft.com/office/drawing/2014/main" id="{C96620DC-B997-100F-5B52-E09E0F7CEBB2}"/>
-              </a:ext>
-            </a:extLst>
-          </p:cNvPr>
-          <p:cNvPicPr>
-            <a:picLocks noChangeAspect="1"/>
-          </p:cNvPicPr>
+      <p:grpSp>
+        <p:nvGrpSpPr>
+          <p:cNvPr id="6" name="Group 5">
+            <a:extLst>
+              <a:ext uri="{FF2B5EF4-FFF2-40B4-BE49-F238E27FC236}">
+                <a16:creationId xmlns:a16="http://schemas.microsoft.com/office/drawing/2014/main" id="{03CBC376-1190-0615-BF0E-EFB6818CC4AA}"/>
+              </a:ext>
+            </a:extLst>
+          </p:cNvPr>
+          <p:cNvGrpSpPr/>
           <p:nvPr/>
-        </p:nvPicPr>
-        <p:blipFill>
-          <a:blip r:embed="rId3"/>
-          <a:stretch>
-            <a:fillRect/>
-          </a:stretch>
-        </p:blipFill>
-        <p:spPr>
+        </p:nvGrpSpPr>
+        <p:grpSpPr>
           <a:xfrm>
-            <a:off x="179705" y="1335241"/>
-            <a:ext cx="5916295" cy="3651199"/>
+            <a:off x="5745595" y="945776"/>
+            <a:ext cx="6366251" cy="4485206"/>
+            <a:chOff x="5745595" y="945776"/>
+            <a:chExt cx="6366251" cy="4485206"/>
           </a:xfrm>
-          <a:prstGeom prst="rect">
-            <a:avLst/>
-          </a:prstGeom>
-        </p:spPr>
-      </p:pic>
-      <p:pic>
-        <p:nvPicPr>
-          <p:cNvPr id="16" name="Picture 15">
-            <a:extLst>
-              <a:ext uri="{FF2B5EF4-FFF2-40B4-BE49-F238E27FC236}">
-                <a16:creationId xmlns:a16="http://schemas.microsoft.com/office/drawing/2014/main" id="{1E6773D6-2AC2-186A-E006-6C5817FDD9DC}"/>
-              </a:ext>
-            </a:extLst>
-          </p:cNvPr>
-          <p:cNvPicPr>
-            <a:picLocks noChangeAspect="1"/>
-          </p:cNvPicPr>
-          <p:nvPr/>
-        </p:nvPicPr>
-        <p:blipFill>
-          <a:blip r:embed="rId4"/>
-          <a:stretch>
-            <a:fillRect/>
-          </a:stretch>
-        </p:blipFill>
-        <p:spPr>
-          <a:xfrm>
-            <a:off x="6096000" y="1335241"/>
-            <a:ext cx="5916295" cy="3651199"/>
-          </a:xfrm>
-          <a:prstGeom prst="rect">
-            <a:avLst/>
-          </a:prstGeom>
-        </p:spPr>
-      </p:pic>
+        </p:grpSpPr>
+        <p:pic>
+          <p:nvPicPr>
+            <p:cNvPr id="4" name="Picture 3">
+              <a:extLst>
+                <a:ext uri="{FF2B5EF4-FFF2-40B4-BE49-F238E27FC236}">
+                  <a16:creationId xmlns:a16="http://schemas.microsoft.com/office/drawing/2014/main" id="{B4708F78-34E4-BCC3-2DA9-9840CF746DBE}"/>
+                </a:ext>
+              </a:extLst>
+            </p:cNvPr>
+            <p:cNvPicPr>
+              <a:picLocks noChangeAspect="1"/>
+            </p:cNvPicPr>
+            <p:nvPr/>
+          </p:nvPicPr>
+          <p:blipFill>
+            <a:blip r:embed="rId3"/>
+            <a:stretch>
+              <a:fillRect/>
+            </a:stretch>
+          </p:blipFill>
+          <p:spPr>
+            <a:xfrm>
+              <a:off x="5745595" y="1503218"/>
+              <a:ext cx="6366251" cy="3927764"/>
+            </a:xfrm>
+            <a:prstGeom prst="rect">
+              <a:avLst/>
+            </a:prstGeom>
+          </p:spPr>
+        </p:pic>
+        <p:pic>
+          <p:nvPicPr>
+            <p:cNvPr id="5" name="Picture 4">
+              <a:extLst>
+                <a:ext uri="{FF2B5EF4-FFF2-40B4-BE49-F238E27FC236}">
+                  <a16:creationId xmlns:a16="http://schemas.microsoft.com/office/drawing/2014/main" id="{02209750-4B7F-858E-20EF-FC1BBEED5737}"/>
+                </a:ext>
+              </a:extLst>
+            </p:cNvPr>
+            <p:cNvPicPr>
+              <a:picLocks noChangeAspect="1"/>
+            </p:cNvPicPr>
+            <p:nvPr/>
+          </p:nvPicPr>
+          <p:blipFill>
+            <a:blip r:embed="rId4"/>
+            <a:stretch>
+              <a:fillRect/>
+            </a:stretch>
+          </p:blipFill>
+          <p:spPr>
+            <a:xfrm>
+              <a:off x="5848928" y="945776"/>
+              <a:ext cx="6188652" cy="494454"/>
+            </a:xfrm>
+            <a:prstGeom prst="rect">
+              <a:avLst/>
+            </a:prstGeom>
+          </p:spPr>
+        </p:pic>
+      </p:grpSp>
     </p:spTree>
     <p:extLst>
       <p:ext uri="{BB962C8B-B14F-4D97-AF65-F5344CB8AC3E}">
-        <p14:creationId xmlns:p14="http://schemas.microsoft.com/office/powerpoint/2010/main" val="3414500991"/>
+        <p14:creationId xmlns:p14="http://schemas.microsoft.com/office/powerpoint/2010/main" val="2378340687"/>
       </p:ext>
     </p:extLst>
   </p:cSld>
